--- a/src/07-Modules/07-Modules.pptx
+++ b/src/07-Modules/07-Modules.pptx
@@ -8,39 +8,45 @@
     <p:sldId id="256" r:id="rId2"/>
     <p:sldId id="317" r:id="rId3"/>
     <p:sldId id="318" r:id="rId4"/>
-    <p:sldId id="319" r:id="rId5"/>
-    <p:sldId id="316" r:id="rId6"/>
-    <p:sldId id="320" r:id="rId7"/>
-    <p:sldId id="321" r:id="rId8"/>
-    <p:sldId id="322" r:id="rId9"/>
-    <p:sldId id="323" r:id="rId10"/>
-    <p:sldId id="325" r:id="rId11"/>
-    <p:sldId id="324" r:id="rId12"/>
-    <p:sldId id="326" r:id="rId13"/>
-    <p:sldId id="291" r:id="rId14"/>
-    <p:sldId id="292" r:id="rId15"/>
-    <p:sldId id="293" r:id="rId16"/>
-    <p:sldId id="294" r:id="rId17"/>
-    <p:sldId id="295" r:id="rId18"/>
-    <p:sldId id="308" r:id="rId19"/>
-    <p:sldId id="296" r:id="rId20"/>
-    <p:sldId id="297" r:id="rId21"/>
-    <p:sldId id="298" r:id="rId22"/>
-    <p:sldId id="299" r:id="rId23"/>
-    <p:sldId id="300" r:id="rId24"/>
-    <p:sldId id="301" r:id="rId25"/>
-    <p:sldId id="302" r:id="rId26"/>
-    <p:sldId id="327" r:id="rId27"/>
-    <p:sldId id="303" r:id="rId28"/>
-    <p:sldId id="304" r:id="rId29"/>
-    <p:sldId id="305" r:id="rId30"/>
-    <p:sldId id="307" r:id="rId31"/>
-    <p:sldId id="312" r:id="rId32"/>
-    <p:sldId id="309" r:id="rId33"/>
-    <p:sldId id="310" r:id="rId34"/>
-    <p:sldId id="311" r:id="rId35"/>
-    <p:sldId id="313" r:id="rId36"/>
-    <p:sldId id="314" r:id="rId37"/>
+    <p:sldId id="316" r:id="rId5"/>
+    <p:sldId id="320" r:id="rId6"/>
+    <p:sldId id="321" r:id="rId7"/>
+    <p:sldId id="322" r:id="rId8"/>
+    <p:sldId id="323" r:id="rId9"/>
+    <p:sldId id="325" r:id="rId10"/>
+    <p:sldId id="324" r:id="rId11"/>
+    <p:sldId id="326" r:id="rId12"/>
+    <p:sldId id="291" r:id="rId13"/>
+    <p:sldId id="292" r:id="rId14"/>
+    <p:sldId id="293" r:id="rId15"/>
+    <p:sldId id="294" r:id="rId16"/>
+    <p:sldId id="295" r:id="rId17"/>
+    <p:sldId id="308" r:id="rId18"/>
+    <p:sldId id="296" r:id="rId19"/>
+    <p:sldId id="297" r:id="rId20"/>
+    <p:sldId id="298" r:id="rId21"/>
+    <p:sldId id="299" r:id="rId22"/>
+    <p:sldId id="300" r:id="rId23"/>
+    <p:sldId id="301" r:id="rId24"/>
+    <p:sldId id="302" r:id="rId25"/>
+    <p:sldId id="327" r:id="rId26"/>
+    <p:sldId id="303" r:id="rId27"/>
+    <p:sldId id="304" r:id="rId28"/>
+    <p:sldId id="305" r:id="rId29"/>
+    <p:sldId id="307" r:id="rId30"/>
+    <p:sldId id="328" r:id="rId31"/>
+    <p:sldId id="329" r:id="rId32"/>
+    <p:sldId id="330" r:id="rId33"/>
+    <p:sldId id="331" r:id="rId34"/>
+    <p:sldId id="334" r:id="rId35"/>
+    <p:sldId id="332" r:id="rId36"/>
+    <p:sldId id="333" r:id="rId37"/>
+    <p:sldId id="312" r:id="rId38"/>
+    <p:sldId id="309" r:id="rId39"/>
+    <p:sldId id="310" r:id="rId40"/>
+    <p:sldId id="311" r:id="rId41"/>
+    <p:sldId id="313" r:id="rId42"/>
+    <p:sldId id="314" r:id="rId43"/>
   </p:sldIdLst>
   <p:sldSz cx="12192000" cy="6858000"/>
   <p:notesSz cx="6858000" cy="9144000"/>
@@ -147,7 +153,6 @@
             <p14:sldId id="256"/>
             <p14:sldId id="317"/>
             <p14:sldId id="318"/>
-            <p14:sldId id="319"/>
           </p14:sldIdLst>
         </p14:section>
         <p14:section name="Package" id="{0B0C3821-601D-4DB3-A2E6-9F05E7E84967}">
@@ -186,6 +191,17 @@
             <p14:sldId id="304"/>
             <p14:sldId id="305"/>
             <p14:sldId id="307"/>
+          </p14:sldIdLst>
+        </p14:section>
+        <p14:section name="Dynamic Loading" id="{BA6C1927-855A-4C88-9F6E-68CB3DB9478D}">
+          <p14:sldIdLst>
+            <p14:sldId id="328"/>
+            <p14:sldId id="329"/>
+            <p14:sldId id="330"/>
+            <p14:sldId id="331"/>
+            <p14:sldId id="334"/>
+            <p14:sldId id="332"/>
+            <p14:sldId id="333"/>
           </p14:sldIdLst>
         </p14:section>
         <p14:section name="Conclusion" id="{FAAC3CD8-4D89-4EEB-BC6E-FC3060975D43}">
@@ -7464,7 +7480,7 @@
           <a:p>
             <a:fld id="{EFAAC8F1-21AA-47EF-82D9-7929EA07D29D}" type="datetimeFigureOut">
               <a:rPr lang="ru-RU" smtClean="0"/>
-              <a:t>19.03.2023</a:t>
+              <a:t>20.03.2023</a:t>
             </a:fld>
             <a:endParaRPr lang="ru-RU"/>
           </a:p>
@@ -7664,7 +7680,7 @@
           <a:p>
             <a:fld id="{EFAAC8F1-21AA-47EF-82D9-7929EA07D29D}" type="datetimeFigureOut">
               <a:rPr lang="ru-RU" smtClean="0"/>
-              <a:t>19.03.2023</a:t>
+              <a:t>20.03.2023</a:t>
             </a:fld>
             <a:endParaRPr lang="ru-RU"/>
           </a:p>
@@ -7874,7 +7890,7 @@
           <a:p>
             <a:fld id="{EFAAC8F1-21AA-47EF-82D9-7929EA07D29D}" type="datetimeFigureOut">
               <a:rPr lang="ru-RU" smtClean="0"/>
-              <a:t>19.03.2023</a:t>
+              <a:t>20.03.2023</a:t>
             </a:fld>
             <a:endParaRPr lang="ru-RU"/>
           </a:p>
@@ -8074,7 +8090,7 @@
           <a:p>
             <a:fld id="{EFAAC8F1-21AA-47EF-82D9-7929EA07D29D}" type="datetimeFigureOut">
               <a:rPr lang="ru-RU" smtClean="0"/>
-              <a:t>19.03.2023</a:t>
+              <a:t>20.03.2023</a:t>
             </a:fld>
             <a:endParaRPr lang="ru-RU"/>
           </a:p>
@@ -8350,7 +8366,7 @@
           <a:p>
             <a:fld id="{EFAAC8F1-21AA-47EF-82D9-7929EA07D29D}" type="datetimeFigureOut">
               <a:rPr lang="ru-RU" smtClean="0"/>
-              <a:t>19.03.2023</a:t>
+              <a:t>20.03.2023</a:t>
             </a:fld>
             <a:endParaRPr lang="ru-RU"/>
           </a:p>
@@ -8618,7 +8634,7 @@
           <a:p>
             <a:fld id="{EFAAC8F1-21AA-47EF-82D9-7929EA07D29D}" type="datetimeFigureOut">
               <a:rPr lang="ru-RU" smtClean="0"/>
-              <a:t>19.03.2023</a:t>
+              <a:t>20.03.2023</a:t>
             </a:fld>
             <a:endParaRPr lang="ru-RU"/>
           </a:p>
@@ -9033,7 +9049,7 @@
           <a:p>
             <a:fld id="{EFAAC8F1-21AA-47EF-82D9-7929EA07D29D}" type="datetimeFigureOut">
               <a:rPr lang="ru-RU" smtClean="0"/>
-              <a:t>19.03.2023</a:t>
+              <a:t>20.03.2023</a:t>
             </a:fld>
             <a:endParaRPr lang="ru-RU"/>
           </a:p>
@@ -9175,7 +9191,7 @@
           <a:p>
             <a:fld id="{EFAAC8F1-21AA-47EF-82D9-7929EA07D29D}" type="datetimeFigureOut">
               <a:rPr lang="ru-RU" smtClean="0"/>
-              <a:t>19.03.2023</a:t>
+              <a:t>20.03.2023</a:t>
             </a:fld>
             <a:endParaRPr lang="ru-RU"/>
           </a:p>
@@ -9288,7 +9304,7 @@
           <a:p>
             <a:fld id="{EFAAC8F1-21AA-47EF-82D9-7929EA07D29D}" type="datetimeFigureOut">
               <a:rPr lang="ru-RU" smtClean="0"/>
-              <a:t>19.03.2023</a:t>
+              <a:t>20.03.2023</a:t>
             </a:fld>
             <a:endParaRPr lang="ru-RU"/>
           </a:p>
@@ -9601,7 +9617,7 @@
           <a:p>
             <a:fld id="{EFAAC8F1-21AA-47EF-82D9-7929EA07D29D}" type="datetimeFigureOut">
               <a:rPr lang="ru-RU" smtClean="0"/>
-              <a:t>19.03.2023</a:t>
+              <a:t>20.03.2023</a:t>
             </a:fld>
             <a:endParaRPr lang="ru-RU"/>
           </a:p>
@@ -9890,7 +9906,7 @@
           <a:p>
             <a:fld id="{EFAAC8F1-21AA-47EF-82D9-7929EA07D29D}" type="datetimeFigureOut">
               <a:rPr lang="ru-RU" smtClean="0"/>
-              <a:t>19.03.2023</a:t>
+              <a:t>20.03.2023</a:t>
             </a:fld>
             <a:endParaRPr lang="ru-RU"/>
           </a:p>
@@ -10133,7 +10149,7 @@
           <a:p>
             <a:fld id="{EFAAC8F1-21AA-47EF-82D9-7929EA07D29D}" type="datetimeFigureOut">
               <a:rPr lang="ru-RU" smtClean="0"/>
-              <a:t>19.03.2023</a:t>
+              <a:t>20.03.2023</a:t>
             </a:fld>
             <a:endParaRPr lang="ru-RU"/>
           </a:p>
@@ -10571,6 +10587,10 @@
           <a:bodyPr/>
           <a:lstStyle/>
           <a:p>
+            <a:r>
+              <a:rPr lang="en-US"/>
+              <a:t>Modules</a:t>
+            </a:r>
             <a:endParaRPr lang="ru-RU" dirty="0"/>
           </a:p>
         </p:txBody>
@@ -10624,681 +10644,6 @@
 </file>
 
 <file path=ppt/slides/slide10.xml><?xml version="1.0" encoding="utf-8"?>
-<p:sld xmlns:a="http://schemas.openxmlformats.org/drawingml/2006/main" xmlns:r="http://schemas.openxmlformats.org/officeDocument/2006/relationships" xmlns:p="http://schemas.openxmlformats.org/presentationml/2006/main">
-  <p:cSld>
-    <p:spTree>
-      <p:nvGrpSpPr>
-        <p:cNvPr id="1" name=""/>
-        <p:cNvGrpSpPr/>
-        <p:nvPr/>
-      </p:nvGrpSpPr>
-      <p:grpSpPr>
-        <a:xfrm>
-          <a:off x="0" y="0"/>
-          <a:ext cx="0" cy="0"/>
-          <a:chOff x="0" y="0"/>
-          <a:chExt cx="0" cy="0"/>
-        </a:xfrm>
-      </p:grpSpPr>
-      <p:sp>
-        <p:nvSpPr>
-          <p:cNvPr id="4" name="Title 3">
-            <a:extLst>
-              <a:ext uri="{FF2B5EF4-FFF2-40B4-BE49-F238E27FC236}">
-                <a16:creationId xmlns:a16="http://schemas.microsoft.com/office/drawing/2014/main" id="{06603DD2-3761-F3B2-417F-5EF1E9D4D968}"/>
-              </a:ext>
-            </a:extLst>
-          </p:cNvPr>
-          <p:cNvSpPr>
-            <a:spLocks noGrp="1"/>
-          </p:cNvSpPr>
-          <p:nvPr>
-            <p:ph type="title"/>
-          </p:nvPr>
-        </p:nvSpPr>
-        <p:spPr/>
-        <p:txBody>
-          <a:bodyPr/>
-          <a:lstStyle/>
-          <a:p>
-            <a:r>
-              <a:rPr lang="en-US" dirty="0"/>
-              <a:t>Crate as </a:t>
-            </a:r>
-            <a:r>
-              <a:rPr lang="en-US" b="1" dirty="0" err="1"/>
-              <a:t>rustc</a:t>
-            </a:r>
-            <a:r>
-              <a:rPr lang="en-US" dirty="0"/>
-              <a:t> entity</a:t>
-            </a:r>
-            <a:endParaRPr lang="ru-RU" dirty="0"/>
-          </a:p>
-        </p:txBody>
-      </p:sp>
-      <p:sp>
-        <p:nvSpPr>
-          <p:cNvPr id="5" name="Content Placeholder 4">
-            <a:extLst>
-              <a:ext uri="{FF2B5EF4-FFF2-40B4-BE49-F238E27FC236}">
-                <a16:creationId xmlns:a16="http://schemas.microsoft.com/office/drawing/2014/main" id="{5B0B6B5E-53FF-A165-AE85-F588D537FE7A}"/>
-              </a:ext>
-            </a:extLst>
-          </p:cNvPr>
-          <p:cNvSpPr>
-            <a:spLocks noGrp="1"/>
-          </p:cNvSpPr>
-          <p:nvPr>
-            <p:ph sz="half" idx="1"/>
-          </p:nvPr>
-        </p:nvSpPr>
-        <p:spPr>
-          <a:xfrm>
-            <a:off x="838200" y="1825625"/>
-            <a:ext cx="4068817" cy="4351338"/>
-          </a:xfrm>
-        </p:spPr>
-        <p:txBody>
-          <a:bodyPr/>
-          <a:lstStyle/>
-          <a:p>
-            <a:r>
-              <a:rPr lang="en-US" dirty="0"/>
-              <a:t>foo.rs</a:t>
-            </a:r>
-          </a:p>
-          <a:p>
-            <a:pPr lvl="1"/>
-            <a:r>
-              <a:rPr lang="en-US" dirty="0">
-                <a:solidFill>
-                  <a:srgbClr val="0033B3"/>
-                </a:solidFill>
-                <a:effectLst/>
-                <a:latin typeface="JetBrains Mono"/>
-              </a:rPr>
-              <a:t>pub </a:t>
-            </a:r>
-            <a:r>
-              <a:rPr lang="en-US" dirty="0" err="1">
-                <a:solidFill>
-                  <a:srgbClr val="0033B3"/>
-                </a:solidFill>
-                <a:effectLst/>
-                <a:latin typeface="JetBrains Mono"/>
-              </a:rPr>
-              <a:t>fn</a:t>
-            </a:r>
-            <a:r>
-              <a:rPr lang="en-US" dirty="0">
-                <a:solidFill>
-                  <a:srgbClr val="0033B3"/>
-                </a:solidFill>
-                <a:effectLst/>
-                <a:latin typeface="JetBrains Mono"/>
-              </a:rPr>
-              <a:t> </a:t>
-            </a:r>
-            <a:r>
-              <a:rPr lang="en-US" dirty="0">
-                <a:solidFill>
-                  <a:srgbClr val="00627A"/>
-                </a:solidFill>
-                <a:effectLst/>
-                <a:latin typeface="JetBrains Mono"/>
-              </a:rPr>
-              <a:t>hello</a:t>
-            </a:r>
-            <a:r>
-              <a:rPr lang="en-US" dirty="0">
-                <a:solidFill>
-                  <a:srgbClr val="080808"/>
-                </a:solidFill>
-                <a:effectLst/>
-                <a:latin typeface="JetBrains Mono"/>
-              </a:rPr>
-              <a:t>(){</a:t>
-            </a:r>
-            <a:br>
-              <a:rPr lang="en-US" dirty="0">
-                <a:solidFill>
-                  <a:srgbClr val="080808"/>
-                </a:solidFill>
-                <a:effectLst/>
-                <a:latin typeface="JetBrains Mono"/>
-              </a:rPr>
-            </a:br>
-            <a:r>
-              <a:rPr lang="en-US" dirty="0">
-                <a:solidFill>
-                  <a:srgbClr val="080808"/>
-                </a:solidFill>
-                <a:effectLst/>
-                <a:latin typeface="JetBrains Mono"/>
-              </a:rPr>
-              <a:t>    </a:t>
-            </a:r>
-            <a:r>
-              <a:rPr lang="en-US" dirty="0" err="1">
-                <a:solidFill>
-                  <a:srgbClr val="DD6718"/>
-                </a:solidFill>
-                <a:effectLst/>
-                <a:latin typeface="JetBrains Mono"/>
-              </a:rPr>
-              <a:t>println</a:t>
-            </a:r>
-            <a:r>
-              <a:rPr lang="en-US" dirty="0">
-                <a:solidFill>
-                  <a:srgbClr val="DD6718"/>
-                </a:solidFill>
-                <a:effectLst/>
-                <a:latin typeface="JetBrains Mono"/>
-              </a:rPr>
-              <a:t>!</a:t>
-            </a:r>
-            <a:r>
-              <a:rPr lang="en-US" dirty="0">
-                <a:solidFill>
-                  <a:srgbClr val="080808"/>
-                </a:solidFill>
-                <a:effectLst/>
-                <a:latin typeface="JetBrains Mono"/>
-              </a:rPr>
-              <a:t>(</a:t>
-            </a:r>
-            <a:r>
-              <a:rPr lang="en-US" dirty="0">
-                <a:solidFill>
-                  <a:srgbClr val="067D17"/>
-                </a:solidFill>
-                <a:effectLst/>
-                <a:latin typeface="JetBrains Mono"/>
-              </a:rPr>
-              <a:t>"Hello World"</a:t>
-            </a:r>
-            <a:r>
-              <a:rPr lang="en-US" dirty="0">
-                <a:solidFill>
-                  <a:srgbClr val="080808"/>
-                </a:solidFill>
-                <a:effectLst/>
-                <a:latin typeface="JetBrains Mono"/>
-              </a:rPr>
-              <a:t>)</a:t>
-            </a:r>
-            <a:br>
-              <a:rPr lang="en-US" dirty="0">
-                <a:solidFill>
-                  <a:srgbClr val="080808"/>
-                </a:solidFill>
-                <a:effectLst/>
-                <a:latin typeface="JetBrains Mono"/>
-              </a:rPr>
-            </a:br>
-            <a:r>
-              <a:rPr lang="en-US" dirty="0">
-                <a:solidFill>
-                  <a:srgbClr val="080808"/>
-                </a:solidFill>
-                <a:effectLst/>
-                <a:latin typeface="JetBrains Mono"/>
-              </a:rPr>
-              <a:t>}</a:t>
-            </a:r>
-          </a:p>
-          <a:p>
-            <a:r>
-              <a:rPr lang="en-US" dirty="0"/>
-              <a:t>bar.rs</a:t>
-            </a:r>
-          </a:p>
-          <a:p>
-            <a:pPr lvl="1"/>
-            <a:r>
-              <a:rPr lang="en-US" dirty="0" err="1">
-                <a:solidFill>
-                  <a:srgbClr val="0033B3"/>
-                </a:solidFill>
-                <a:effectLst/>
-                <a:latin typeface="JetBrains Mono"/>
-              </a:rPr>
-              <a:t>fn</a:t>
-            </a:r>
-            <a:r>
-              <a:rPr lang="en-US" dirty="0">
-                <a:solidFill>
-                  <a:srgbClr val="0033B3"/>
-                </a:solidFill>
-                <a:effectLst/>
-                <a:latin typeface="JetBrains Mono"/>
-              </a:rPr>
-              <a:t> </a:t>
-            </a:r>
-            <a:r>
-              <a:rPr lang="en-US" dirty="0">
-                <a:solidFill>
-                  <a:srgbClr val="00627A"/>
-                </a:solidFill>
-                <a:effectLst/>
-                <a:latin typeface="JetBrains Mono"/>
-              </a:rPr>
-              <a:t>main</a:t>
-            </a:r>
-            <a:r>
-              <a:rPr lang="en-US" dirty="0">
-                <a:solidFill>
-                  <a:srgbClr val="080808"/>
-                </a:solidFill>
-                <a:effectLst/>
-                <a:latin typeface="JetBrains Mono"/>
-              </a:rPr>
-              <a:t>(){</a:t>
-            </a:r>
-            <a:br>
-              <a:rPr lang="en-US" dirty="0">
-                <a:solidFill>
-                  <a:srgbClr val="080808"/>
-                </a:solidFill>
-                <a:effectLst/>
-                <a:latin typeface="JetBrains Mono"/>
-              </a:rPr>
-            </a:br>
-            <a:r>
-              <a:rPr lang="en-US" dirty="0">
-                <a:solidFill>
-                  <a:srgbClr val="080808"/>
-                </a:solidFill>
-                <a:effectLst/>
-                <a:latin typeface="JetBrains Mono"/>
-              </a:rPr>
-              <a:t>    </a:t>
-            </a:r>
-            <a:r>
-              <a:rPr lang="en-US" dirty="0" err="1">
-                <a:solidFill>
-                  <a:srgbClr val="080808"/>
-                </a:solidFill>
-                <a:effectLst/>
-                <a:latin typeface="JetBrains Mono"/>
-              </a:rPr>
-              <a:t>my_foo</a:t>
-            </a:r>
-            <a:r>
-              <a:rPr lang="en-US" dirty="0">
-                <a:solidFill>
-                  <a:srgbClr val="080808"/>
-                </a:solidFill>
-                <a:effectLst/>
-                <a:latin typeface="JetBrains Mono"/>
-              </a:rPr>
-              <a:t>::hello();</a:t>
-            </a:r>
-            <a:br>
-              <a:rPr lang="en-US" dirty="0">
-                <a:solidFill>
-                  <a:srgbClr val="080808"/>
-                </a:solidFill>
-                <a:effectLst/>
-                <a:latin typeface="JetBrains Mono"/>
-              </a:rPr>
-            </a:br>
-            <a:r>
-              <a:rPr lang="en-US" dirty="0">
-                <a:solidFill>
-                  <a:srgbClr val="080808"/>
-                </a:solidFill>
-                <a:effectLst/>
-                <a:latin typeface="JetBrains Mono"/>
-              </a:rPr>
-              <a:t>}</a:t>
-            </a:r>
-          </a:p>
-          <a:p>
-            <a:endParaRPr lang="ru-RU" dirty="0"/>
-          </a:p>
-        </p:txBody>
-      </p:sp>
-      <p:sp>
-        <p:nvSpPr>
-          <p:cNvPr id="6" name="Content Placeholder 5">
-            <a:extLst>
-              <a:ext uri="{FF2B5EF4-FFF2-40B4-BE49-F238E27FC236}">
-                <a16:creationId xmlns:a16="http://schemas.microsoft.com/office/drawing/2014/main" id="{71CAABDA-8A44-3065-0E3C-D2FE37CFE1AC}"/>
-              </a:ext>
-            </a:extLst>
-          </p:cNvPr>
-          <p:cNvSpPr>
-            <a:spLocks noGrp="1"/>
-          </p:cNvSpPr>
-          <p:nvPr>
-            <p:ph sz="half" idx="2"/>
-          </p:nvPr>
-        </p:nvSpPr>
-        <p:spPr>
-          <a:xfrm>
-            <a:off x="4907017" y="1825625"/>
-            <a:ext cx="6446783" cy="4351338"/>
-          </a:xfrm>
-        </p:spPr>
-        <p:txBody>
-          <a:bodyPr/>
-          <a:lstStyle/>
-          <a:p>
-            <a:pPr marL="0" indent="0">
-              <a:buNone/>
-            </a:pPr>
-            <a:r>
-              <a:rPr lang="en-US" dirty="0" err="1"/>
-              <a:t>rustc</a:t>
-            </a:r>
-            <a:r>
-              <a:rPr lang="en-US" dirty="0"/>
-              <a:t> foo.rs --crate-type </a:t>
-            </a:r>
-            <a:r>
-              <a:rPr lang="en-US" dirty="0" err="1"/>
-              <a:t>rlib</a:t>
-            </a:r>
-            <a:endParaRPr lang="en-US" dirty="0"/>
-          </a:p>
-          <a:p>
-            <a:pPr marL="0" indent="0">
-              <a:buNone/>
-            </a:pPr>
-            <a:r>
-              <a:rPr lang="en-US" dirty="0"/>
-              <a:t>&gt; </a:t>
-            </a:r>
-            <a:r>
-              <a:rPr lang="en-US" dirty="0" err="1"/>
-              <a:t>libfoo.rlib</a:t>
-            </a:r>
-            <a:endParaRPr lang="en-US" dirty="0"/>
-          </a:p>
-          <a:p>
-            <a:pPr marL="0" indent="0">
-              <a:buNone/>
-            </a:pPr>
-            <a:r>
-              <a:rPr lang="en-US" dirty="0" err="1"/>
-              <a:t>rustc</a:t>
-            </a:r>
-            <a:r>
-              <a:rPr lang="en-US" dirty="0"/>
-              <a:t> bar.rs --extern </a:t>
-            </a:r>
-            <a:r>
-              <a:rPr lang="en-US" dirty="0" err="1"/>
-              <a:t>my_foo</a:t>
-            </a:r>
-            <a:r>
-              <a:rPr lang="en-US" dirty="0"/>
-              <a:t>=./</a:t>
-            </a:r>
-            <a:r>
-              <a:rPr lang="en-US" dirty="0" err="1"/>
-              <a:t>libfoo.rlib</a:t>
-            </a:r>
-            <a:endParaRPr lang="en-US" dirty="0"/>
-          </a:p>
-          <a:p>
-            <a:pPr marL="0" indent="0">
-              <a:buNone/>
-            </a:pPr>
-            <a:r>
-              <a:rPr lang="en-US" dirty="0"/>
-              <a:t>&gt; bar.exe</a:t>
-            </a:r>
-            <a:endParaRPr lang="ru-RU" dirty="0"/>
-          </a:p>
-        </p:txBody>
-      </p:sp>
-    </p:spTree>
-    <p:extLst>
-      <p:ext uri="{BB962C8B-B14F-4D97-AF65-F5344CB8AC3E}">
-        <p14:creationId xmlns:p14="http://schemas.microsoft.com/office/powerpoint/2010/main" val="3288515054"/>
-      </p:ext>
-    </p:extLst>
-  </p:cSld>
-  <p:clrMapOvr>
-    <a:masterClrMapping/>
-  </p:clrMapOvr>
-  <p:timing>
-    <p:tnLst>
-      <p:par>
-        <p:cTn id="1" dur="indefinite" restart="never" nodeType="tmRoot">
-          <p:childTnLst>
-            <p:seq concurrent="1" nextAc="seek">
-              <p:cTn id="2" dur="indefinite" nodeType="mainSeq">
-                <p:childTnLst>
-                  <p:par>
-                    <p:cTn id="3" fill="hold">
-                      <p:stCondLst>
-                        <p:cond delay="indefinite"/>
-                      </p:stCondLst>
-                      <p:childTnLst>
-                        <p:par>
-                          <p:cTn id="4" fill="hold">
-                            <p:stCondLst>
-                              <p:cond delay="0"/>
-                            </p:stCondLst>
-                            <p:childTnLst>
-                              <p:par>
-                                <p:cTn id="5" presetID="1" presetClass="entr" presetSubtype="0" fill="hold" grpId="0" nodeType="clickEffect">
-                                  <p:stCondLst>
-                                    <p:cond delay="0"/>
-                                  </p:stCondLst>
-                                  <p:childTnLst>
-                                    <p:set>
-                                      <p:cBhvr>
-                                        <p:cTn id="6" dur="1" fill="hold">
-                                          <p:stCondLst>
-                                            <p:cond delay="0"/>
-                                          </p:stCondLst>
-                                        </p:cTn>
-                                        <p:tgtEl>
-                                          <p:spTgt spid="6">
-                                            <p:txEl>
-                                              <p:pRg st="0" end="0"/>
-                                            </p:txEl>
-                                          </p:spTgt>
-                                        </p:tgtEl>
-                                        <p:attrNameLst>
-                                          <p:attrName>style.visibility</p:attrName>
-                                        </p:attrNameLst>
-                                      </p:cBhvr>
-                                      <p:to>
-                                        <p:strVal val="visible"/>
-                                      </p:to>
-                                    </p:set>
-                                  </p:childTnLst>
-                                </p:cTn>
-                              </p:par>
-                            </p:childTnLst>
-                          </p:cTn>
-                        </p:par>
-                      </p:childTnLst>
-                    </p:cTn>
-                  </p:par>
-                  <p:par>
-                    <p:cTn id="7" fill="hold">
-                      <p:stCondLst>
-                        <p:cond delay="indefinite"/>
-                      </p:stCondLst>
-                      <p:childTnLst>
-                        <p:par>
-                          <p:cTn id="8" fill="hold">
-                            <p:stCondLst>
-                              <p:cond delay="0"/>
-                            </p:stCondLst>
-                            <p:childTnLst>
-                              <p:par>
-                                <p:cTn id="9" presetID="1" presetClass="entr" presetSubtype="0" fill="hold" grpId="0" nodeType="clickEffect">
-                                  <p:stCondLst>
-                                    <p:cond delay="0"/>
-                                  </p:stCondLst>
-                                  <p:childTnLst>
-                                    <p:set>
-                                      <p:cBhvr>
-                                        <p:cTn id="10" dur="1" fill="hold">
-                                          <p:stCondLst>
-                                            <p:cond delay="0"/>
-                                          </p:stCondLst>
-                                        </p:cTn>
-                                        <p:tgtEl>
-                                          <p:spTgt spid="6">
-                                            <p:txEl>
-                                              <p:pRg st="1" end="1"/>
-                                            </p:txEl>
-                                          </p:spTgt>
-                                        </p:tgtEl>
-                                        <p:attrNameLst>
-                                          <p:attrName>style.visibility</p:attrName>
-                                        </p:attrNameLst>
-                                      </p:cBhvr>
-                                      <p:to>
-                                        <p:strVal val="visible"/>
-                                      </p:to>
-                                    </p:set>
-                                  </p:childTnLst>
-                                </p:cTn>
-                              </p:par>
-                            </p:childTnLst>
-                          </p:cTn>
-                        </p:par>
-                      </p:childTnLst>
-                    </p:cTn>
-                  </p:par>
-                  <p:par>
-                    <p:cTn id="11" fill="hold">
-                      <p:stCondLst>
-                        <p:cond delay="indefinite"/>
-                      </p:stCondLst>
-                      <p:childTnLst>
-                        <p:par>
-                          <p:cTn id="12" fill="hold">
-                            <p:stCondLst>
-                              <p:cond delay="0"/>
-                            </p:stCondLst>
-                            <p:childTnLst>
-                              <p:par>
-                                <p:cTn id="13" presetID="1" presetClass="entr" presetSubtype="0" fill="hold" grpId="0" nodeType="clickEffect">
-                                  <p:stCondLst>
-                                    <p:cond delay="0"/>
-                                  </p:stCondLst>
-                                  <p:childTnLst>
-                                    <p:set>
-                                      <p:cBhvr>
-                                        <p:cTn id="14" dur="1" fill="hold">
-                                          <p:stCondLst>
-                                            <p:cond delay="0"/>
-                                          </p:stCondLst>
-                                        </p:cTn>
-                                        <p:tgtEl>
-                                          <p:spTgt spid="6">
-                                            <p:txEl>
-                                              <p:pRg st="2" end="2"/>
-                                            </p:txEl>
-                                          </p:spTgt>
-                                        </p:tgtEl>
-                                        <p:attrNameLst>
-                                          <p:attrName>style.visibility</p:attrName>
-                                        </p:attrNameLst>
-                                      </p:cBhvr>
-                                      <p:to>
-                                        <p:strVal val="visible"/>
-                                      </p:to>
-                                    </p:set>
-                                  </p:childTnLst>
-                                </p:cTn>
-                              </p:par>
-                            </p:childTnLst>
-                          </p:cTn>
-                        </p:par>
-                      </p:childTnLst>
-                    </p:cTn>
-                  </p:par>
-                  <p:par>
-                    <p:cTn id="15" fill="hold">
-                      <p:stCondLst>
-                        <p:cond delay="indefinite"/>
-                      </p:stCondLst>
-                      <p:childTnLst>
-                        <p:par>
-                          <p:cTn id="16" fill="hold">
-                            <p:stCondLst>
-                              <p:cond delay="0"/>
-                            </p:stCondLst>
-                            <p:childTnLst>
-                              <p:par>
-                                <p:cTn id="17" presetID="1" presetClass="entr" presetSubtype="0" fill="hold" grpId="0" nodeType="clickEffect">
-                                  <p:stCondLst>
-                                    <p:cond delay="0"/>
-                                  </p:stCondLst>
-                                  <p:childTnLst>
-                                    <p:set>
-                                      <p:cBhvr>
-                                        <p:cTn id="18" dur="1" fill="hold">
-                                          <p:stCondLst>
-                                            <p:cond delay="0"/>
-                                          </p:stCondLst>
-                                        </p:cTn>
-                                        <p:tgtEl>
-                                          <p:spTgt spid="6">
-                                            <p:txEl>
-                                              <p:pRg st="3" end="3"/>
-                                            </p:txEl>
-                                          </p:spTgt>
-                                        </p:tgtEl>
-                                        <p:attrNameLst>
-                                          <p:attrName>style.visibility</p:attrName>
-                                        </p:attrNameLst>
-                                      </p:cBhvr>
-                                      <p:to>
-                                        <p:strVal val="visible"/>
-                                      </p:to>
-                                    </p:set>
-                                  </p:childTnLst>
-                                </p:cTn>
-                              </p:par>
-                            </p:childTnLst>
-                          </p:cTn>
-                        </p:par>
-                      </p:childTnLst>
-                    </p:cTn>
-                  </p:par>
-                </p:childTnLst>
-              </p:cTn>
-              <p:prevCondLst>
-                <p:cond evt="onPrev" delay="0">
-                  <p:tgtEl>
-                    <p:sldTgt/>
-                  </p:tgtEl>
-                </p:cond>
-              </p:prevCondLst>
-              <p:nextCondLst>
-                <p:cond evt="onNext" delay="0">
-                  <p:tgtEl>
-                    <p:sldTgt/>
-                  </p:tgtEl>
-                </p:cond>
-              </p:nextCondLst>
-            </p:seq>
-          </p:childTnLst>
-        </p:cTn>
-      </p:par>
-    </p:tnLst>
-    <p:bldLst>
-      <p:bldP spid="6" grpId="0" build="p"/>
-    </p:bldLst>
-  </p:timing>
-</p:sld>
-</file>
-
-<file path=ppt/slides/slide11.xml><?xml version="1.0" encoding="utf-8"?>
 <p:sld xmlns:a="http://schemas.openxmlformats.org/drawingml/2006/main" xmlns:r="http://schemas.openxmlformats.org/officeDocument/2006/relationships" xmlns:p="http://schemas.openxmlformats.org/presentationml/2006/main">
   <p:cSld>
     <p:spTree>
@@ -11732,7 +11077,7 @@
 </p:sld>
 </file>
 
-<file path=ppt/slides/slide12.xml><?xml version="1.0" encoding="utf-8"?>
+<file path=ppt/slides/slide11.xml><?xml version="1.0" encoding="utf-8"?>
 <p:sld xmlns:a="http://schemas.openxmlformats.org/drawingml/2006/main" xmlns:r="http://schemas.openxmlformats.org/officeDocument/2006/relationships" xmlns:p="http://schemas.openxmlformats.org/presentationml/2006/main">
   <p:cSld>
     <p:spTree>
@@ -11822,7 +11167,7 @@
 </p:sld>
 </file>
 
-<file path=ppt/slides/slide13.xml><?xml version="1.0" encoding="utf-8"?>
+<file path=ppt/slides/slide12.xml><?xml version="1.0" encoding="utf-8"?>
 <p:sld xmlns:a="http://schemas.openxmlformats.org/drawingml/2006/main" xmlns:r="http://schemas.openxmlformats.org/officeDocument/2006/relationships" xmlns:p="http://schemas.openxmlformats.org/presentationml/2006/main">
   <p:cSld>
     <p:spTree>
@@ -12177,7 +11522,7 @@
 </p:sld>
 </file>
 
-<file path=ppt/slides/slide14.xml><?xml version="1.0" encoding="utf-8"?>
+<file path=ppt/slides/slide13.xml><?xml version="1.0" encoding="utf-8"?>
 <p:sld xmlns:a="http://schemas.openxmlformats.org/drawingml/2006/main" xmlns:r="http://schemas.openxmlformats.org/officeDocument/2006/relationships" xmlns:p="http://schemas.openxmlformats.org/presentationml/2006/main">
   <p:cSld>
     <p:spTree>
@@ -12402,7 +11747,7 @@
 </p:sld>
 </file>
 
-<file path=ppt/slides/slide15.xml><?xml version="1.0" encoding="utf-8"?>
+<file path=ppt/slides/slide14.xml><?xml version="1.0" encoding="utf-8"?>
 <p:sld xmlns:a="http://schemas.openxmlformats.org/drawingml/2006/main" xmlns:r="http://schemas.openxmlformats.org/officeDocument/2006/relationships" xmlns:p="http://schemas.openxmlformats.org/presentationml/2006/main">
   <p:cSld>
     <p:spTree>
@@ -13438,7 +12783,7 @@
 </p:sld>
 </file>
 
-<file path=ppt/slides/slide16.xml><?xml version="1.0" encoding="utf-8"?>
+<file path=ppt/slides/slide15.xml><?xml version="1.0" encoding="utf-8"?>
 <p:sld xmlns:a="http://schemas.openxmlformats.org/drawingml/2006/main" xmlns:r="http://schemas.openxmlformats.org/officeDocument/2006/relationships" xmlns:p="http://schemas.openxmlformats.org/presentationml/2006/main">
   <p:cSld>
     <p:spTree>
@@ -14385,7 +13730,7 @@
 </p:sld>
 </file>
 
-<file path=ppt/slides/slide17.xml><?xml version="1.0" encoding="utf-8"?>
+<file path=ppt/slides/slide16.xml><?xml version="1.0" encoding="utf-8"?>
 <p:sld xmlns:a="http://schemas.openxmlformats.org/drawingml/2006/main" xmlns:r="http://schemas.openxmlformats.org/officeDocument/2006/relationships" xmlns:p="http://schemas.openxmlformats.org/presentationml/2006/main">
   <p:cSld>
     <p:spTree>
@@ -14808,7 +14153,7 @@
 </p:sld>
 </file>
 
-<file path=ppt/slides/slide18.xml><?xml version="1.0" encoding="utf-8"?>
+<file path=ppt/slides/slide17.xml><?xml version="1.0" encoding="utf-8"?>
 <p:sld xmlns:a="http://schemas.openxmlformats.org/drawingml/2006/main" xmlns:r="http://schemas.openxmlformats.org/officeDocument/2006/relationships" xmlns:p="http://schemas.openxmlformats.org/presentationml/2006/main">
   <p:cSld>
     <p:spTree>
@@ -15161,7 +14506,7 @@
 </p:sld>
 </file>
 
-<file path=ppt/slides/slide19.xml><?xml version="1.0" encoding="utf-8"?>
+<file path=ppt/slides/slide18.xml><?xml version="1.0" encoding="utf-8"?>
 <p:sld xmlns:a="http://schemas.openxmlformats.org/drawingml/2006/main" xmlns:r="http://schemas.openxmlformats.org/officeDocument/2006/relationships" xmlns:p="http://schemas.openxmlformats.org/presentationml/2006/main">
   <p:cSld>
     <p:spTree>
@@ -16176,6 +15521,100 @@
 </p:sld>
 </file>
 
+<file path=ppt/slides/slide19.xml><?xml version="1.0" encoding="utf-8"?>
+<p:sld xmlns:a="http://schemas.openxmlformats.org/drawingml/2006/main" xmlns:r="http://schemas.openxmlformats.org/officeDocument/2006/relationships" xmlns:p="http://schemas.openxmlformats.org/presentationml/2006/main">
+  <p:cSld>
+    <p:spTree>
+      <p:nvGrpSpPr>
+        <p:cNvPr id="1" name=""/>
+        <p:cNvGrpSpPr/>
+        <p:nvPr/>
+      </p:nvGrpSpPr>
+      <p:grpSpPr>
+        <a:xfrm>
+          <a:off x="0" y="0"/>
+          <a:ext cx="0" cy="0"/>
+          <a:chOff x="0" y="0"/>
+          <a:chExt cx="0" cy="0"/>
+        </a:xfrm>
+      </p:grpSpPr>
+      <p:sp>
+        <p:nvSpPr>
+          <p:cNvPr id="2" name="Title 1">
+            <a:extLst>
+              <a:ext uri="{FF2B5EF4-FFF2-40B4-BE49-F238E27FC236}">
+                <a16:creationId xmlns:a16="http://schemas.microsoft.com/office/drawing/2014/main" id="{246D8B54-5220-B0D3-FAA6-F92DF6B7B5EC}"/>
+              </a:ext>
+            </a:extLst>
+          </p:cNvPr>
+          <p:cNvSpPr>
+            <a:spLocks noGrp="1"/>
+          </p:cNvSpPr>
+          <p:nvPr>
+            <p:ph type="title"/>
+          </p:nvPr>
+        </p:nvSpPr>
+        <p:spPr/>
+        <p:txBody>
+          <a:bodyPr/>
+          <a:lstStyle/>
+          <a:p>
+            <a:r>
+              <a:rPr lang="en-US" dirty="0"/>
+              <a:t>pub(crate)</a:t>
+            </a:r>
+            <a:endParaRPr lang="ru-RU" dirty="0"/>
+          </a:p>
+        </p:txBody>
+      </p:sp>
+      <p:sp>
+        <p:nvSpPr>
+          <p:cNvPr id="3" name="Content Placeholder 2">
+            <a:extLst>
+              <a:ext uri="{FF2B5EF4-FFF2-40B4-BE49-F238E27FC236}">
+                <a16:creationId xmlns:a16="http://schemas.microsoft.com/office/drawing/2014/main" id="{A08EC7AD-276B-7967-3BDC-7E74BB5D25E7}"/>
+              </a:ext>
+            </a:extLst>
+          </p:cNvPr>
+          <p:cNvSpPr>
+            <a:spLocks noGrp="1"/>
+          </p:cNvSpPr>
+          <p:nvPr>
+            <p:ph idx="1"/>
+          </p:nvPr>
+        </p:nvSpPr>
+        <p:spPr/>
+        <p:txBody>
+          <a:bodyPr/>
+          <a:lstStyle/>
+          <a:p>
+            <a:r>
+              <a:rPr lang="en-US" dirty="0"/>
+              <a:t>Visible within the current crate</a:t>
+            </a:r>
+          </a:p>
+          <a:p>
+            <a:r>
+              <a:rPr lang="en-US" dirty="0"/>
+              <a:t>Most used</a:t>
+            </a:r>
+            <a:endParaRPr lang="ru-RU" dirty="0"/>
+          </a:p>
+        </p:txBody>
+      </p:sp>
+    </p:spTree>
+    <p:extLst>
+      <p:ext uri="{BB962C8B-B14F-4D97-AF65-F5344CB8AC3E}">
+        <p14:creationId xmlns:p14="http://schemas.microsoft.com/office/powerpoint/2010/main" val="2252238046"/>
+      </p:ext>
+    </p:extLst>
+  </p:cSld>
+  <p:clrMapOvr>
+    <a:masterClrMapping/>
+  </p:clrMapOvr>
+</p:sld>
+</file>
+
 <file path=ppt/slides/slide2.xml><?xml version="1.0" encoding="utf-8"?>
 <p:sld xmlns:a="http://schemas.openxmlformats.org/drawingml/2006/main" xmlns:r="http://schemas.openxmlformats.org/officeDocument/2006/relationships" xmlns:p="http://schemas.openxmlformats.org/presentationml/2006/main">
   <p:cSld>
@@ -17427,100 +16866,6 @@
 </file>
 
 <file path=ppt/slides/slide20.xml><?xml version="1.0" encoding="utf-8"?>
-<p:sld xmlns:a="http://schemas.openxmlformats.org/drawingml/2006/main" xmlns:r="http://schemas.openxmlformats.org/officeDocument/2006/relationships" xmlns:p="http://schemas.openxmlformats.org/presentationml/2006/main">
-  <p:cSld>
-    <p:spTree>
-      <p:nvGrpSpPr>
-        <p:cNvPr id="1" name=""/>
-        <p:cNvGrpSpPr/>
-        <p:nvPr/>
-      </p:nvGrpSpPr>
-      <p:grpSpPr>
-        <a:xfrm>
-          <a:off x="0" y="0"/>
-          <a:ext cx="0" cy="0"/>
-          <a:chOff x="0" y="0"/>
-          <a:chExt cx="0" cy="0"/>
-        </a:xfrm>
-      </p:grpSpPr>
-      <p:sp>
-        <p:nvSpPr>
-          <p:cNvPr id="2" name="Title 1">
-            <a:extLst>
-              <a:ext uri="{FF2B5EF4-FFF2-40B4-BE49-F238E27FC236}">
-                <a16:creationId xmlns:a16="http://schemas.microsoft.com/office/drawing/2014/main" id="{246D8B54-5220-B0D3-FAA6-F92DF6B7B5EC}"/>
-              </a:ext>
-            </a:extLst>
-          </p:cNvPr>
-          <p:cNvSpPr>
-            <a:spLocks noGrp="1"/>
-          </p:cNvSpPr>
-          <p:nvPr>
-            <p:ph type="title"/>
-          </p:nvPr>
-        </p:nvSpPr>
-        <p:spPr/>
-        <p:txBody>
-          <a:bodyPr/>
-          <a:lstStyle/>
-          <a:p>
-            <a:r>
-              <a:rPr lang="en-US" dirty="0"/>
-              <a:t>pub(crate)</a:t>
-            </a:r>
-            <a:endParaRPr lang="ru-RU" dirty="0"/>
-          </a:p>
-        </p:txBody>
-      </p:sp>
-      <p:sp>
-        <p:nvSpPr>
-          <p:cNvPr id="3" name="Content Placeholder 2">
-            <a:extLst>
-              <a:ext uri="{FF2B5EF4-FFF2-40B4-BE49-F238E27FC236}">
-                <a16:creationId xmlns:a16="http://schemas.microsoft.com/office/drawing/2014/main" id="{A08EC7AD-276B-7967-3BDC-7E74BB5D25E7}"/>
-              </a:ext>
-            </a:extLst>
-          </p:cNvPr>
-          <p:cNvSpPr>
-            <a:spLocks noGrp="1"/>
-          </p:cNvSpPr>
-          <p:nvPr>
-            <p:ph idx="1"/>
-          </p:nvPr>
-        </p:nvSpPr>
-        <p:spPr/>
-        <p:txBody>
-          <a:bodyPr/>
-          <a:lstStyle/>
-          <a:p>
-            <a:r>
-              <a:rPr lang="en-US" dirty="0"/>
-              <a:t>Visible within the current crate</a:t>
-            </a:r>
-          </a:p>
-          <a:p>
-            <a:r>
-              <a:rPr lang="en-US" dirty="0"/>
-              <a:t>Most used</a:t>
-            </a:r>
-            <a:endParaRPr lang="ru-RU" dirty="0"/>
-          </a:p>
-        </p:txBody>
-      </p:sp>
-    </p:spTree>
-    <p:extLst>
-      <p:ext uri="{BB962C8B-B14F-4D97-AF65-F5344CB8AC3E}">
-        <p14:creationId xmlns:p14="http://schemas.microsoft.com/office/powerpoint/2010/main" val="2252238046"/>
-      </p:ext>
-    </p:extLst>
-  </p:cSld>
-  <p:clrMapOvr>
-    <a:masterClrMapping/>
-  </p:clrMapOvr>
-</p:sld>
-</file>
-
-<file path=ppt/slides/slide21.xml><?xml version="1.0" encoding="utf-8"?>
 <p:sld xmlns:a="http://schemas.openxmlformats.org/drawingml/2006/main" xmlns:r="http://schemas.openxmlformats.org/officeDocument/2006/relationships" xmlns:p="http://schemas.openxmlformats.org/presentationml/2006/main">
   <p:cSld>
     <p:spTree>
@@ -18350,7 +17695,7 @@
 </p:sld>
 </file>
 
-<file path=ppt/slides/slide22.xml><?xml version="1.0" encoding="utf-8"?>
+<file path=ppt/slides/slide21.xml><?xml version="1.0" encoding="utf-8"?>
 <p:sld xmlns:a="http://schemas.openxmlformats.org/drawingml/2006/main" xmlns:r="http://schemas.openxmlformats.org/officeDocument/2006/relationships" xmlns:p="http://schemas.openxmlformats.org/presentationml/2006/main">
   <p:cSld>
     <p:spTree>
@@ -18574,7 +17919,7 @@
 </p:sld>
 </file>
 
-<file path=ppt/slides/slide23.xml><?xml version="1.0" encoding="utf-8"?>
+<file path=ppt/slides/slide22.xml><?xml version="1.0" encoding="utf-8"?>
 <p:sld xmlns:a="http://schemas.openxmlformats.org/drawingml/2006/main" xmlns:r="http://schemas.openxmlformats.org/officeDocument/2006/relationships" xmlns:p="http://schemas.openxmlformats.org/presentationml/2006/main">
   <p:cSld>
     <p:spTree>
@@ -20514,7 +19859,7 @@
 </p:sld>
 </file>
 
-<file path=ppt/slides/slide24.xml><?xml version="1.0" encoding="utf-8"?>
+<file path=ppt/slides/slide23.xml><?xml version="1.0" encoding="utf-8"?>
 <p:sld xmlns:a="http://schemas.openxmlformats.org/drawingml/2006/main" xmlns:r="http://schemas.openxmlformats.org/officeDocument/2006/relationships" xmlns:p="http://schemas.openxmlformats.org/presentationml/2006/main">
   <p:cSld>
     <p:spTree>
@@ -23461,7 +22806,7 @@
 </p:sld>
 </file>
 
-<file path=ppt/slides/slide25.xml><?xml version="1.0" encoding="utf-8"?>
+<file path=ppt/slides/slide24.xml><?xml version="1.0" encoding="utf-8"?>
 <p:sld xmlns:a="http://schemas.openxmlformats.org/drawingml/2006/main" xmlns:r="http://schemas.openxmlformats.org/officeDocument/2006/relationships" xmlns:p="http://schemas.openxmlformats.org/presentationml/2006/main">
   <p:cSld>
     <p:spTree>
@@ -24982,7 +24327,7 @@
 </p:sld>
 </file>
 
-<file path=ppt/slides/slide26.xml><?xml version="1.0" encoding="utf-8"?>
+<file path=ppt/slides/slide25.xml><?xml version="1.0" encoding="utf-8"?>
 <p:sld xmlns:a="http://schemas.openxmlformats.org/drawingml/2006/main" xmlns:r="http://schemas.openxmlformats.org/officeDocument/2006/relationships" xmlns:p="http://schemas.openxmlformats.org/presentationml/2006/main">
   <p:cSld>
     <p:spTree>
@@ -27454,7 +26799,7 @@
 </p:sld>
 </file>
 
-<file path=ppt/slides/slide27.xml><?xml version="1.0" encoding="utf-8"?>
+<file path=ppt/slides/slide26.xml><?xml version="1.0" encoding="utf-8"?>
 <p:sld xmlns:a="http://schemas.openxmlformats.org/drawingml/2006/main" xmlns:r="http://schemas.openxmlformats.org/officeDocument/2006/relationships" xmlns:p="http://schemas.openxmlformats.org/presentationml/2006/main">
   <p:cSld>
     <p:spTree>
@@ -28033,7 +27378,7 @@
 </p:sld>
 </file>
 
-<file path=ppt/slides/slide28.xml><?xml version="1.0" encoding="utf-8"?>
+<file path=ppt/slides/slide27.xml><?xml version="1.0" encoding="utf-8"?>
 <p:sld xmlns:a="http://schemas.openxmlformats.org/drawingml/2006/main" xmlns:r="http://schemas.openxmlformats.org/officeDocument/2006/relationships" xmlns:p="http://schemas.openxmlformats.org/presentationml/2006/main">
   <p:cSld>
     <p:spTree>
@@ -28175,7 +27520,7 @@
 </p:sld>
 </file>
 
-<file path=ppt/slides/slide29.xml><?xml version="1.0" encoding="utf-8"?>
+<file path=ppt/slides/slide28.xml><?xml version="1.0" encoding="utf-8"?>
 <p:sld xmlns:a="http://schemas.openxmlformats.org/drawingml/2006/main" xmlns:r="http://schemas.openxmlformats.org/officeDocument/2006/relationships" xmlns:p="http://schemas.openxmlformats.org/presentationml/2006/main">
   <p:cSld>
     <p:spTree>
@@ -28894,6 +28239,480 @@
 </p:sld>
 </file>
 
+<file path=ppt/slides/slide29.xml><?xml version="1.0" encoding="utf-8"?>
+<p:sld xmlns:a="http://schemas.openxmlformats.org/drawingml/2006/main" xmlns:r="http://schemas.openxmlformats.org/officeDocument/2006/relationships" xmlns:p="http://schemas.openxmlformats.org/presentationml/2006/main">
+  <p:cSld>
+    <p:spTree>
+      <p:nvGrpSpPr>
+        <p:cNvPr id="1" name=""/>
+        <p:cNvGrpSpPr/>
+        <p:nvPr/>
+      </p:nvGrpSpPr>
+      <p:grpSpPr>
+        <a:xfrm>
+          <a:off x="0" y="0"/>
+          <a:ext cx="0" cy="0"/>
+          <a:chOff x="0" y="0"/>
+          <a:chExt cx="0" cy="0"/>
+        </a:xfrm>
+      </p:grpSpPr>
+      <p:sp>
+        <p:nvSpPr>
+          <p:cNvPr id="2" name="Title 1">
+            <a:extLst>
+              <a:ext uri="{FF2B5EF4-FFF2-40B4-BE49-F238E27FC236}">
+                <a16:creationId xmlns:a16="http://schemas.microsoft.com/office/drawing/2014/main" id="{F3946E01-8302-BA42-4AEC-C3F44D58C1A6}"/>
+              </a:ext>
+            </a:extLst>
+          </p:cNvPr>
+          <p:cNvSpPr>
+            <a:spLocks noGrp="1"/>
+          </p:cNvSpPr>
+          <p:nvPr>
+            <p:ph type="title"/>
+          </p:nvPr>
+        </p:nvSpPr>
+        <p:spPr/>
+        <p:txBody>
+          <a:bodyPr/>
+          <a:lstStyle/>
+          <a:p>
+            <a:r>
+              <a:rPr lang="en-US" dirty="0"/>
+              <a:t>Folders</a:t>
+            </a:r>
+            <a:endParaRPr lang="ru-RU" dirty="0"/>
+          </a:p>
+        </p:txBody>
+      </p:sp>
+      <p:sp>
+        <p:nvSpPr>
+          <p:cNvPr id="5" name="Content Placeholder 4">
+            <a:extLst>
+              <a:ext uri="{FF2B5EF4-FFF2-40B4-BE49-F238E27FC236}">
+                <a16:creationId xmlns:a16="http://schemas.microsoft.com/office/drawing/2014/main" id="{1C0E6DAB-B26C-DAED-3571-5CEFC7C17025}"/>
+              </a:ext>
+            </a:extLst>
+          </p:cNvPr>
+          <p:cNvSpPr>
+            <a:spLocks noGrp="1"/>
+          </p:cNvSpPr>
+          <p:nvPr>
+            <p:ph sz="half" idx="1"/>
+          </p:nvPr>
+        </p:nvSpPr>
+        <p:spPr/>
+        <p:txBody>
+          <a:bodyPr>
+            <a:normAutofit/>
+          </a:bodyPr>
+          <a:lstStyle/>
+          <a:p>
+            <a:r>
+              <a:rPr lang="en-US" dirty="0" err="1"/>
+              <a:t>Cargo.toml</a:t>
+            </a:r>
+            <a:endParaRPr lang="en-US" dirty="0"/>
+          </a:p>
+          <a:p>
+            <a:r>
+              <a:rPr lang="en-US" dirty="0" err="1"/>
+              <a:t>Cargo.lock</a:t>
+            </a:r>
+            <a:endParaRPr lang="en-US" dirty="0"/>
+          </a:p>
+          <a:p>
+            <a:r>
+              <a:rPr lang="en-US" dirty="0" err="1"/>
+              <a:t>src</a:t>
+            </a:r>
+            <a:endParaRPr lang="en-US" dirty="0"/>
+          </a:p>
+          <a:p>
+            <a:pPr lvl="1"/>
+            <a:r>
+              <a:rPr lang="en-US" dirty="0"/>
+              <a:t>sub_folder.rs</a:t>
+            </a:r>
+          </a:p>
+          <a:p>
+            <a:pPr lvl="1"/>
+            <a:r>
+              <a:rPr lang="en-US" dirty="0" err="1"/>
+              <a:t>sub_folder</a:t>
+            </a:r>
+            <a:endParaRPr lang="en-US" dirty="0"/>
+          </a:p>
+          <a:p>
+            <a:pPr lvl="2"/>
+            <a:r>
+              <a:rPr lang="en-US" dirty="0"/>
+              <a:t>sub_features.rs</a:t>
+            </a:r>
+          </a:p>
+          <a:p>
+            <a:pPr lvl="1"/>
+            <a:r>
+              <a:rPr lang="en-US" dirty="0"/>
+              <a:t>main.rs</a:t>
+            </a:r>
+          </a:p>
+          <a:p>
+            <a:pPr lvl="1"/>
+            <a:r>
+              <a:rPr lang="en-US" dirty="0"/>
+              <a:t>features.rs</a:t>
+            </a:r>
+          </a:p>
+          <a:p>
+            <a:pPr lvl="1"/>
+            <a:r>
+              <a:rPr lang="en-US" dirty="0"/>
+              <a:t>magic.rs</a:t>
+            </a:r>
+            <a:endParaRPr lang="ru-RU" dirty="0"/>
+          </a:p>
+          <a:p>
+            <a:endParaRPr lang="ru-RU" dirty="0"/>
+          </a:p>
+        </p:txBody>
+      </p:sp>
+      <p:sp>
+        <p:nvSpPr>
+          <p:cNvPr id="3" name="Content Placeholder 2">
+            <a:extLst>
+              <a:ext uri="{FF2B5EF4-FFF2-40B4-BE49-F238E27FC236}">
+                <a16:creationId xmlns:a16="http://schemas.microsoft.com/office/drawing/2014/main" id="{3CCDDA4D-2059-13EA-7488-E277D93F6BF6}"/>
+              </a:ext>
+            </a:extLst>
+          </p:cNvPr>
+          <p:cNvSpPr>
+            <a:spLocks noGrp="1"/>
+          </p:cNvSpPr>
+          <p:nvPr>
+            <p:ph sz="half" idx="2"/>
+          </p:nvPr>
+        </p:nvSpPr>
+        <p:spPr>
+          <a:xfrm>
+            <a:off x="6172199" y="1825625"/>
+            <a:ext cx="5645021" cy="4351338"/>
+          </a:xfrm>
+        </p:spPr>
+        <p:txBody>
+          <a:bodyPr>
+            <a:normAutofit/>
+          </a:bodyPr>
+          <a:lstStyle/>
+          <a:p>
+            <a:r>
+              <a:rPr lang="en-US" dirty="0"/>
+              <a:t>sub_folder.rs</a:t>
+            </a:r>
+          </a:p>
+          <a:p>
+            <a:pPr marL="0" indent="0">
+              <a:buNone/>
+            </a:pPr>
+            <a:r>
+              <a:rPr lang="en-US" dirty="0">
+                <a:solidFill>
+                  <a:srgbClr val="0033B3"/>
+                </a:solidFill>
+                <a:latin typeface="JetBrains Mono"/>
+              </a:rPr>
+              <a:t>pub</a:t>
+            </a:r>
+            <a:r>
+              <a:rPr lang="en-US" dirty="0">
+                <a:solidFill>
+                  <a:srgbClr val="080808"/>
+                </a:solidFill>
+                <a:latin typeface="JetBrains Mono"/>
+              </a:rPr>
+              <a:t>(</a:t>
+            </a:r>
+            <a:r>
+              <a:rPr lang="en-US" dirty="0">
+                <a:solidFill>
+                  <a:srgbClr val="0033B3"/>
+                </a:solidFill>
+                <a:latin typeface="JetBrains Mono"/>
+              </a:rPr>
+              <a:t>crate</a:t>
+            </a:r>
+            <a:r>
+              <a:rPr lang="en-US" dirty="0">
+                <a:solidFill>
+                  <a:srgbClr val="080808"/>
+                </a:solidFill>
+                <a:latin typeface="JetBrains Mono"/>
+              </a:rPr>
+              <a:t>) </a:t>
+            </a:r>
+            <a:r>
+              <a:rPr lang="en-US" dirty="0">
+                <a:solidFill>
+                  <a:srgbClr val="0033B3"/>
+                </a:solidFill>
+                <a:latin typeface="JetBrains Mono"/>
+              </a:rPr>
+              <a:t>mod </a:t>
+            </a:r>
+            <a:r>
+              <a:rPr lang="en-US" dirty="0" err="1">
+                <a:solidFill>
+                  <a:srgbClr val="000000"/>
+                </a:solidFill>
+                <a:latin typeface="JetBrains Mono"/>
+              </a:rPr>
+              <a:t>sub_feature</a:t>
+            </a:r>
+            <a:r>
+              <a:rPr lang="en-US" dirty="0">
+                <a:solidFill>
+                  <a:srgbClr val="080808"/>
+                </a:solidFill>
+                <a:latin typeface="JetBrains Mono"/>
+              </a:rPr>
+              <a:t>;</a:t>
+            </a:r>
+          </a:p>
+          <a:p>
+            <a:r>
+              <a:rPr lang="en-US" dirty="0"/>
+              <a:t>main.rs</a:t>
+            </a:r>
+          </a:p>
+          <a:p>
+            <a:pPr marL="0" indent="0">
+              <a:buNone/>
+            </a:pPr>
+            <a:r>
+              <a:rPr lang="en-US" dirty="0">
+                <a:solidFill>
+                  <a:srgbClr val="0033B3"/>
+                </a:solidFill>
+                <a:effectLst/>
+                <a:latin typeface="JetBrains Mono"/>
+              </a:rPr>
+              <a:t>mod </a:t>
+            </a:r>
+            <a:r>
+              <a:rPr lang="en-US" dirty="0" err="1">
+                <a:solidFill>
+                  <a:srgbClr val="000000"/>
+                </a:solidFill>
+                <a:effectLst/>
+                <a:latin typeface="JetBrains Mono"/>
+              </a:rPr>
+              <a:t>sub_folder</a:t>
+            </a:r>
+            <a:r>
+              <a:rPr lang="en-US" dirty="0">
+                <a:solidFill>
+                  <a:srgbClr val="080808"/>
+                </a:solidFill>
+                <a:effectLst/>
+                <a:latin typeface="JetBrains Mono"/>
+              </a:rPr>
+              <a:t>;</a:t>
+            </a:r>
+          </a:p>
+          <a:p>
+            <a:pPr marL="0" indent="0">
+              <a:buNone/>
+            </a:pPr>
+            <a:r>
+              <a:rPr lang="en-US" dirty="0">
+                <a:solidFill>
+                  <a:srgbClr val="0033B3"/>
+                </a:solidFill>
+                <a:latin typeface="JetBrains Mono"/>
+              </a:rPr>
+              <a:t>use </a:t>
+            </a:r>
+            <a:r>
+              <a:rPr lang="en-US" dirty="0" err="1">
+                <a:solidFill>
+                  <a:srgbClr val="000000"/>
+                </a:solidFill>
+                <a:latin typeface="JetBrains Mono"/>
+              </a:rPr>
+              <a:t>sub_folder</a:t>
+            </a:r>
+            <a:r>
+              <a:rPr lang="en-US" dirty="0">
+                <a:solidFill>
+                  <a:srgbClr val="080808"/>
+                </a:solidFill>
+                <a:latin typeface="JetBrains Mono"/>
+              </a:rPr>
+              <a:t>::</a:t>
+            </a:r>
+            <a:r>
+              <a:rPr lang="en-US" dirty="0" err="1">
+                <a:solidFill>
+                  <a:srgbClr val="000000"/>
+                </a:solidFill>
+                <a:latin typeface="JetBrains Mono"/>
+              </a:rPr>
+              <a:t>sub_feature</a:t>
+            </a:r>
+            <a:r>
+              <a:rPr lang="en-US" dirty="0">
+                <a:solidFill>
+                  <a:srgbClr val="080808"/>
+                </a:solidFill>
+                <a:latin typeface="JetBrains Mono"/>
+              </a:rPr>
+              <a:t>::*;</a:t>
+            </a:r>
+            <a:br>
+              <a:rPr lang="en-US" dirty="0">
+                <a:solidFill>
+                  <a:srgbClr val="080808"/>
+                </a:solidFill>
+                <a:latin typeface="JetBrains Mono"/>
+              </a:rPr>
+            </a:br>
+            <a:r>
+              <a:rPr lang="en-US" dirty="0" err="1">
+                <a:solidFill>
+                  <a:srgbClr val="0033B3"/>
+                </a:solidFill>
+                <a:latin typeface="JetBrains Mono"/>
+              </a:rPr>
+              <a:t>fn</a:t>
+            </a:r>
+            <a:r>
+              <a:rPr lang="en-US" dirty="0">
+                <a:solidFill>
+                  <a:srgbClr val="0033B3"/>
+                </a:solidFill>
+                <a:latin typeface="JetBrains Mono"/>
+              </a:rPr>
+              <a:t> </a:t>
+            </a:r>
+            <a:r>
+              <a:rPr lang="en-US" dirty="0">
+                <a:solidFill>
+                  <a:srgbClr val="00627A"/>
+                </a:solidFill>
+                <a:latin typeface="JetBrains Mono"/>
+              </a:rPr>
+              <a:t>main</a:t>
+            </a:r>
+            <a:r>
+              <a:rPr lang="en-US" dirty="0">
+                <a:solidFill>
+                  <a:srgbClr val="080808"/>
+                </a:solidFill>
+                <a:latin typeface="JetBrains Mono"/>
+              </a:rPr>
+              <a:t>() {</a:t>
+            </a:r>
+            <a:br>
+              <a:rPr lang="en-US" dirty="0">
+                <a:solidFill>
+                  <a:srgbClr val="080808"/>
+                </a:solidFill>
+                <a:latin typeface="JetBrains Mono"/>
+              </a:rPr>
+            </a:br>
+            <a:r>
+              <a:rPr lang="en-US" dirty="0">
+                <a:solidFill>
+                  <a:srgbClr val="080808"/>
+                </a:solidFill>
+                <a:latin typeface="JetBrains Mono"/>
+              </a:rPr>
+              <a:t>    </a:t>
+            </a:r>
+            <a:r>
+              <a:rPr lang="en-US" dirty="0">
+                <a:solidFill>
+                  <a:srgbClr val="0033B3"/>
+                </a:solidFill>
+                <a:latin typeface="JetBrains Mono"/>
+              </a:rPr>
+              <a:t>let </a:t>
+            </a:r>
+            <a:r>
+              <a:rPr lang="en-US" dirty="0">
+                <a:solidFill>
+                  <a:srgbClr val="000000"/>
+                </a:solidFill>
+                <a:latin typeface="JetBrains Mono"/>
+              </a:rPr>
+              <a:t>feature </a:t>
+            </a:r>
+            <a:r>
+              <a:rPr lang="en-US" dirty="0">
+                <a:solidFill>
+                  <a:srgbClr val="080808"/>
+                </a:solidFill>
+                <a:latin typeface="JetBrains Mono"/>
+              </a:rPr>
+              <a:t>= </a:t>
+            </a:r>
+            <a:r>
+              <a:rPr lang="en-US" dirty="0" err="1">
+                <a:solidFill>
+                  <a:srgbClr val="000000"/>
+                </a:solidFill>
+                <a:latin typeface="JetBrains Mono"/>
+              </a:rPr>
+              <a:t>MySubFeature</a:t>
+            </a:r>
+            <a:r>
+              <a:rPr lang="en-US" dirty="0">
+                <a:solidFill>
+                  <a:srgbClr val="080808"/>
+                </a:solidFill>
+                <a:latin typeface="JetBrains Mono"/>
+              </a:rPr>
+              <a:t>;</a:t>
+            </a:r>
+            <a:br>
+              <a:rPr lang="en-US" dirty="0">
+                <a:solidFill>
+                  <a:srgbClr val="080808"/>
+                </a:solidFill>
+                <a:latin typeface="JetBrains Mono"/>
+              </a:rPr>
+            </a:br>
+            <a:r>
+              <a:rPr lang="en-US" dirty="0">
+                <a:solidFill>
+                  <a:srgbClr val="080808"/>
+                </a:solidFill>
+                <a:latin typeface="JetBrains Mono"/>
+              </a:rPr>
+              <a:t>}</a:t>
+            </a:r>
+          </a:p>
+          <a:p>
+            <a:pPr marL="0" indent="0">
+              <a:buNone/>
+            </a:pPr>
+            <a:endParaRPr lang="ru-RU" dirty="0"/>
+          </a:p>
+        </p:txBody>
+      </p:sp>
+    </p:spTree>
+    <p:extLst>
+      <p:ext uri="{BB962C8B-B14F-4D97-AF65-F5344CB8AC3E}">
+        <p14:creationId xmlns:p14="http://schemas.microsoft.com/office/powerpoint/2010/main" val="2161989004"/>
+      </p:ext>
+    </p:extLst>
+  </p:cSld>
+  <p:clrMapOvr>
+    <a:masterClrMapping/>
+  </p:clrMapOvr>
+</p:sld>
+</file>
+
 <file path=ppt/slides/slide3.xml><?xml version="1.0" encoding="utf-8"?>
 <p:sld xmlns:a="http://schemas.openxmlformats.org/drawingml/2006/main" xmlns:r="http://schemas.openxmlformats.org/officeDocument/2006/relationships" xmlns:p="http://schemas.openxmlformats.org/presentationml/2006/main">
   <p:cSld>
@@ -30322,7 +30141,7 @@
           <p:cNvPr id="2" name="Title 1">
             <a:extLst>
               <a:ext uri="{FF2B5EF4-FFF2-40B4-BE49-F238E27FC236}">
-                <a16:creationId xmlns:a16="http://schemas.microsoft.com/office/drawing/2014/main" id="{F3946E01-8302-BA42-4AEC-C3F44D58C1A6}"/>
+                <a16:creationId xmlns:a16="http://schemas.microsoft.com/office/drawing/2014/main" id="{1652B581-B199-4AF2-5F30-3BC25F6DE366}"/>
               </a:ext>
             </a:extLst>
           </p:cNvPr>
@@ -30340,7 +30159,7 @@
           <a:p>
             <a:r>
               <a:rPr lang="en-US" dirty="0"/>
-              <a:t>Folders</a:t>
+              <a:t>Linkage</a:t>
             </a:r>
             <a:endParaRPr lang="ru-RU" dirty="0"/>
           </a:p>
@@ -30351,7 +30170,7 @@
           <p:cNvPr id="5" name="Content Placeholder 4">
             <a:extLst>
               <a:ext uri="{FF2B5EF4-FFF2-40B4-BE49-F238E27FC236}">
-                <a16:creationId xmlns:a16="http://schemas.microsoft.com/office/drawing/2014/main" id="{1C0E6DAB-B26C-DAED-3571-5CEFC7C17025}"/>
+                <a16:creationId xmlns:a16="http://schemas.microsoft.com/office/drawing/2014/main" id="{8FD30F66-5F69-A644-6449-440AD2062338}"/>
               </a:ext>
             </a:extLst>
           </p:cNvPr>
@@ -30359,81 +30178,577 @@
             <a:spLocks noGrp="1"/>
           </p:cNvSpPr>
           <p:nvPr>
-            <p:ph sz="half" idx="1"/>
+            <p:ph idx="1"/>
           </p:nvPr>
         </p:nvSpPr>
         <p:spPr/>
         <p:txBody>
           <a:bodyPr>
-            <a:normAutofit/>
+            <a:normAutofit lnSpcReduction="10000"/>
           </a:bodyPr>
           <a:lstStyle/>
           <a:p>
             <a:r>
-              <a:rPr lang="en-US" dirty="0" err="1"/>
-              <a:t>Cargo.toml</a:t>
-            </a:r>
-            <a:endParaRPr lang="en-US" dirty="0"/>
+              <a:rPr lang="en-US" dirty="0"/>
+              <a:t>bin</a:t>
+            </a:r>
           </a:p>
           <a:p>
-            <a:r>
-              <a:rPr lang="en-US" dirty="0" err="1"/>
-              <a:t>Cargo.lock</a:t>
-            </a:r>
-            <a:endParaRPr lang="en-US" dirty="0"/>
+            <a:pPr lvl="1"/>
+            <a:r>
+              <a:rPr lang="en-US" dirty="0"/>
+              <a:t>exe, [none]</a:t>
+            </a:r>
           </a:p>
           <a:p>
             <a:r>
+              <a:rPr lang="en-US" dirty="0"/>
+              <a:t>lib/</a:t>
+            </a:r>
+            <a:r>
               <a:rPr lang="en-US" dirty="0" err="1"/>
-              <a:t>src</a:t>
+              <a:t>rlib</a:t>
             </a:r>
             <a:endParaRPr lang="en-US" dirty="0"/>
           </a:p>
           <a:p>
             <a:pPr lvl="1"/>
             <a:r>
-              <a:rPr lang="en-US" dirty="0"/>
-              <a:t>sub_folder.rs</a:t>
-            </a:r>
+              <a:rPr lang="en-US" dirty="0" err="1"/>
+              <a:t>rlib</a:t>
+            </a:r>
+            <a:endParaRPr lang="en-US" dirty="0"/>
+          </a:p>
+          <a:p>
+            <a:r>
+              <a:rPr lang="en-US" dirty="0" err="1"/>
+              <a:t>staticlib</a:t>
+            </a:r>
+            <a:endParaRPr lang="en-US" dirty="0"/>
           </a:p>
           <a:p>
             <a:pPr lvl="1"/>
             <a:r>
+              <a:rPr lang="en-US" dirty="0"/>
+              <a:t>.a,.lib</a:t>
+            </a:r>
+          </a:p>
+          <a:p>
+            <a:pPr lvl="1"/>
+            <a:r>
+              <a:rPr lang="en-US" dirty="0"/>
+              <a:t>Pack All</a:t>
+            </a:r>
+          </a:p>
+          <a:p>
+            <a:r>
               <a:rPr lang="en-US" dirty="0" err="1"/>
-              <a:t>sub_folder</a:t>
+              <a:t>dylib</a:t>
             </a:r>
             <a:endParaRPr lang="en-US" dirty="0"/>
           </a:p>
           <a:p>
-            <a:pPr lvl="2"/>
+            <a:pPr lvl="1"/>
             <a:r>
               <a:rPr lang="en-US" dirty="0"/>
-              <a:t>sub_features.rs</a:t>
-            </a:r>
+              <a:t>so, </a:t>
+            </a:r>
+            <a:r>
+              <a:rPr lang="en-US" dirty="0" err="1"/>
+              <a:t>dylib</a:t>
+            </a:r>
+            <a:r>
+              <a:rPr lang="en-US" dirty="0"/>
+              <a:t>, </a:t>
+            </a:r>
+            <a:r>
+              <a:rPr lang="en-US" dirty="0" err="1"/>
+              <a:t>dll</a:t>
+            </a:r>
+            <a:endParaRPr lang="en-US" dirty="0"/>
           </a:p>
           <a:p>
             <a:pPr lvl="1"/>
             <a:r>
               <a:rPr lang="en-US" dirty="0"/>
-              <a:t>main.rs</a:t>
+              <a:t>Unstable ABI</a:t>
             </a:r>
           </a:p>
           <a:p>
-            <a:pPr lvl="1"/>
-            <a:r>
-              <a:rPr lang="en-US" dirty="0"/>
-              <a:t>features.rs</a:t>
-            </a:r>
-          </a:p>
-          <a:p>
-            <a:pPr lvl="1"/>
-            <a:r>
-              <a:rPr lang="en-US" dirty="0"/>
-              <a:t>magic.rs</a:t>
-            </a:r>
             <a:endParaRPr lang="ru-RU" dirty="0"/>
           </a:p>
+        </p:txBody>
+      </p:sp>
+    </p:spTree>
+    <p:extLst>
+      <p:ext uri="{BB962C8B-B14F-4D97-AF65-F5344CB8AC3E}">
+        <p14:creationId xmlns:p14="http://schemas.microsoft.com/office/powerpoint/2010/main" val="2850525366"/>
+      </p:ext>
+    </p:extLst>
+  </p:cSld>
+  <p:clrMapOvr>
+    <a:masterClrMapping/>
+  </p:clrMapOvr>
+  <p:timing>
+    <p:tnLst>
+      <p:par>
+        <p:cTn id="1" dur="indefinite" restart="never" nodeType="tmRoot">
+          <p:childTnLst>
+            <p:seq concurrent="1" nextAc="seek">
+              <p:cTn id="2" dur="indefinite" nodeType="mainSeq">
+                <p:childTnLst>
+                  <p:par>
+                    <p:cTn id="3" fill="hold">
+                      <p:stCondLst>
+                        <p:cond delay="indefinite"/>
+                      </p:stCondLst>
+                      <p:childTnLst>
+                        <p:par>
+                          <p:cTn id="4" fill="hold">
+                            <p:stCondLst>
+                              <p:cond delay="0"/>
+                            </p:stCondLst>
+                            <p:childTnLst>
+                              <p:par>
+                                <p:cTn id="5" presetID="1" presetClass="entr" presetSubtype="0" fill="hold" grpId="0" nodeType="clickEffect">
+                                  <p:stCondLst>
+                                    <p:cond delay="0"/>
+                                  </p:stCondLst>
+                                  <p:childTnLst>
+                                    <p:set>
+                                      <p:cBhvr>
+                                        <p:cTn id="6" dur="1" fill="hold">
+                                          <p:stCondLst>
+                                            <p:cond delay="0"/>
+                                          </p:stCondLst>
+                                        </p:cTn>
+                                        <p:tgtEl>
+                                          <p:spTgt spid="5">
+                                            <p:txEl>
+                                              <p:pRg st="0" end="0"/>
+                                            </p:txEl>
+                                          </p:spTgt>
+                                        </p:tgtEl>
+                                        <p:attrNameLst>
+                                          <p:attrName>style.visibility</p:attrName>
+                                        </p:attrNameLst>
+                                      </p:cBhvr>
+                                      <p:to>
+                                        <p:strVal val="visible"/>
+                                      </p:to>
+                                    </p:set>
+                                  </p:childTnLst>
+                                </p:cTn>
+                              </p:par>
+                              <p:par>
+                                <p:cTn id="7" presetID="1" presetClass="entr" presetSubtype="0" fill="hold" grpId="0" nodeType="withEffect">
+                                  <p:stCondLst>
+                                    <p:cond delay="0"/>
+                                  </p:stCondLst>
+                                  <p:childTnLst>
+                                    <p:set>
+                                      <p:cBhvr>
+                                        <p:cTn id="8" dur="1" fill="hold">
+                                          <p:stCondLst>
+                                            <p:cond delay="0"/>
+                                          </p:stCondLst>
+                                        </p:cTn>
+                                        <p:tgtEl>
+                                          <p:spTgt spid="5">
+                                            <p:txEl>
+                                              <p:pRg st="1" end="1"/>
+                                            </p:txEl>
+                                          </p:spTgt>
+                                        </p:tgtEl>
+                                        <p:attrNameLst>
+                                          <p:attrName>style.visibility</p:attrName>
+                                        </p:attrNameLst>
+                                      </p:cBhvr>
+                                      <p:to>
+                                        <p:strVal val="visible"/>
+                                      </p:to>
+                                    </p:set>
+                                  </p:childTnLst>
+                                </p:cTn>
+                              </p:par>
+                            </p:childTnLst>
+                          </p:cTn>
+                        </p:par>
+                      </p:childTnLst>
+                    </p:cTn>
+                  </p:par>
+                  <p:par>
+                    <p:cTn id="9" fill="hold">
+                      <p:stCondLst>
+                        <p:cond delay="indefinite"/>
+                      </p:stCondLst>
+                      <p:childTnLst>
+                        <p:par>
+                          <p:cTn id="10" fill="hold">
+                            <p:stCondLst>
+                              <p:cond delay="0"/>
+                            </p:stCondLst>
+                            <p:childTnLst>
+                              <p:par>
+                                <p:cTn id="11" presetID="1" presetClass="entr" presetSubtype="0" fill="hold" grpId="0" nodeType="clickEffect">
+                                  <p:stCondLst>
+                                    <p:cond delay="0"/>
+                                  </p:stCondLst>
+                                  <p:childTnLst>
+                                    <p:set>
+                                      <p:cBhvr>
+                                        <p:cTn id="12" dur="1" fill="hold">
+                                          <p:stCondLst>
+                                            <p:cond delay="0"/>
+                                          </p:stCondLst>
+                                        </p:cTn>
+                                        <p:tgtEl>
+                                          <p:spTgt spid="5">
+                                            <p:txEl>
+                                              <p:pRg st="2" end="2"/>
+                                            </p:txEl>
+                                          </p:spTgt>
+                                        </p:tgtEl>
+                                        <p:attrNameLst>
+                                          <p:attrName>style.visibility</p:attrName>
+                                        </p:attrNameLst>
+                                      </p:cBhvr>
+                                      <p:to>
+                                        <p:strVal val="visible"/>
+                                      </p:to>
+                                    </p:set>
+                                  </p:childTnLst>
+                                </p:cTn>
+                              </p:par>
+                              <p:par>
+                                <p:cTn id="13" presetID="1" presetClass="entr" presetSubtype="0" fill="hold" grpId="0" nodeType="withEffect">
+                                  <p:stCondLst>
+                                    <p:cond delay="0"/>
+                                  </p:stCondLst>
+                                  <p:childTnLst>
+                                    <p:set>
+                                      <p:cBhvr>
+                                        <p:cTn id="14" dur="1" fill="hold">
+                                          <p:stCondLst>
+                                            <p:cond delay="0"/>
+                                          </p:stCondLst>
+                                        </p:cTn>
+                                        <p:tgtEl>
+                                          <p:spTgt spid="5">
+                                            <p:txEl>
+                                              <p:pRg st="3" end="3"/>
+                                            </p:txEl>
+                                          </p:spTgt>
+                                        </p:tgtEl>
+                                        <p:attrNameLst>
+                                          <p:attrName>style.visibility</p:attrName>
+                                        </p:attrNameLst>
+                                      </p:cBhvr>
+                                      <p:to>
+                                        <p:strVal val="visible"/>
+                                      </p:to>
+                                    </p:set>
+                                  </p:childTnLst>
+                                </p:cTn>
+                              </p:par>
+                            </p:childTnLst>
+                          </p:cTn>
+                        </p:par>
+                      </p:childTnLst>
+                    </p:cTn>
+                  </p:par>
+                  <p:par>
+                    <p:cTn id="15" fill="hold">
+                      <p:stCondLst>
+                        <p:cond delay="indefinite"/>
+                      </p:stCondLst>
+                      <p:childTnLst>
+                        <p:par>
+                          <p:cTn id="16" fill="hold">
+                            <p:stCondLst>
+                              <p:cond delay="0"/>
+                            </p:stCondLst>
+                            <p:childTnLst>
+                              <p:par>
+                                <p:cTn id="17" presetID="1" presetClass="entr" presetSubtype="0" fill="hold" grpId="0" nodeType="clickEffect">
+                                  <p:stCondLst>
+                                    <p:cond delay="0"/>
+                                  </p:stCondLst>
+                                  <p:childTnLst>
+                                    <p:set>
+                                      <p:cBhvr>
+                                        <p:cTn id="18" dur="1" fill="hold">
+                                          <p:stCondLst>
+                                            <p:cond delay="0"/>
+                                          </p:stCondLst>
+                                        </p:cTn>
+                                        <p:tgtEl>
+                                          <p:spTgt spid="5">
+                                            <p:txEl>
+                                              <p:pRg st="4" end="4"/>
+                                            </p:txEl>
+                                          </p:spTgt>
+                                        </p:tgtEl>
+                                        <p:attrNameLst>
+                                          <p:attrName>style.visibility</p:attrName>
+                                        </p:attrNameLst>
+                                      </p:cBhvr>
+                                      <p:to>
+                                        <p:strVal val="visible"/>
+                                      </p:to>
+                                    </p:set>
+                                  </p:childTnLst>
+                                </p:cTn>
+                              </p:par>
+                              <p:par>
+                                <p:cTn id="19" presetID="1" presetClass="entr" presetSubtype="0" fill="hold" grpId="0" nodeType="withEffect">
+                                  <p:stCondLst>
+                                    <p:cond delay="0"/>
+                                  </p:stCondLst>
+                                  <p:childTnLst>
+                                    <p:set>
+                                      <p:cBhvr>
+                                        <p:cTn id="20" dur="1" fill="hold">
+                                          <p:stCondLst>
+                                            <p:cond delay="0"/>
+                                          </p:stCondLst>
+                                        </p:cTn>
+                                        <p:tgtEl>
+                                          <p:spTgt spid="5">
+                                            <p:txEl>
+                                              <p:pRg st="5" end="5"/>
+                                            </p:txEl>
+                                          </p:spTgt>
+                                        </p:tgtEl>
+                                        <p:attrNameLst>
+                                          <p:attrName>style.visibility</p:attrName>
+                                        </p:attrNameLst>
+                                      </p:cBhvr>
+                                      <p:to>
+                                        <p:strVal val="visible"/>
+                                      </p:to>
+                                    </p:set>
+                                  </p:childTnLst>
+                                </p:cTn>
+                              </p:par>
+                              <p:par>
+                                <p:cTn id="21" presetID="1" presetClass="entr" presetSubtype="0" fill="hold" grpId="0" nodeType="withEffect">
+                                  <p:stCondLst>
+                                    <p:cond delay="0"/>
+                                  </p:stCondLst>
+                                  <p:childTnLst>
+                                    <p:set>
+                                      <p:cBhvr>
+                                        <p:cTn id="22" dur="1" fill="hold">
+                                          <p:stCondLst>
+                                            <p:cond delay="0"/>
+                                          </p:stCondLst>
+                                        </p:cTn>
+                                        <p:tgtEl>
+                                          <p:spTgt spid="5">
+                                            <p:txEl>
+                                              <p:pRg st="6" end="6"/>
+                                            </p:txEl>
+                                          </p:spTgt>
+                                        </p:tgtEl>
+                                        <p:attrNameLst>
+                                          <p:attrName>style.visibility</p:attrName>
+                                        </p:attrNameLst>
+                                      </p:cBhvr>
+                                      <p:to>
+                                        <p:strVal val="visible"/>
+                                      </p:to>
+                                    </p:set>
+                                  </p:childTnLst>
+                                </p:cTn>
+                              </p:par>
+                            </p:childTnLst>
+                          </p:cTn>
+                        </p:par>
+                      </p:childTnLst>
+                    </p:cTn>
+                  </p:par>
+                  <p:par>
+                    <p:cTn id="23" fill="hold">
+                      <p:stCondLst>
+                        <p:cond delay="indefinite"/>
+                      </p:stCondLst>
+                      <p:childTnLst>
+                        <p:par>
+                          <p:cTn id="24" fill="hold">
+                            <p:stCondLst>
+                              <p:cond delay="0"/>
+                            </p:stCondLst>
+                            <p:childTnLst>
+                              <p:par>
+                                <p:cTn id="25" presetID="1" presetClass="entr" presetSubtype="0" fill="hold" grpId="0" nodeType="clickEffect">
+                                  <p:stCondLst>
+                                    <p:cond delay="0"/>
+                                  </p:stCondLst>
+                                  <p:childTnLst>
+                                    <p:set>
+                                      <p:cBhvr>
+                                        <p:cTn id="26" dur="1" fill="hold">
+                                          <p:stCondLst>
+                                            <p:cond delay="0"/>
+                                          </p:stCondLst>
+                                        </p:cTn>
+                                        <p:tgtEl>
+                                          <p:spTgt spid="5">
+                                            <p:txEl>
+                                              <p:pRg st="7" end="7"/>
+                                            </p:txEl>
+                                          </p:spTgt>
+                                        </p:tgtEl>
+                                        <p:attrNameLst>
+                                          <p:attrName>style.visibility</p:attrName>
+                                        </p:attrNameLst>
+                                      </p:cBhvr>
+                                      <p:to>
+                                        <p:strVal val="visible"/>
+                                      </p:to>
+                                    </p:set>
+                                  </p:childTnLst>
+                                </p:cTn>
+                              </p:par>
+                              <p:par>
+                                <p:cTn id="27" presetID="1" presetClass="entr" presetSubtype="0" fill="hold" grpId="0" nodeType="withEffect">
+                                  <p:stCondLst>
+                                    <p:cond delay="0"/>
+                                  </p:stCondLst>
+                                  <p:childTnLst>
+                                    <p:set>
+                                      <p:cBhvr>
+                                        <p:cTn id="28" dur="1" fill="hold">
+                                          <p:stCondLst>
+                                            <p:cond delay="0"/>
+                                          </p:stCondLst>
+                                        </p:cTn>
+                                        <p:tgtEl>
+                                          <p:spTgt spid="5">
+                                            <p:txEl>
+                                              <p:pRg st="8" end="8"/>
+                                            </p:txEl>
+                                          </p:spTgt>
+                                        </p:tgtEl>
+                                        <p:attrNameLst>
+                                          <p:attrName>style.visibility</p:attrName>
+                                        </p:attrNameLst>
+                                      </p:cBhvr>
+                                      <p:to>
+                                        <p:strVal val="visible"/>
+                                      </p:to>
+                                    </p:set>
+                                  </p:childTnLst>
+                                </p:cTn>
+                              </p:par>
+                              <p:par>
+                                <p:cTn id="29" presetID="1" presetClass="entr" presetSubtype="0" fill="hold" grpId="0" nodeType="withEffect">
+                                  <p:stCondLst>
+                                    <p:cond delay="0"/>
+                                  </p:stCondLst>
+                                  <p:childTnLst>
+                                    <p:set>
+                                      <p:cBhvr>
+                                        <p:cTn id="30" dur="1" fill="hold">
+                                          <p:stCondLst>
+                                            <p:cond delay="0"/>
+                                          </p:stCondLst>
+                                        </p:cTn>
+                                        <p:tgtEl>
+                                          <p:spTgt spid="5">
+                                            <p:txEl>
+                                              <p:pRg st="9" end="9"/>
+                                            </p:txEl>
+                                          </p:spTgt>
+                                        </p:tgtEl>
+                                        <p:attrNameLst>
+                                          <p:attrName>style.visibility</p:attrName>
+                                        </p:attrNameLst>
+                                      </p:cBhvr>
+                                      <p:to>
+                                        <p:strVal val="visible"/>
+                                      </p:to>
+                                    </p:set>
+                                  </p:childTnLst>
+                                </p:cTn>
+                              </p:par>
+                            </p:childTnLst>
+                          </p:cTn>
+                        </p:par>
+                      </p:childTnLst>
+                    </p:cTn>
+                  </p:par>
+                </p:childTnLst>
+              </p:cTn>
+              <p:prevCondLst>
+                <p:cond evt="onPrev" delay="0">
+                  <p:tgtEl>
+                    <p:sldTgt/>
+                  </p:tgtEl>
+                </p:cond>
+              </p:prevCondLst>
+              <p:nextCondLst>
+                <p:cond evt="onNext" delay="0">
+                  <p:tgtEl>
+                    <p:sldTgt/>
+                  </p:tgtEl>
+                </p:cond>
+              </p:nextCondLst>
+            </p:seq>
+          </p:childTnLst>
+        </p:cTn>
+      </p:par>
+    </p:tnLst>
+    <p:bldLst>
+      <p:bldP spid="5" grpId="0" build="p"/>
+    </p:bldLst>
+  </p:timing>
+</p:sld>
+</file>
+
+<file path=ppt/slides/slide31.xml><?xml version="1.0" encoding="utf-8"?>
+<p:sld xmlns:a="http://schemas.openxmlformats.org/drawingml/2006/main" xmlns:r="http://schemas.openxmlformats.org/officeDocument/2006/relationships" xmlns:p="http://schemas.openxmlformats.org/presentationml/2006/main">
+  <p:cSld>
+    <p:spTree>
+      <p:nvGrpSpPr>
+        <p:cNvPr id="1" name=""/>
+        <p:cNvGrpSpPr/>
+        <p:nvPr/>
+      </p:nvGrpSpPr>
+      <p:grpSpPr>
+        <a:xfrm>
+          <a:off x="0" y="0"/>
+          <a:ext cx="0" cy="0"/>
+          <a:chOff x="0" y="0"/>
+          <a:chExt cx="0" cy="0"/>
+        </a:xfrm>
+      </p:grpSpPr>
+      <p:sp>
+        <p:nvSpPr>
+          <p:cNvPr id="2" name="Title 1">
+            <a:extLst>
+              <a:ext uri="{FF2B5EF4-FFF2-40B4-BE49-F238E27FC236}">
+                <a16:creationId xmlns:a16="http://schemas.microsoft.com/office/drawing/2014/main" id="{B566F7EF-9C9A-9C8C-007A-21C610F57798}"/>
+              </a:ext>
+            </a:extLst>
+          </p:cNvPr>
+          <p:cNvSpPr>
+            <a:spLocks noGrp="1"/>
+          </p:cNvSpPr>
+          <p:nvPr>
+            <p:ph type="title"/>
+          </p:nvPr>
+        </p:nvSpPr>
+        <p:spPr/>
+        <p:txBody>
+          <a:bodyPr/>
+          <a:lstStyle/>
           <a:p>
+            <a:r>
+              <a:rPr lang="en-US" dirty="0"/>
+              <a:t>dynamic loading</a:t>
+            </a:r>
             <a:endParaRPr lang="ru-RU" dirty="0"/>
           </a:p>
         </p:txBody>
@@ -30443,7 +30758,1235 @@
           <p:cNvPr id="3" name="Content Placeholder 2">
             <a:extLst>
               <a:ext uri="{FF2B5EF4-FFF2-40B4-BE49-F238E27FC236}">
-                <a16:creationId xmlns:a16="http://schemas.microsoft.com/office/drawing/2014/main" id="{3CCDDA4D-2059-13EA-7488-E277D93F6BF6}"/>
+                <a16:creationId xmlns:a16="http://schemas.microsoft.com/office/drawing/2014/main" id="{4B2E61CB-6EA5-CCA3-5955-D0470E1C10A2}"/>
+              </a:ext>
+            </a:extLst>
+          </p:cNvPr>
+          <p:cNvSpPr>
+            <a:spLocks noGrp="1"/>
+          </p:cNvSpPr>
+          <p:nvPr>
+            <p:ph idx="1"/>
+          </p:nvPr>
+        </p:nvSpPr>
+        <p:spPr/>
+        <p:txBody>
+          <a:bodyPr/>
+          <a:lstStyle/>
+          <a:p>
+            <a:r>
+              <a:rPr lang="en-US" dirty="0"/>
+              <a:t>-c prefer-dynamic</a:t>
+            </a:r>
+          </a:p>
+          <a:p>
+            <a:r>
+              <a:rPr lang="en-US" dirty="0" err="1"/>
+              <a:t>dylib</a:t>
+            </a:r>
+            <a:endParaRPr lang="en-US" dirty="0"/>
+          </a:p>
+        </p:txBody>
+      </p:sp>
+    </p:spTree>
+    <p:extLst>
+      <p:ext uri="{BB962C8B-B14F-4D97-AF65-F5344CB8AC3E}">
+        <p14:creationId xmlns:p14="http://schemas.microsoft.com/office/powerpoint/2010/main" val="2801451923"/>
+      </p:ext>
+    </p:extLst>
+  </p:cSld>
+  <p:clrMapOvr>
+    <a:masterClrMapping/>
+  </p:clrMapOvr>
+  <p:timing>
+    <p:tnLst>
+      <p:par>
+        <p:cTn id="1" dur="indefinite" restart="never" nodeType="tmRoot">
+          <p:childTnLst>
+            <p:seq concurrent="1" nextAc="seek">
+              <p:cTn id="2" dur="indefinite" nodeType="mainSeq">
+                <p:childTnLst>
+                  <p:par>
+                    <p:cTn id="3" fill="hold">
+                      <p:stCondLst>
+                        <p:cond delay="indefinite"/>
+                      </p:stCondLst>
+                      <p:childTnLst>
+                        <p:par>
+                          <p:cTn id="4" fill="hold">
+                            <p:stCondLst>
+                              <p:cond delay="0"/>
+                            </p:stCondLst>
+                            <p:childTnLst>
+                              <p:par>
+                                <p:cTn id="5" presetID="1" presetClass="entr" presetSubtype="0" fill="hold" grpId="0" nodeType="clickEffect">
+                                  <p:stCondLst>
+                                    <p:cond delay="0"/>
+                                  </p:stCondLst>
+                                  <p:childTnLst>
+                                    <p:set>
+                                      <p:cBhvr>
+                                        <p:cTn id="6" dur="1" fill="hold">
+                                          <p:stCondLst>
+                                            <p:cond delay="0"/>
+                                          </p:stCondLst>
+                                        </p:cTn>
+                                        <p:tgtEl>
+                                          <p:spTgt spid="3">
+                                            <p:txEl>
+                                              <p:pRg st="0" end="0"/>
+                                            </p:txEl>
+                                          </p:spTgt>
+                                        </p:tgtEl>
+                                        <p:attrNameLst>
+                                          <p:attrName>style.visibility</p:attrName>
+                                        </p:attrNameLst>
+                                      </p:cBhvr>
+                                      <p:to>
+                                        <p:strVal val="visible"/>
+                                      </p:to>
+                                    </p:set>
+                                  </p:childTnLst>
+                                </p:cTn>
+                              </p:par>
+                            </p:childTnLst>
+                          </p:cTn>
+                        </p:par>
+                      </p:childTnLst>
+                    </p:cTn>
+                  </p:par>
+                  <p:par>
+                    <p:cTn id="7" fill="hold">
+                      <p:stCondLst>
+                        <p:cond delay="indefinite"/>
+                      </p:stCondLst>
+                      <p:childTnLst>
+                        <p:par>
+                          <p:cTn id="8" fill="hold">
+                            <p:stCondLst>
+                              <p:cond delay="0"/>
+                            </p:stCondLst>
+                            <p:childTnLst>
+                              <p:par>
+                                <p:cTn id="9" presetID="1" presetClass="entr" presetSubtype="0" fill="hold" grpId="0" nodeType="clickEffect">
+                                  <p:stCondLst>
+                                    <p:cond delay="0"/>
+                                  </p:stCondLst>
+                                  <p:childTnLst>
+                                    <p:set>
+                                      <p:cBhvr>
+                                        <p:cTn id="10" dur="1" fill="hold">
+                                          <p:stCondLst>
+                                            <p:cond delay="0"/>
+                                          </p:stCondLst>
+                                        </p:cTn>
+                                        <p:tgtEl>
+                                          <p:spTgt spid="3">
+                                            <p:txEl>
+                                              <p:pRg st="1" end="1"/>
+                                            </p:txEl>
+                                          </p:spTgt>
+                                        </p:tgtEl>
+                                        <p:attrNameLst>
+                                          <p:attrName>style.visibility</p:attrName>
+                                        </p:attrNameLst>
+                                      </p:cBhvr>
+                                      <p:to>
+                                        <p:strVal val="visible"/>
+                                      </p:to>
+                                    </p:set>
+                                  </p:childTnLst>
+                                </p:cTn>
+                              </p:par>
+                            </p:childTnLst>
+                          </p:cTn>
+                        </p:par>
+                      </p:childTnLst>
+                    </p:cTn>
+                  </p:par>
+                </p:childTnLst>
+              </p:cTn>
+              <p:prevCondLst>
+                <p:cond evt="onPrev" delay="0">
+                  <p:tgtEl>
+                    <p:sldTgt/>
+                  </p:tgtEl>
+                </p:cond>
+              </p:prevCondLst>
+              <p:nextCondLst>
+                <p:cond evt="onNext" delay="0">
+                  <p:tgtEl>
+                    <p:sldTgt/>
+                  </p:tgtEl>
+                </p:cond>
+              </p:nextCondLst>
+            </p:seq>
+          </p:childTnLst>
+        </p:cTn>
+      </p:par>
+    </p:tnLst>
+    <p:bldLst>
+      <p:bldP spid="3" grpId="0" build="p"/>
+    </p:bldLst>
+  </p:timing>
+</p:sld>
+</file>
+
+<file path=ppt/slides/slide32.xml><?xml version="1.0" encoding="utf-8"?>
+<p:sld xmlns:a="http://schemas.openxmlformats.org/drawingml/2006/main" xmlns:r="http://schemas.openxmlformats.org/officeDocument/2006/relationships" xmlns:p="http://schemas.openxmlformats.org/presentationml/2006/main">
+  <p:cSld>
+    <p:spTree>
+      <p:nvGrpSpPr>
+        <p:cNvPr id="1" name=""/>
+        <p:cNvGrpSpPr/>
+        <p:nvPr/>
+      </p:nvGrpSpPr>
+      <p:grpSpPr>
+        <a:xfrm>
+          <a:off x="0" y="0"/>
+          <a:ext cx="0" cy="0"/>
+          <a:chOff x="0" y="0"/>
+          <a:chExt cx="0" cy="0"/>
+        </a:xfrm>
+      </p:grpSpPr>
+      <p:sp>
+        <p:nvSpPr>
+          <p:cNvPr id="2" name="Title 1">
+            <a:extLst>
+              <a:ext uri="{FF2B5EF4-FFF2-40B4-BE49-F238E27FC236}">
+                <a16:creationId xmlns:a16="http://schemas.microsoft.com/office/drawing/2014/main" id="{3F01CD29-0D87-0686-074A-C87AD0136DC0}"/>
+              </a:ext>
+            </a:extLst>
+          </p:cNvPr>
+          <p:cNvSpPr>
+            <a:spLocks noGrp="1"/>
+          </p:cNvSpPr>
+          <p:nvPr>
+            <p:ph type="title"/>
+          </p:nvPr>
+        </p:nvSpPr>
+        <p:spPr/>
+        <p:txBody>
+          <a:bodyPr/>
+          <a:lstStyle/>
+          <a:p>
+            <a:r>
+              <a:rPr lang="en-US" dirty="0" err="1"/>
+              <a:t>Libloading</a:t>
+            </a:r>
+            <a:endParaRPr lang="ru-RU" dirty="0"/>
+          </a:p>
+        </p:txBody>
+      </p:sp>
+      <p:sp>
+        <p:nvSpPr>
+          <p:cNvPr id="3" name="Content Placeholder 2">
+            <a:extLst>
+              <a:ext uri="{FF2B5EF4-FFF2-40B4-BE49-F238E27FC236}">
+                <a16:creationId xmlns:a16="http://schemas.microsoft.com/office/drawing/2014/main" id="{FDE77428-F3DF-9BF8-23DE-D41BCA3D9665}"/>
+              </a:ext>
+            </a:extLst>
+          </p:cNvPr>
+          <p:cNvSpPr>
+            <a:spLocks noGrp="1"/>
+          </p:cNvSpPr>
+          <p:nvPr>
+            <p:ph idx="1"/>
+          </p:nvPr>
+        </p:nvSpPr>
+        <p:spPr/>
+        <p:txBody>
+          <a:bodyPr/>
+          <a:lstStyle/>
+          <a:p>
+            <a:r>
+              <a:rPr lang="en-US" dirty="0">
+                <a:hlinkClick r:id="rId2"/>
+              </a:rPr>
+              <a:t>https://crates.io/crates/libloading</a:t>
+            </a:r>
+            <a:r>
+              <a:rPr lang="en-US" dirty="0"/>
+              <a:t> </a:t>
+            </a:r>
+          </a:p>
+          <a:p>
+            <a:pPr marL="0" indent="0">
+              <a:buNone/>
+            </a:pPr>
+            <a:r>
+              <a:rPr lang="en-US" dirty="0" err="1">
+                <a:solidFill>
+                  <a:srgbClr val="0033B3"/>
+                </a:solidFill>
+                <a:effectLst/>
+                <a:latin typeface="JetBrains Mono"/>
+              </a:rPr>
+              <a:t>fn</a:t>
+            </a:r>
+            <a:r>
+              <a:rPr lang="en-US" dirty="0">
+                <a:solidFill>
+                  <a:srgbClr val="0033B3"/>
+                </a:solidFill>
+                <a:effectLst/>
+                <a:latin typeface="JetBrains Mono"/>
+              </a:rPr>
+              <a:t> </a:t>
+            </a:r>
+            <a:r>
+              <a:rPr lang="en-US" dirty="0" err="1">
+                <a:solidFill>
+                  <a:srgbClr val="080808"/>
+                </a:solidFill>
+                <a:effectLst/>
+                <a:latin typeface="JetBrains Mono"/>
+              </a:rPr>
+              <a:t>call_dynamic</a:t>
+            </a:r>
+            <a:r>
+              <a:rPr lang="en-US" dirty="0">
+                <a:solidFill>
+                  <a:srgbClr val="080808"/>
+                </a:solidFill>
+                <a:effectLst/>
+                <a:latin typeface="JetBrains Mono"/>
+              </a:rPr>
+              <a:t>() -&gt; Result&lt;u32, Box&lt;</a:t>
+            </a:r>
+            <a:r>
+              <a:rPr lang="en-US" dirty="0" err="1">
+                <a:solidFill>
+                  <a:srgbClr val="080808"/>
+                </a:solidFill>
+                <a:effectLst/>
+                <a:latin typeface="JetBrains Mono"/>
+              </a:rPr>
+              <a:t>dyn</a:t>
+            </a:r>
+            <a:r>
+              <a:rPr lang="en-US" dirty="0">
+                <a:solidFill>
+                  <a:srgbClr val="080808"/>
+                </a:solidFill>
+                <a:effectLst/>
+                <a:latin typeface="JetBrains Mono"/>
+              </a:rPr>
+              <a:t> std::error::Error&gt;&gt; {</a:t>
+            </a:r>
+            <a:br>
+              <a:rPr lang="en-US" dirty="0">
+                <a:solidFill>
+                  <a:srgbClr val="080808"/>
+                </a:solidFill>
+                <a:effectLst/>
+                <a:latin typeface="JetBrains Mono"/>
+              </a:rPr>
+            </a:br>
+            <a:r>
+              <a:rPr lang="en-US" dirty="0">
+                <a:solidFill>
+                  <a:srgbClr val="080808"/>
+                </a:solidFill>
+                <a:effectLst/>
+                <a:latin typeface="JetBrains Mono"/>
+              </a:rPr>
+              <a:t>    </a:t>
+            </a:r>
+            <a:r>
+              <a:rPr lang="en-US" dirty="0">
+                <a:solidFill>
+                  <a:srgbClr val="0033B3"/>
+                </a:solidFill>
+                <a:effectLst/>
+                <a:latin typeface="JetBrains Mono"/>
+              </a:rPr>
+              <a:t>unsafe </a:t>
+            </a:r>
+            <a:r>
+              <a:rPr lang="en-US" dirty="0">
+                <a:solidFill>
+                  <a:srgbClr val="080808"/>
+                </a:solidFill>
+                <a:effectLst/>
+                <a:latin typeface="JetBrains Mono"/>
+              </a:rPr>
+              <a:t>{</a:t>
+            </a:r>
+            <a:br>
+              <a:rPr lang="en-US" dirty="0">
+                <a:solidFill>
+                  <a:srgbClr val="080808"/>
+                </a:solidFill>
+                <a:effectLst/>
+                <a:latin typeface="JetBrains Mono"/>
+              </a:rPr>
+            </a:br>
+            <a:r>
+              <a:rPr lang="en-US" dirty="0">
+                <a:solidFill>
+                  <a:srgbClr val="080808"/>
+                </a:solidFill>
+                <a:effectLst/>
+                <a:latin typeface="JetBrains Mono"/>
+              </a:rPr>
+              <a:t>        </a:t>
+            </a:r>
+            <a:r>
+              <a:rPr lang="en-US" dirty="0">
+                <a:solidFill>
+                  <a:srgbClr val="0033B3"/>
+                </a:solidFill>
+                <a:effectLst/>
+                <a:latin typeface="JetBrains Mono"/>
+              </a:rPr>
+              <a:t>let </a:t>
+            </a:r>
+            <a:r>
+              <a:rPr lang="en-US" dirty="0">
+                <a:solidFill>
+                  <a:srgbClr val="080808"/>
+                </a:solidFill>
+                <a:effectLst/>
+                <a:latin typeface="JetBrains Mono"/>
+              </a:rPr>
+              <a:t>lib = </a:t>
+            </a:r>
+            <a:r>
+              <a:rPr lang="en-US" dirty="0" err="1">
+                <a:solidFill>
+                  <a:srgbClr val="080808"/>
+                </a:solidFill>
+                <a:effectLst/>
+                <a:latin typeface="JetBrains Mono"/>
+              </a:rPr>
+              <a:t>libloading</a:t>
+            </a:r>
+            <a:r>
+              <a:rPr lang="en-US" dirty="0">
+                <a:solidFill>
+                  <a:srgbClr val="080808"/>
+                </a:solidFill>
+                <a:effectLst/>
+                <a:latin typeface="JetBrains Mono"/>
+              </a:rPr>
+              <a:t>::Library::new(</a:t>
+            </a:r>
+            <a:r>
+              <a:rPr lang="en-US" dirty="0">
+                <a:solidFill>
+                  <a:srgbClr val="067D17"/>
+                </a:solidFill>
+                <a:effectLst/>
+                <a:latin typeface="JetBrains Mono"/>
+              </a:rPr>
+              <a:t>"/path/to/liblibrary.so"</a:t>
+            </a:r>
+            <a:r>
+              <a:rPr lang="en-US" dirty="0">
+                <a:solidFill>
+                  <a:srgbClr val="080808"/>
+                </a:solidFill>
+                <a:effectLst/>
+                <a:latin typeface="JetBrains Mono"/>
+              </a:rPr>
+              <a:t>)?;</a:t>
+            </a:r>
+            <a:br>
+              <a:rPr lang="en-US" dirty="0">
+                <a:solidFill>
+                  <a:srgbClr val="080808"/>
+                </a:solidFill>
+                <a:effectLst/>
+                <a:latin typeface="JetBrains Mono"/>
+              </a:rPr>
+            </a:br>
+            <a:r>
+              <a:rPr lang="en-US" dirty="0">
+                <a:solidFill>
+                  <a:srgbClr val="080808"/>
+                </a:solidFill>
+                <a:effectLst/>
+                <a:latin typeface="JetBrains Mono"/>
+              </a:rPr>
+              <a:t>        </a:t>
+            </a:r>
+            <a:r>
+              <a:rPr lang="en-US" dirty="0">
+                <a:solidFill>
+                  <a:srgbClr val="0033B3"/>
+                </a:solidFill>
+                <a:effectLst/>
+                <a:latin typeface="JetBrains Mono"/>
+              </a:rPr>
+              <a:t>let </a:t>
+            </a:r>
+            <a:r>
+              <a:rPr lang="en-US" dirty="0" err="1">
+                <a:solidFill>
+                  <a:srgbClr val="080808"/>
+                </a:solidFill>
+                <a:effectLst/>
+                <a:latin typeface="JetBrains Mono"/>
+              </a:rPr>
+              <a:t>func</a:t>
+            </a:r>
+            <a:r>
+              <a:rPr lang="en-US" dirty="0">
+                <a:solidFill>
+                  <a:srgbClr val="080808"/>
+                </a:solidFill>
+                <a:effectLst/>
+                <a:latin typeface="JetBrains Mono"/>
+              </a:rPr>
+              <a:t>: </a:t>
+            </a:r>
+            <a:r>
+              <a:rPr lang="en-US" dirty="0" err="1">
+                <a:solidFill>
+                  <a:srgbClr val="080808"/>
+                </a:solidFill>
+                <a:effectLst/>
+                <a:latin typeface="JetBrains Mono"/>
+              </a:rPr>
+              <a:t>libloading</a:t>
+            </a:r>
+            <a:r>
+              <a:rPr lang="en-US" dirty="0">
+                <a:solidFill>
+                  <a:srgbClr val="080808"/>
+                </a:solidFill>
+                <a:effectLst/>
+                <a:latin typeface="JetBrains Mono"/>
+              </a:rPr>
+              <a:t>::Symbol&lt;</a:t>
+            </a:r>
+            <a:r>
+              <a:rPr lang="en-US" dirty="0">
+                <a:solidFill>
+                  <a:srgbClr val="0033B3"/>
+                </a:solidFill>
+                <a:effectLst/>
+                <a:latin typeface="JetBrains Mono"/>
+              </a:rPr>
+              <a:t>unsafe extern </a:t>
+            </a:r>
+            <a:r>
+              <a:rPr lang="en-US" dirty="0" err="1">
+                <a:solidFill>
+                  <a:srgbClr val="0033B3"/>
+                </a:solidFill>
+                <a:effectLst/>
+                <a:latin typeface="JetBrains Mono"/>
+              </a:rPr>
+              <a:t>fn</a:t>
+            </a:r>
+            <a:r>
+              <a:rPr lang="en-US" dirty="0">
+                <a:solidFill>
+                  <a:srgbClr val="080808"/>
+                </a:solidFill>
+                <a:effectLst/>
+                <a:latin typeface="JetBrains Mono"/>
+              </a:rPr>
+              <a:t>() -&gt; u32&gt; = </a:t>
+            </a:r>
+            <a:r>
+              <a:rPr lang="en-US" dirty="0" err="1">
+                <a:solidFill>
+                  <a:srgbClr val="080808"/>
+                </a:solidFill>
+                <a:effectLst/>
+                <a:latin typeface="JetBrains Mono"/>
+              </a:rPr>
+              <a:t>lib.get</a:t>
+            </a:r>
+            <a:r>
+              <a:rPr lang="en-US" dirty="0">
+                <a:solidFill>
+                  <a:srgbClr val="080808"/>
+                </a:solidFill>
+                <a:effectLst/>
+                <a:latin typeface="JetBrains Mono"/>
+              </a:rPr>
+              <a:t>(</a:t>
+            </a:r>
+            <a:r>
+              <a:rPr lang="en-US" dirty="0" err="1">
+                <a:solidFill>
+                  <a:srgbClr val="067D17"/>
+                </a:solidFill>
+                <a:effectLst/>
+                <a:latin typeface="JetBrains Mono"/>
+              </a:rPr>
+              <a:t>b"my_func</a:t>
+            </a:r>
+            <a:r>
+              <a:rPr lang="en-US" dirty="0">
+                <a:solidFill>
+                  <a:srgbClr val="067D17"/>
+                </a:solidFill>
+                <a:effectLst/>
+                <a:latin typeface="JetBrains Mono"/>
+              </a:rPr>
+              <a:t>"</a:t>
+            </a:r>
+            <a:r>
+              <a:rPr lang="en-US" dirty="0">
+                <a:solidFill>
+                  <a:srgbClr val="080808"/>
+                </a:solidFill>
+                <a:effectLst/>
+                <a:latin typeface="JetBrains Mono"/>
+              </a:rPr>
+              <a:t>)?;</a:t>
+            </a:r>
+            <a:br>
+              <a:rPr lang="en-US" dirty="0">
+                <a:solidFill>
+                  <a:srgbClr val="080808"/>
+                </a:solidFill>
+                <a:effectLst/>
+                <a:latin typeface="JetBrains Mono"/>
+              </a:rPr>
+            </a:br>
+            <a:r>
+              <a:rPr lang="en-US" dirty="0">
+                <a:solidFill>
+                  <a:srgbClr val="080808"/>
+                </a:solidFill>
+                <a:effectLst/>
+                <a:latin typeface="JetBrains Mono"/>
+              </a:rPr>
+              <a:t>        Ok(</a:t>
+            </a:r>
+            <a:r>
+              <a:rPr lang="en-US" dirty="0" err="1">
+                <a:solidFill>
+                  <a:srgbClr val="080808"/>
+                </a:solidFill>
+                <a:effectLst/>
+                <a:latin typeface="JetBrains Mono"/>
+              </a:rPr>
+              <a:t>func</a:t>
+            </a:r>
+            <a:r>
+              <a:rPr lang="en-US" dirty="0">
+                <a:solidFill>
+                  <a:srgbClr val="080808"/>
+                </a:solidFill>
+                <a:effectLst/>
+                <a:latin typeface="JetBrains Mono"/>
+              </a:rPr>
+              <a:t>())</a:t>
+            </a:r>
+            <a:br>
+              <a:rPr lang="en-US" dirty="0">
+                <a:solidFill>
+                  <a:srgbClr val="080808"/>
+                </a:solidFill>
+                <a:effectLst/>
+                <a:latin typeface="JetBrains Mono"/>
+              </a:rPr>
+            </a:br>
+            <a:r>
+              <a:rPr lang="en-US" dirty="0">
+                <a:solidFill>
+                  <a:srgbClr val="080808"/>
+                </a:solidFill>
+                <a:effectLst/>
+                <a:latin typeface="JetBrains Mono"/>
+              </a:rPr>
+              <a:t>    }</a:t>
+            </a:r>
+            <a:br>
+              <a:rPr lang="en-US" dirty="0">
+                <a:solidFill>
+                  <a:srgbClr val="080808"/>
+                </a:solidFill>
+                <a:effectLst/>
+                <a:latin typeface="JetBrains Mono"/>
+              </a:rPr>
+            </a:br>
+            <a:r>
+              <a:rPr lang="en-US" dirty="0">
+                <a:solidFill>
+                  <a:srgbClr val="080808"/>
+                </a:solidFill>
+                <a:effectLst/>
+                <a:latin typeface="JetBrains Mono"/>
+              </a:rPr>
+              <a:t>}</a:t>
+            </a:r>
+          </a:p>
+          <a:p>
+            <a:endParaRPr lang="ru-RU" dirty="0"/>
+          </a:p>
+        </p:txBody>
+      </p:sp>
+    </p:spTree>
+    <p:extLst>
+      <p:ext uri="{BB962C8B-B14F-4D97-AF65-F5344CB8AC3E}">
+        <p14:creationId xmlns:p14="http://schemas.microsoft.com/office/powerpoint/2010/main" val="1741181036"/>
+      </p:ext>
+    </p:extLst>
+  </p:cSld>
+  <p:clrMapOvr>
+    <a:masterClrMapping/>
+  </p:clrMapOvr>
+</p:sld>
+</file>
+
+<file path=ppt/slides/slide33.xml><?xml version="1.0" encoding="utf-8"?>
+<p:sld xmlns:a="http://schemas.openxmlformats.org/drawingml/2006/main" xmlns:r="http://schemas.openxmlformats.org/officeDocument/2006/relationships" xmlns:p="http://schemas.openxmlformats.org/presentationml/2006/main">
+  <p:cSld>
+    <p:spTree>
+      <p:nvGrpSpPr>
+        <p:cNvPr id="1" name=""/>
+        <p:cNvGrpSpPr/>
+        <p:nvPr/>
+      </p:nvGrpSpPr>
+      <p:grpSpPr>
+        <a:xfrm>
+          <a:off x="0" y="0"/>
+          <a:ext cx="0" cy="0"/>
+          <a:chOff x="0" y="0"/>
+          <a:chExt cx="0" cy="0"/>
+        </a:xfrm>
+      </p:grpSpPr>
+      <p:sp>
+        <p:nvSpPr>
+          <p:cNvPr id="2" name="Title 1">
+            <a:extLst>
+              <a:ext uri="{FF2B5EF4-FFF2-40B4-BE49-F238E27FC236}">
+                <a16:creationId xmlns:a16="http://schemas.microsoft.com/office/drawing/2014/main" id="{FBC5F35D-012C-F47D-ED65-BA80EC4BD62F}"/>
+              </a:ext>
+            </a:extLst>
+          </p:cNvPr>
+          <p:cNvSpPr>
+            <a:spLocks noGrp="1"/>
+          </p:cNvSpPr>
+          <p:nvPr>
+            <p:ph type="title"/>
+          </p:nvPr>
+        </p:nvSpPr>
+        <p:spPr/>
+        <p:txBody>
+          <a:bodyPr/>
+          <a:lstStyle/>
+          <a:p>
+            <a:r>
+              <a:rPr lang="en-US" dirty="0" err="1"/>
+              <a:t>vtable</a:t>
+            </a:r>
+            <a:r>
+              <a:rPr lang="en-US" dirty="0"/>
+              <a:t>?</a:t>
+            </a:r>
+            <a:endParaRPr lang="ru-RU" dirty="0"/>
+          </a:p>
+        </p:txBody>
+      </p:sp>
+      <p:sp>
+        <p:nvSpPr>
+          <p:cNvPr id="3" name="Content Placeholder 2">
+            <a:extLst>
+              <a:ext uri="{FF2B5EF4-FFF2-40B4-BE49-F238E27FC236}">
+                <a16:creationId xmlns:a16="http://schemas.microsoft.com/office/drawing/2014/main" id="{959A7AB9-2DDA-694A-605C-A66FE8C15A18}"/>
+              </a:ext>
+            </a:extLst>
+          </p:cNvPr>
+          <p:cNvSpPr>
+            <a:spLocks noGrp="1"/>
+          </p:cNvSpPr>
+          <p:nvPr>
+            <p:ph idx="1"/>
+          </p:nvPr>
+        </p:nvSpPr>
+        <p:spPr/>
+        <p:txBody>
+          <a:bodyPr/>
+          <a:lstStyle/>
+          <a:p>
+            <a:r>
+              <a:rPr lang="en-US" dirty="0"/>
+              <a:t>No way by default</a:t>
+            </a:r>
+          </a:p>
+          <a:p>
+            <a:r>
+              <a:rPr lang="en-US" dirty="0"/>
+              <a:t>Custom </a:t>
+            </a:r>
+            <a:r>
+              <a:rPr lang="en-US" dirty="0" err="1"/>
+              <a:t>Vtable</a:t>
+            </a:r>
+            <a:endParaRPr lang="en-US" dirty="0"/>
+          </a:p>
+          <a:p>
+            <a:pPr lvl="1"/>
+            <a:r>
+              <a:rPr lang="en-US" dirty="0">
+                <a:hlinkClick r:id="rId2"/>
+              </a:rPr>
+              <a:t>https://docs.rs/vptr/latest/vptr/</a:t>
+            </a:r>
+            <a:r>
+              <a:rPr lang="en-US" dirty="0"/>
+              <a:t> </a:t>
+            </a:r>
+            <a:endParaRPr lang="ru-RU" dirty="0"/>
+          </a:p>
+        </p:txBody>
+      </p:sp>
+    </p:spTree>
+    <p:extLst>
+      <p:ext uri="{BB962C8B-B14F-4D97-AF65-F5344CB8AC3E}">
+        <p14:creationId xmlns:p14="http://schemas.microsoft.com/office/powerpoint/2010/main" val="2762123354"/>
+      </p:ext>
+    </p:extLst>
+  </p:cSld>
+  <p:clrMapOvr>
+    <a:masterClrMapping/>
+  </p:clrMapOvr>
+</p:sld>
+</file>
+
+<file path=ppt/slides/slide34.xml><?xml version="1.0" encoding="utf-8"?>
+<p:sld xmlns:a="http://schemas.openxmlformats.org/drawingml/2006/main" xmlns:r="http://schemas.openxmlformats.org/officeDocument/2006/relationships" xmlns:p="http://schemas.openxmlformats.org/presentationml/2006/main">
+  <p:cSld>
+    <p:spTree>
+      <p:nvGrpSpPr>
+        <p:cNvPr id="1" name=""/>
+        <p:cNvGrpSpPr/>
+        <p:nvPr/>
+      </p:nvGrpSpPr>
+      <p:grpSpPr>
+        <a:xfrm>
+          <a:off x="0" y="0"/>
+          <a:ext cx="0" cy="0"/>
+          <a:chOff x="0" y="0"/>
+          <a:chExt cx="0" cy="0"/>
+        </a:xfrm>
+      </p:grpSpPr>
+      <p:sp>
+        <p:nvSpPr>
+          <p:cNvPr id="2" name="Title 1">
+            <a:extLst>
+              <a:ext uri="{FF2B5EF4-FFF2-40B4-BE49-F238E27FC236}">
+                <a16:creationId xmlns:a16="http://schemas.microsoft.com/office/drawing/2014/main" id="{45D0038E-5B99-B27F-D378-9D0F04BBF4FC}"/>
+              </a:ext>
+            </a:extLst>
+          </p:cNvPr>
+          <p:cNvSpPr>
+            <a:spLocks noGrp="1"/>
+          </p:cNvSpPr>
+          <p:nvPr>
+            <p:ph type="title"/>
+          </p:nvPr>
+        </p:nvSpPr>
+        <p:spPr/>
+        <p:txBody>
+          <a:bodyPr/>
+          <a:lstStyle/>
+          <a:p>
+            <a:r>
+              <a:rPr lang="en-US" dirty="0"/>
+              <a:t>Rust ABI is not stable</a:t>
+            </a:r>
+            <a:endParaRPr lang="ru-RU" dirty="0"/>
+          </a:p>
+        </p:txBody>
+      </p:sp>
+      <p:sp>
+        <p:nvSpPr>
+          <p:cNvPr id="3" name="Content Placeholder 2">
+            <a:extLst>
+              <a:ext uri="{FF2B5EF4-FFF2-40B4-BE49-F238E27FC236}">
+                <a16:creationId xmlns:a16="http://schemas.microsoft.com/office/drawing/2014/main" id="{B0B5055B-D950-C2DD-427B-1A112168D417}"/>
+              </a:ext>
+            </a:extLst>
+          </p:cNvPr>
+          <p:cNvSpPr>
+            <a:spLocks noGrp="1"/>
+          </p:cNvSpPr>
+          <p:nvPr>
+            <p:ph idx="1"/>
+          </p:nvPr>
+        </p:nvSpPr>
+        <p:spPr/>
+        <p:txBody>
+          <a:bodyPr/>
+          <a:lstStyle/>
+          <a:p>
+            <a:r>
+              <a:rPr lang="en-US" dirty="0">
+                <a:hlinkClick r:id="rId2"/>
+              </a:rPr>
+              <a:t>https://internals.rust-lang.org/t/pre-rfc-stabilize-a-version-of-the-rlib-format/17558</a:t>
+            </a:r>
+            <a:endParaRPr lang="en-US" dirty="0"/>
+          </a:p>
+          <a:p>
+            <a:endParaRPr lang="ru-RU" dirty="0"/>
+          </a:p>
+        </p:txBody>
+      </p:sp>
+    </p:spTree>
+    <p:extLst>
+      <p:ext uri="{BB962C8B-B14F-4D97-AF65-F5344CB8AC3E}">
+        <p14:creationId xmlns:p14="http://schemas.microsoft.com/office/powerpoint/2010/main" val="4164503333"/>
+      </p:ext>
+    </p:extLst>
+  </p:cSld>
+  <p:clrMapOvr>
+    <a:masterClrMapping/>
+  </p:clrMapOvr>
+</p:sld>
+</file>
+
+<file path=ppt/slides/slide35.xml><?xml version="1.0" encoding="utf-8"?>
+<p:sld xmlns:a="http://schemas.openxmlformats.org/drawingml/2006/main" xmlns:r="http://schemas.openxmlformats.org/officeDocument/2006/relationships" xmlns:p="http://schemas.openxmlformats.org/presentationml/2006/main">
+  <p:cSld>
+    <p:spTree>
+      <p:nvGrpSpPr>
+        <p:cNvPr id="1" name=""/>
+        <p:cNvGrpSpPr/>
+        <p:nvPr/>
+      </p:nvGrpSpPr>
+      <p:grpSpPr>
+        <a:xfrm>
+          <a:off x="0" y="0"/>
+          <a:ext cx="0" cy="0"/>
+          <a:chOff x="0" y="0"/>
+          <a:chExt cx="0" cy="0"/>
+        </a:xfrm>
+      </p:grpSpPr>
+      <p:sp>
+        <p:nvSpPr>
+          <p:cNvPr id="2" name="Title 1">
+            <a:extLst>
+              <a:ext uri="{FF2B5EF4-FFF2-40B4-BE49-F238E27FC236}">
+                <a16:creationId xmlns:a16="http://schemas.microsoft.com/office/drawing/2014/main" id="{89911A5C-A9F1-BA6F-6532-558265B4368D}"/>
+              </a:ext>
+            </a:extLst>
+          </p:cNvPr>
+          <p:cNvSpPr>
+            <a:spLocks noGrp="1"/>
+          </p:cNvSpPr>
+          <p:nvPr>
+            <p:ph type="title"/>
+          </p:nvPr>
+        </p:nvSpPr>
+        <p:spPr/>
+        <p:txBody>
+          <a:bodyPr/>
+          <a:lstStyle/>
+          <a:p>
+            <a:r>
+              <a:rPr lang="en-US" dirty="0"/>
+              <a:t>Linkage C-Like</a:t>
+            </a:r>
+            <a:endParaRPr lang="ru-RU" dirty="0"/>
+          </a:p>
+        </p:txBody>
+      </p:sp>
+      <p:sp>
+        <p:nvSpPr>
+          <p:cNvPr id="3" name="Content Placeholder 2">
+            <a:extLst>
+              <a:ext uri="{FF2B5EF4-FFF2-40B4-BE49-F238E27FC236}">
+                <a16:creationId xmlns:a16="http://schemas.microsoft.com/office/drawing/2014/main" id="{4803005C-55ED-D407-ADD1-1BA7FAE7AFF4}"/>
+              </a:ext>
+            </a:extLst>
+          </p:cNvPr>
+          <p:cNvSpPr>
+            <a:spLocks noGrp="1"/>
+          </p:cNvSpPr>
+          <p:nvPr>
+            <p:ph idx="1"/>
+          </p:nvPr>
+        </p:nvSpPr>
+        <p:spPr/>
+        <p:txBody>
+          <a:bodyPr/>
+          <a:lstStyle/>
+          <a:p>
+            <a:r>
+              <a:rPr lang="en-US" dirty="0" err="1"/>
+              <a:t>cdylib</a:t>
+            </a:r>
+            <a:endParaRPr lang="en-US" dirty="0"/>
+          </a:p>
+          <a:p>
+            <a:pPr lvl="1"/>
+            <a:r>
+              <a:rPr lang="en-US" dirty="0"/>
+              <a:t>so, </a:t>
+            </a:r>
+            <a:r>
+              <a:rPr lang="en-US" dirty="0" err="1"/>
+              <a:t>dylib</a:t>
+            </a:r>
+            <a:r>
+              <a:rPr lang="en-US" dirty="0"/>
+              <a:t>, </a:t>
+            </a:r>
+            <a:r>
+              <a:rPr lang="en-US" dirty="0" err="1"/>
+              <a:t>dll</a:t>
+            </a:r>
+            <a:endParaRPr lang="en-US" dirty="0"/>
+          </a:p>
+          <a:p>
+            <a:pPr lvl="1"/>
+            <a:r>
+              <a:rPr lang="en-US" dirty="0"/>
+              <a:t>FFI</a:t>
+            </a:r>
+            <a:endParaRPr lang="ru-RU" dirty="0"/>
+          </a:p>
+        </p:txBody>
+      </p:sp>
+    </p:spTree>
+    <p:extLst>
+      <p:ext uri="{BB962C8B-B14F-4D97-AF65-F5344CB8AC3E}">
+        <p14:creationId xmlns:p14="http://schemas.microsoft.com/office/powerpoint/2010/main" val="4058209811"/>
+      </p:ext>
+    </p:extLst>
+  </p:cSld>
+  <p:clrMapOvr>
+    <a:masterClrMapping/>
+  </p:clrMapOvr>
+  <p:timing>
+    <p:tnLst>
+      <p:par>
+        <p:cTn id="1" dur="indefinite" restart="never" nodeType="tmRoot">
+          <p:childTnLst>
+            <p:seq concurrent="1" nextAc="seek">
+              <p:cTn id="2" dur="indefinite" nodeType="mainSeq">
+                <p:childTnLst>
+                  <p:par>
+                    <p:cTn id="3" fill="hold">
+                      <p:stCondLst>
+                        <p:cond delay="indefinite"/>
+                      </p:stCondLst>
+                      <p:childTnLst>
+                        <p:par>
+                          <p:cTn id="4" fill="hold">
+                            <p:stCondLst>
+                              <p:cond delay="0"/>
+                            </p:stCondLst>
+                            <p:childTnLst>
+                              <p:par>
+                                <p:cTn id="5" presetID="1" presetClass="entr" presetSubtype="0" fill="hold" grpId="0" nodeType="clickEffect">
+                                  <p:stCondLst>
+                                    <p:cond delay="0"/>
+                                  </p:stCondLst>
+                                  <p:childTnLst>
+                                    <p:set>
+                                      <p:cBhvr>
+                                        <p:cTn id="6" dur="1" fill="hold">
+                                          <p:stCondLst>
+                                            <p:cond delay="0"/>
+                                          </p:stCondLst>
+                                        </p:cTn>
+                                        <p:tgtEl>
+                                          <p:spTgt spid="3">
+                                            <p:txEl>
+                                              <p:pRg st="0" end="0"/>
+                                            </p:txEl>
+                                          </p:spTgt>
+                                        </p:tgtEl>
+                                        <p:attrNameLst>
+                                          <p:attrName>style.visibility</p:attrName>
+                                        </p:attrNameLst>
+                                      </p:cBhvr>
+                                      <p:to>
+                                        <p:strVal val="visible"/>
+                                      </p:to>
+                                    </p:set>
+                                  </p:childTnLst>
+                                </p:cTn>
+                              </p:par>
+                              <p:par>
+                                <p:cTn id="7" presetID="1" presetClass="entr" presetSubtype="0" fill="hold" grpId="0" nodeType="withEffect">
+                                  <p:stCondLst>
+                                    <p:cond delay="0"/>
+                                  </p:stCondLst>
+                                  <p:childTnLst>
+                                    <p:set>
+                                      <p:cBhvr>
+                                        <p:cTn id="8" dur="1" fill="hold">
+                                          <p:stCondLst>
+                                            <p:cond delay="0"/>
+                                          </p:stCondLst>
+                                        </p:cTn>
+                                        <p:tgtEl>
+                                          <p:spTgt spid="3">
+                                            <p:txEl>
+                                              <p:pRg st="1" end="1"/>
+                                            </p:txEl>
+                                          </p:spTgt>
+                                        </p:tgtEl>
+                                        <p:attrNameLst>
+                                          <p:attrName>style.visibility</p:attrName>
+                                        </p:attrNameLst>
+                                      </p:cBhvr>
+                                      <p:to>
+                                        <p:strVal val="visible"/>
+                                      </p:to>
+                                    </p:set>
+                                  </p:childTnLst>
+                                </p:cTn>
+                              </p:par>
+                              <p:par>
+                                <p:cTn id="9" presetID="1" presetClass="entr" presetSubtype="0" fill="hold" grpId="0" nodeType="withEffect">
+                                  <p:stCondLst>
+                                    <p:cond delay="0"/>
+                                  </p:stCondLst>
+                                  <p:childTnLst>
+                                    <p:set>
+                                      <p:cBhvr>
+                                        <p:cTn id="10" dur="1" fill="hold">
+                                          <p:stCondLst>
+                                            <p:cond delay="0"/>
+                                          </p:stCondLst>
+                                        </p:cTn>
+                                        <p:tgtEl>
+                                          <p:spTgt spid="3">
+                                            <p:txEl>
+                                              <p:pRg st="2" end="2"/>
+                                            </p:txEl>
+                                          </p:spTgt>
+                                        </p:tgtEl>
+                                        <p:attrNameLst>
+                                          <p:attrName>style.visibility</p:attrName>
+                                        </p:attrNameLst>
+                                      </p:cBhvr>
+                                      <p:to>
+                                        <p:strVal val="visible"/>
+                                      </p:to>
+                                    </p:set>
+                                  </p:childTnLst>
+                                </p:cTn>
+                              </p:par>
+                            </p:childTnLst>
+                          </p:cTn>
+                        </p:par>
+                      </p:childTnLst>
+                    </p:cTn>
+                  </p:par>
+                </p:childTnLst>
+              </p:cTn>
+              <p:prevCondLst>
+                <p:cond evt="onPrev" delay="0">
+                  <p:tgtEl>
+                    <p:sldTgt/>
+                  </p:tgtEl>
+                </p:cond>
+              </p:prevCondLst>
+              <p:nextCondLst>
+                <p:cond evt="onNext" delay="0">
+                  <p:tgtEl>
+                    <p:sldTgt/>
+                  </p:tgtEl>
+                </p:cond>
+              </p:nextCondLst>
+            </p:seq>
+          </p:childTnLst>
+        </p:cTn>
+      </p:par>
+    </p:tnLst>
+    <p:bldLst>
+      <p:bldP spid="3" grpId="0" build="p"/>
+    </p:bldLst>
+  </p:timing>
+</p:sld>
+</file>
+
+<file path=ppt/slides/slide36.xml><?xml version="1.0" encoding="utf-8"?>
+<p:sld xmlns:a="http://schemas.openxmlformats.org/drawingml/2006/main" xmlns:r="http://schemas.openxmlformats.org/officeDocument/2006/relationships" xmlns:p="http://schemas.openxmlformats.org/presentationml/2006/main">
+  <p:cSld>
+    <p:spTree>
+      <p:nvGrpSpPr>
+        <p:cNvPr id="1" name=""/>
+        <p:cNvGrpSpPr/>
+        <p:nvPr/>
+      </p:nvGrpSpPr>
+      <p:grpSpPr>
+        <a:xfrm>
+          <a:off x="0" y="0"/>
+          <a:ext cx="0" cy="0"/>
+          <a:chOff x="0" y="0"/>
+          <a:chExt cx="0" cy="0"/>
+        </a:xfrm>
+      </p:grpSpPr>
+      <p:sp>
+        <p:nvSpPr>
+          <p:cNvPr id="2" name="Title 1">
+            <a:extLst>
+              <a:ext uri="{FF2B5EF4-FFF2-40B4-BE49-F238E27FC236}">
+                <a16:creationId xmlns:a16="http://schemas.microsoft.com/office/drawing/2014/main" id="{0A208D48-9D1E-BEEF-265D-B7872FD58422}"/>
+              </a:ext>
+            </a:extLst>
+          </p:cNvPr>
+          <p:cNvSpPr>
+            <a:spLocks noGrp="1"/>
+          </p:cNvSpPr>
+          <p:nvPr>
+            <p:ph type="title"/>
+          </p:nvPr>
+        </p:nvSpPr>
+        <p:spPr/>
+        <p:txBody>
+          <a:bodyPr/>
+          <a:lstStyle/>
+          <a:p>
+            <a:r>
+              <a:rPr lang="en-US" dirty="0"/>
+              <a:t>FFI</a:t>
+            </a:r>
+            <a:endParaRPr lang="ru-RU" dirty="0"/>
+          </a:p>
+        </p:txBody>
+      </p:sp>
+      <p:sp>
+        <p:nvSpPr>
+          <p:cNvPr id="4" name="Text Placeholder 3">
+            <a:extLst>
+              <a:ext uri="{FF2B5EF4-FFF2-40B4-BE49-F238E27FC236}">
+                <a16:creationId xmlns:a16="http://schemas.microsoft.com/office/drawing/2014/main" id="{F83722DD-6245-83CB-D555-FE5461AF489F}"/>
+              </a:ext>
+            </a:extLst>
+          </p:cNvPr>
+          <p:cNvSpPr>
+            <a:spLocks noGrp="1"/>
+          </p:cNvSpPr>
+          <p:nvPr>
+            <p:ph type="body" idx="1"/>
+          </p:nvPr>
+        </p:nvSpPr>
+        <p:spPr/>
+        <p:txBody>
+          <a:bodyPr/>
+          <a:lstStyle/>
+          <a:p>
+            <a:r>
+              <a:rPr lang="en-US" dirty="0"/>
+              <a:t>Execute C-Like Libraries</a:t>
+            </a:r>
+            <a:endParaRPr lang="ru-RU" dirty="0"/>
+          </a:p>
+        </p:txBody>
+      </p:sp>
+      <p:sp>
+        <p:nvSpPr>
+          <p:cNvPr id="5" name="Content Placeholder 4">
+            <a:extLst>
+              <a:ext uri="{FF2B5EF4-FFF2-40B4-BE49-F238E27FC236}">
+                <a16:creationId xmlns:a16="http://schemas.microsoft.com/office/drawing/2014/main" id="{9DE75DB9-1D50-0EEF-39A4-43E4577B6C9B}"/>
               </a:ext>
             </a:extLst>
           </p:cNvPr>
@@ -30454,23 +31997,417 @@
             <p:ph sz="half" idx="2"/>
           </p:nvPr>
         </p:nvSpPr>
+        <p:spPr/>
+        <p:txBody>
+          <a:bodyPr>
+            <a:normAutofit lnSpcReduction="10000"/>
+          </a:bodyPr>
+          <a:lstStyle/>
+          <a:p>
+            <a:pPr marL="0" indent="0">
+              <a:buNone/>
+            </a:pPr>
+            <a:r>
+              <a:rPr lang="en-US" dirty="0">
+                <a:solidFill>
+                  <a:srgbClr val="9E880D"/>
+                </a:solidFill>
+                <a:latin typeface="JetBrains Mono"/>
+              </a:rPr>
+              <a:t>#[link(name = "m")]</a:t>
+            </a:r>
+            <a:br>
+              <a:rPr lang="en-US" dirty="0">
+                <a:solidFill>
+                  <a:srgbClr val="9E880D"/>
+                </a:solidFill>
+                <a:latin typeface="JetBrains Mono"/>
+              </a:rPr>
+            </a:br>
+            <a:r>
+              <a:rPr lang="en-US" dirty="0">
+                <a:solidFill>
+                  <a:srgbClr val="0033B3"/>
+                </a:solidFill>
+                <a:latin typeface="JetBrains Mono"/>
+              </a:rPr>
+              <a:t>extern </a:t>
+            </a:r>
+            <a:r>
+              <a:rPr lang="en-US" dirty="0">
+                <a:solidFill>
+                  <a:srgbClr val="080808"/>
+                </a:solidFill>
+                <a:latin typeface="JetBrains Mono"/>
+              </a:rPr>
+              <a:t>{</a:t>
+            </a:r>
+            <a:br>
+              <a:rPr lang="en-US" dirty="0">
+                <a:solidFill>
+                  <a:srgbClr val="080808"/>
+                </a:solidFill>
+                <a:latin typeface="JetBrains Mono"/>
+              </a:rPr>
+            </a:br>
+            <a:r>
+              <a:rPr lang="en-US" dirty="0">
+                <a:solidFill>
+                  <a:srgbClr val="080808"/>
+                </a:solidFill>
+                <a:latin typeface="JetBrains Mono"/>
+              </a:rPr>
+              <a:t>    </a:t>
+            </a:r>
+            <a:r>
+              <a:rPr lang="en-US" dirty="0" err="1">
+                <a:solidFill>
+                  <a:srgbClr val="0033B3"/>
+                </a:solidFill>
+                <a:latin typeface="JetBrains Mono"/>
+              </a:rPr>
+              <a:t>fn</a:t>
+            </a:r>
+            <a:r>
+              <a:rPr lang="en-US" dirty="0">
+                <a:solidFill>
+                  <a:srgbClr val="0033B3"/>
+                </a:solidFill>
+                <a:latin typeface="JetBrains Mono"/>
+              </a:rPr>
+              <a:t> </a:t>
+            </a:r>
+            <a:r>
+              <a:rPr lang="en-US" dirty="0" err="1">
+                <a:solidFill>
+                  <a:srgbClr val="00627A"/>
+                </a:solidFill>
+                <a:latin typeface="JetBrains Mono"/>
+              </a:rPr>
+              <a:t>other_cos</a:t>
+            </a:r>
+            <a:r>
+              <a:rPr lang="en-US" dirty="0">
+                <a:solidFill>
+                  <a:srgbClr val="080808"/>
+                </a:solidFill>
+                <a:latin typeface="JetBrains Mono"/>
+              </a:rPr>
+              <a:t>(z: </a:t>
+            </a:r>
+            <a:r>
+              <a:rPr lang="en-US" dirty="0">
+                <a:solidFill>
+                  <a:srgbClr val="0033B3"/>
+                </a:solidFill>
+                <a:latin typeface="JetBrains Mono"/>
+              </a:rPr>
+              <a:t>f32</a:t>
+            </a:r>
+            <a:r>
+              <a:rPr lang="en-US" dirty="0">
+                <a:solidFill>
+                  <a:srgbClr val="080808"/>
+                </a:solidFill>
+                <a:latin typeface="JetBrains Mono"/>
+              </a:rPr>
+              <a:t>) -&gt; </a:t>
+            </a:r>
+            <a:r>
+              <a:rPr lang="en-US" dirty="0">
+                <a:solidFill>
+                  <a:srgbClr val="0033B3"/>
+                </a:solidFill>
+                <a:latin typeface="JetBrains Mono"/>
+              </a:rPr>
+              <a:t>f32</a:t>
+            </a:r>
+            <a:r>
+              <a:rPr lang="en-US" dirty="0">
+                <a:solidFill>
+                  <a:srgbClr val="080808"/>
+                </a:solidFill>
+                <a:latin typeface="JetBrains Mono"/>
+              </a:rPr>
+              <a:t>;</a:t>
+            </a:r>
+            <a:br>
+              <a:rPr lang="en-US" dirty="0">
+                <a:solidFill>
+                  <a:srgbClr val="080808"/>
+                </a:solidFill>
+                <a:latin typeface="JetBrains Mono"/>
+              </a:rPr>
+            </a:br>
+            <a:r>
+              <a:rPr lang="en-US" dirty="0">
+                <a:solidFill>
+                  <a:srgbClr val="080808"/>
+                </a:solidFill>
+                <a:latin typeface="JetBrains Mono"/>
+              </a:rPr>
+              <a:t>}</a:t>
+            </a:r>
+            <a:br>
+              <a:rPr lang="en-US" dirty="0">
+                <a:solidFill>
+                  <a:srgbClr val="080808"/>
+                </a:solidFill>
+                <a:latin typeface="JetBrains Mono"/>
+              </a:rPr>
+            </a:br>
+            <a:br>
+              <a:rPr lang="en-US" dirty="0">
+                <a:solidFill>
+                  <a:srgbClr val="080808"/>
+                </a:solidFill>
+                <a:latin typeface="JetBrains Mono"/>
+              </a:rPr>
+            </a:br>
+            <a:r>
+              <a:rPr lang="en-US" dirty="0" err="1">
+                <a:solidFill>
+                  <a:srgbClr val="0033B3"/>
+                </a:solidFill>
+                <a:latin typeface="JetBrains Mono"/>
+              </a:rPr>
+              <a:t>fn</a:t>
+            </a:r>
+            <a:r>
+              <a:rPr lang="en-US" dirty="0">
+                <a:solidFill>
+                  <a:srgbClr val="0033B3"/>
+                </a:solidFill>
+                <a:latin typeface="JetBrains Mono"/>
+              </a:rPr>
+              <a:t> </a:t>
+            </a:r>
+            <a:r>
+              <a:rPr lang="en-US" dirty="0">
+                <a:solidFill>
+                  <a:srgbClr val="00627A"/>
+                </a:solidFill>
+                <a:latin typeface="JetBrains Mono"/>
+              </a:rPr>
+              <a:t>main</a:t>
+            </a:r>
+            <a:r>
+              <a:rPr lang="en-US" dirty="0">
+                <a:solidFill>
+                  <a:srgbClr val="080808"/>
+                </a:solidFill>
+                <a:latin typeface="JetBrains Mono"/>
+              </a:rPr>
+              <a:t>() {</a:t>
+            </a:r>
+            <a:br>
+              <a:rPr lang="en-US" dirty="0">
+                <a:solidFill>
+                  <a:srgbClr val="080808"/>
+                </a:solidFill>
+                <a:latin typeface="JetBrains Mono"/>
+              </a:rPr>
+            </a:br>
+            <a:r>
+              <a:rPr lang="en-US" dirty="0">
+                <a:solidFill>
+                  <a:srgbClr val="080808"/>
+                </a:solidFill>
+                <a:latin typeface="JetBrains Mono"/>
+              </a:rPr>
+              <a:t>    </a:t>
+            </a:r>
+            <a:r>
+              <a:rPr lang="en-US" dirty="0">
+                <a:solidFill>
+                  <a:srgbClr val="0033B3"/>
+                </a:solidFill>
+                <a:latin typeface="JetBrains Mono"/>
+              </a:rPr>
+              <a:t>let </a:t>
+            </a:r>
+            <a:r>
+              <a:rPr lang="en-US" dirty="0">
+                <a:solidFill>
+                  <a:srgbClr val="000000"/>
+                </a:solidFill>
+                <a:latin typeface="JetBrains Mono"/>
+              </a:rPr>
+              <a:t>result </a:t>
+            </a:r>
+            <a:r>
+              <a:rPr lang="en-US" dirty="0">
+                <a:solidFill>
+                  <a:srgbClr val="080808"/>
+                </a:solidFill>
+                <a:latin typeface="JetBrains Mono"/>
+              </a:rPr>
+              <a:t>= </a:t>
+            </a:r>
+            <a:r>
+              <a:rPr lang="en-US" dirty="0">
+                <a:solidFill>
+                  <a:srgbClr val="0033B3"/>
+                </a:solidFill>
+                <a:latin typeface="JetBrains Mono"/>
+              </a:rPr>
+              <a:t>unsafe </a:t>
+            </a:r>
+            <a:r>
+              <a:rPr lang="en-US" dirty="0">
+                <a:solidFill>
+                  <a:srgbClr val="080808"/>
+                </a:solidFill>
+                <a:latin typeface="JetBrains Mono"/>
+              </a:rPr>
+              <a:t>{</a:t>
+            </a:r>
+            <a:br>
+              <a:rPr lang="en-US" dirty="0">
+                <a:solidFill>
+                  <a:srgbClr val="080808"/>
+                </a:solidFill>
+                <a:latin typeface="JetBrains Mono"/>
+              </a:rPr>
+            </a:br>
+            <a:r>
+              <a:rPr lang="en-US" dirty="0">
+                <a:solidFill>
+                  <a:srgbClr val="080808"/>
+                </a:solidFill>
+                <a:latin typeface="JetBrains Mono"/>
+              </a:rPr>
+              <a:t>        </a:t>
+            </a:r>
+            <a:r>
+              <a:rPr lang="en-US" dirty="0" err="1">
+                <a:solidFill>
+                  <a:srgbClr val="080808"/>
+                </a:solidFill>
+                <a:latin typeface="JetBrains Mono"/>
+              </a:rPr>
+              <a:t>other_cos</a:t>
+            </a:r>
+            <a:r>
+              <a:rPr lang="en-US" dirty="0">
+                <a:solidFill>
+                  <a:srgbClr val="080808"/>
+                </a:solidFill>
+                <a:latin typeface="JetBrains Mono"/>
+              </a:rPr>
+              <a:t>(</a:t>
+            </a:r>
+            <a:r>
+              <a:rPr lang="en-US" dirty="0">
+                <a:solidFill>
+                  <a:srgbClr val="1750EB"/>
+                </a:solidFill>
+                <a:latin typeface="JetBrains Mono"/>
+              </a:rPr>
+              <a:t>0.5</a:t>
+            </a:r>
+            <a:r>
+              <a:rPr lang="en-US" dirty="0">
+                <a:solidFill>
+                  <a:srgbClr val="080808"/>
+                </a:solidFill>
+                <a:latin typeface="JetBrains Mono"/>
+              </a:rPr>
+              <a:t>)</a:t>
+            </a:r>
+            <a:br>
+              <a:rPr lang="en-US" dirty="0">
+                <a:solidFill>
+                  <a:srgbClr val="080808"/>
+                </a:solidFill>
+                <a:latin typeface="JetBrains Mono"/>
+              </a:rPr>
+            </a:br>
+            <a:r>
+              <a:rPr lang="en-US" dirty="0">
+                <a:solidFill>
+                  <a:srgbClr val="080808"/>
+                </a:solidFill>
+                <a:latin typeface="JetBrains Mono"/>
+              </a:rPr>
+              <a:t>    };</a:t>
+            </a:r>
+            <a:br>
+              <a:rPr lang="en-US" dirty="0">
+                <a:solidFill>
+                  <a:srgbClr val="080808"/>
+                </a:solidFill>
+                <a:latin typeface="JetBrains Mono"/>
+              </a:rPr>
+            </a:br>
+            <a:r>
+              <a:rPr lang="en-US" dirty="0">
+                <a:solidFill>
+                  <a:srgbClr val="080808"/>
+                </a:solidFill>
+                <a:latin typeface="JetBrains Mono"/>
+              </a:rPr>
+              <a:t>}</a:t>
+            </a:r>
+          </a:p>
+        </p:txBody>
+      </p:sp>
+      <p:sp>
+        <p:nvSpPr>
+          <p:cNvPr id="6" name="Text Placeholder 5">
+            <a:extLst>
+              <a:ext uri="{FF2B5EF4-FFF2-40B4-BE49-F238E27FC236}">
+                <a16:creationId xmlns:a16="http://schemas.microsoft.com/office/drawing/2014/main" id="{AC2A208E-C014-47A4-F470-DB6EADEAF9A5}"/>
+              </a:ext>
+            </a:extLst>
+          </p:cNvPr>
+          <p:cNvSpPr>
+            <a:spLocks noGrp="1"/>
+          </p:cNvSpPr>
+          <p:nvPr>
+            <p:ph type="body" sz="quarter" idx="3"/>
+          </p:nvPr>
+        </p:nvSpPr>
+        <p:spPr/>
+        <p:txBody>
+          <a:bodyPr/>
+          <a:lstStyle/>
+          <a:p>
+            <a:r>
+              <a:rPr lang="en-US" dirty="0"/>
+              <a:t>Build C-Like Libraries</a:t>
+            </a:r>
+            <a:endParaRPr lang="ru-RU" dirty="0"/>
+          </a:p>
+        </p:txBody>
+      </p:sp>
+      <p:sp>
+        <p:nvSpPr>
+          <p:cNvPr id="7" name="Content Placeholder 6">
+            <a:extLst>
+              <a:ext uri="{FF2B5EF4-FFF2-40B4-BE49-F238E27FC236}">
+                <a16:creationId xmlns:a16="http://schemas.microsoft.com/office/drawing/2014/main" id="{E3AD8481-7CA3-3660-5547-5B11AF165A58}"/>
+              </a:ext>
+            </a:extLst>
+          </p:cNvPr>
+          <p:cNvSpPr>
+            <a:spLocks noGrp="1"/>
+          </p:cNvSpPr>
+          <p:nvPr>
+            <p:ph sz="quarter" idx="4"/>
+          </p:nvPr>
+        </p:nvSpPr>
         <p:spPr>
           <a:xfrm>
-            <a:off x="6172199" y="1825625"/>
-            <a:ext cx="5645021" cy="4351338"/>
+            <a:off x="6172199" y="2505075"/>
+            <a:ext cx="5466347" cy="3684588"/>
           </a:xfrm>
         </p:spPr>
         <p:txBody>
           <a:bodyPr>
-            <a:normAutofit/>
+            <a:normAutofit lnSpcReduction="10000"/>
           </a:bodyPr>
           <a:lstStyle/>
-          <a:p>
-            <a:r>
-              <a:rPr lang="en-US" dirty="0"/>
-              <a:t>sub_folder.rs</a:t>
-            </a:r>
-          </a:p>
           <a:p>
             <a:pPr marL="0" indent="0">
               <a:buNone/>
@@ -30478,77 +32415,297 @@
             <a:r>
               <a:rPr lang="en-US" dirty="0">
                 <a:solidFill>
+                  <a:srgbClr val="9E880D"/>
+                </a:solidFill>
+                <a:effectLst/>
+                <a:latin typeface="JetBrains Mono"/>
+              </a:rPr>
+              <a:t>#[repr(C)]</a:t>
+            </a:r>
+            <a:br>
+              <a:rPr lang="en-US" dirty="0">
+                <a:solidFill>
+                  <a:srgbClr val="9E880D"/>
+                </a:solidFill>
+                <a:effectLst/>
+                <a:latin typeface="JetBrains Mono"/>
+              </a:rPr>
+            </a:br>
+            <a:r>
+              <a:rPr lang="en-US" dirty="0">
+                <a:solidFill>
                   <a:srgbClr val="0033B3"/>
                 </a:solidFill>
-                <a:latin typeface="JetBrains Mono"/>
-              </a:rPr>
-              <a:t>pub</a:t>
-            </a:r>
-            <a:r>
-              <a:rPr lang="en-US" dirty="0">
-                <a:solidFill>
-                  <a:srgbClr val="080808"/>
-                </a:solidFill>
-                <a:latin typeface="JetBrains Mono"/>
-              </a:rPr>
-              <a:t>(</a:t>
+                <a:effectLst/>
+                <a:latin typeface="JetBrains Mono"/>
+              </a:rPr>
+              <a:t>struct </a:t>
+            </a:r>
+            <a:r>
+              <a:rPr lang="en-US" dirty="0" err="1">
+                <a:solidFill>
+                  <a:srgbClr val="000000"/>
+                </a:solidFill>
+                <a:effectLst/>
+                <a:latin typeface="JetBrains Mono"/>
+              </a:rPr>
+              <a:t>MyStruct</a:t>
+            </a:r>
+            <a:r>
+              <a:rPr lang="en-US" dirty="0">
+                <a:solidFill>
+                  <a:srgbClr val="000000"/>
+                </a:solidFill>
+                <a:effectLst/>
+                <a:latin typeface="JetBrains Mono"/>
+              </a:rPr>
+              <a:t> </a:t>
+            </a:r>
+            <a:r>
+              <a:rPr lang="en-US" dirty="0">
+                <a:solidFill>
+                  <a:srgbClr val="080808"/>
+                </a:solidFill>
+                <a:effectLst/>
+                <a:latin typeface="JetBrains Mono"/>
+              </a:rPr>
+              <a:t>{</a:t>
+            </a:r>
+            <a:br>
+              <a:rPr lang="en-US" dirty="0">
+                <a:solidFill>
+                  <a:srgbClr val="080808"/>
+                </a:solidFill>
+                <a:effectLst/>
+                <a:latin typeface="JetBrains Mono"/>
+              </a:rPr>
+            </a:br>
+            <a:r>
+              <a:rPr lang="en-US" dirty="0">
+                <a:solidFill>
+                  <a:srgbClr val="080808"/>
+                </a:solidFill>
+                <a:effectLst/>
+                <a:latin typeface="JetBrains Mono"/>
+              </a:rPr>
+              <a:t>    </a:t>
+            </a:r>
+            <a:r>
+              <a:rPr lang="en-US" dirty="0">
+                <a:solidFill>
+                  <a:srgbClr val="871094"/>
+                </a:solidFill>
+                <a:effectLst/>
+                <a:latin typeface="JetBrains Mono"/>
+              </a:rPr>
+              <a:t>re</a:t>
+            </a:r>
+            <a:r>
+              <a:rPr lang="en-US" dirty="0">
+                <a:solidFill>
+                  <a:srgbClr val="080808"/>
+                </a:solidFill>
+                <a:effectLst/>
+                <a:latin typeface="JetBrains Mono"/>
+              </a:rPr>
+              <a:t>: </a:t>
             </a:r>
             <a:r>
               <a:rPr lang="en-US" dirty="0">
                 <a:solidFill>
                   <a:srgbClr val="0033B3"/>
                 </a:solidFill>
-                <a:latin typeface="JetBrains Mono"/>
-              </a:rPr>
-              <a:t>crate</a:t>
-            </a:r>
-            <a:r>
-              <a:rPr lang="en-US" dirty="0">
-                <a:solidFill>
-                  <a:srgbClr val="080808"/>
-                </a:solidFill>
-                <a:latin typeface="JetBrains Mono"/>
-              </a:rPr>
-              <a:t>) </a:t>
+                <a:effectLst/>
+                <a:latin typeface="JetBrains Mono"/>
+              </a:rPr>
+              <a:t>f32</a:t>
+            </a:r>
+            <a:r>
+              <a:rPr lang="en-US" dirty="0">
+                <a:solidFill>
+                  <a:srgbClr val="080808"/>
+                </a:solidFill>
+                <a:effectLst/>
+                <a:latin typeface="JetBrains Mono"/>
+              </a:rPr>
+              <a:t>,</a:t>
+            </a:r>
+            <a:br>
+              <a:rPr lang="en-US" dirty="0">
+                <a:solidFill>
+                  <a:srgbClr val="080808"/>
+                </a:solidFill>
+                <a:effectLst/>
+                <a:latin typeface="JetBrains Mono"/>
+              </a:rPr>
+            </a:br>
+            <a:r>
+              <a:rPr lang="en-US" dirty="0">
+                <a:solidFill>
+                  <a:srgbClr val="080808"/>
+                </a:solidFill>
+                <a:effectLst/>
+                <a:latin typeface="JetBrains Mono"/>
+              </a:rPr>
+              <a:t>    </a:t>
+            </a:r>
+            <a:r>
+              <a:rPr lang="en-US" dirty="0" err="1">
+                <a:solidFill>
+                  <a:srgbClr val="871094"/>
+                </a:solidFill>
+                <a:effectLst/>
+                <a:latin typeface="JetBrains Mono"/>
+              </a:rPr>
+              <a:t>im</a:t>
+            </a:r>
+            <a:r>
+              <a:rPr lang="en-US" dirty="0">
+                <a:solidFill>
+                  <a:srgbClr val="080808"/>
+                </a:solidFill>
+                <a:effectLst/>
+                <a:latin typeface="JetBrains Mono"/>
+              </a:rPr>
+              <a:t>: </a:t>
             </a:r>
             <a:r>
               <a:rPr lang="en-US" dirty="0">
                 <a:solidFill>
                   <a:srgbClr val="0033B3"/>
                 </a:solidFill>
-                <a:latin typeface="JetBrains Mono"/>
-              </a:rPr>
-              <a:t>mod </a:t>
+                <a:effectLst/>
+                <a:latin typeface="JetBrains Mono"/>
+              </a:rPr>
+              <a:t>f32</a:t>
+            </a:r>
+            <a:r>
+              <a:rPr lang="en-US" dirty="0">
+                <a:solidFill>
+                  <a:srgbClr val="080808"/>
+                </a:solidFill>
+                <a:effectLst/>
+                <a:latin typeface="JetBrains Mono"/>
+              </a:rPr>
+              <a:t>,</a:t>
+            </a:r>
+            <a:br>
+              <a:rPr lang="en-US" dirty="0">
+                <a:solidFill>
+                  <a:srgbClr val="080808"/>
+                </a:solidFill>
+                <a:effectLst/>
+                <a:latin typeface="JetBrains Mono"/>
+              </a:rPr>
+            </a:br>
+            <a:r>
+              <a:rPr lang="en-US" dirty="0">
+                <a:solidFill>
+                  <a:srgbClr val="080808"/>
+                </a:solidFill>
+                <a:effectLst/>
+                <a:latin typeface="JetBrains Mono"/>
+              </a:rPr>
+              <a:t>}</a:t>
+            </a:r>
+            <a:br>
+              <a:rPr lang="en-US" dirty="0">
+                <a:solidFill>
+                  <a:srgbClr val="080808"/>
+                </a:solidFill>
+                <a:effectLst/>
+                <a:latin typeface="JetBrains Mono"/>
+              </a:rPr>
+            </a:br>
+            <a:br>
+              <a:rPr lang="en-US" dirty="0">
+                <a:solidFill>
+                  <a:srgbClr val="080808"/>
+                </a:solidFill>
+                <a:effectLst/>
+                <a:latin typeface="JetBrains Mono"/>
+              </a:rPr>
+            </a:br>
+            <a:r>
+              <a:rPr lang="en-US" dirty="0">
+                <a:solidFill>
+                  <a:srgbClr val="0033B3"/>
+                </a:solidFill>
+                <a:effectLst/>
+                <a:latin typeface="JetBrains Mono"/>
+              </a:rPr>
+              <a:t>extern </a:t>
+            </a:r>
+            <a:r>
+              <a:rPr lang="en-US" dirty="0">
+                <a:solidFill>
+                  <a:srgbClr val="067D17"/>
+                </a:solidFill>
+                <a:effectLst/>
+                <a:latin typeface="JetBrains Mono"/>
+              </a:rPr>
+              <a:t>"C" </a:t>
             </a:r>
             <a:r>
               <a:rPr lang="en-US" dirty="0" err="1">
                 <a:solidFill>
+                  <a:srgbClr val="0033B3"/>
+                </a:solidFill>
+                <a:effectLst/>
+                <a:latin typeface="JetBrains Mono"/>
+              </a:rPr>
+              <a:t>fn</a:t>
+            </a:r>
+            <a:r>
+              <a:rPr lang="en-US" dirty="0">
+                <a:solidFill>
+                  <a:srgbClr val="0033B3"/>
+                </a:solidFill>
+                <a:effectLst/>
+                <a:latin typeface="JetBrains Mono"/>
+              </a:rPr>
+              <a:t> </a:t>
+            </a:r>
+            <a:r>
+              <a:rPr lang="en-US" dirty="0" err="1">
+                <a:solidFill>
+                  <a:srgbClr val="00627A"/>
+                </a:solidFill>
+                <a:effectLst/>
+                <a:latin typeface="JetBrains Mono"/>
+              </a:rPr>
+              <a:t>my_cos</a:t>
+            </a:r>
+            <a:r>
+              <a:rPr lang="en-US" dirty="0">
+                <a:solidFill>
+                  <a:srgbClr val="080808"/>
+                </a:solidFill>
+                <a:effectLst/>
+                <a:latin typeface="JetBrains Mono"/>
+              </a:rPr>
+              <a:t>(str: </a:t>
+            </a:r>
+            <a:r>
+              <a:rPr lang="en-US" dirty="0" err="1">
+                <a:solidFill>
                   <a:srgbClr val="000000"/>
                 </a:solidFill>
-                <a:latin typeface="JetBrains Mono"/>
-              </a:rPr>
-              <a:t>sub_feature</a:t>
-            </a:r>
-            <a:r>
-              <a:rPr lang="en-US" dirty="0">
-                <a:solidFill>
-                  <a:srgbClr val="080808"/>
-                </a:solidFill>
-                <a:latin typeface="JetBrains Mono"/>
-              </a:rPr>
-              <a:t>;</a:t>
-            </a:r>
-          </a:p>
-          <a:p>
-            <a:r>
-              <a:rPr lang="en-US" dirty="0"/>
-              <a:t>main.rs</a:t>
-            </a:r>
-          </a:p>
-          <a:p>
-            <a:pPr marL="0" indent="0">
-              <a:buNone/>
-            </a:pPr>
+                <a:effectLst/>
+                <a:latin typeface="JetBrains Mono"/>
+              </a:rPr>
+              <a:t>MyStruct</a:t>
+            </a:r>
+            <a:r>
+              <a:rPr lang="en-US" dirty="0">
+                <a:solidFill>
+                  <a:srgbClr val="080808"/>
+                </a:solidFill>
+                <a:effectLst/>
+                <a:latin typeface="JetBrains Mono"/>
+              </a:rPr>
+              <a:t>) -&gt; </a:t>
+            </a:r>
             <a:r>
               <a:rPr lang="en-US" dirty="0">
                 <a:solidFill>
@@ -30557,127 +32714,53 @@
                 <a:effectLst/>
                 <a:latin typeface="JetBrains Mono"/>
               </a:rPr>
-              <a:t>mod </a:t>
-            </a:r>
-            <a:r>
-              <a:rPr lang="en-US" dirty="0" err="1">
-                <a:solidFill>
-                  <a:srgbClr val="000000"/>
-                </a:solidFill>
-                <a:effectLst/>
-                <a:latin typeface="JetBrains Mono"/>
-              </a:rPr>
-              <a:t>sub_folder</a:t>
-            </a:r>
-            <a:r>
-              <a:rPr lang="en-US" dirty="0">
-                <a:solidFill>
-                  <a:srgbClr val="080808"/>
-                </a:solidFill>
-                <a:effectLst/>
-                <a:latin typeface="JetBrains Mono"/>
-              </a:rPr>
-              <a:t>;</a:t>
-            </a:r>
-          </a:p>
-          <a:p>
-            <a:pPr marL="0" indent="0">
-              <a:buNone/>
-            </a:pPr>
-            <a:r>
-              <a:rPr lang="en-US" dirty="0">
-                <a:solidFill>
-                  <a:srgbClr val="0033B3"/>
-                </a:solidFill>
-                <a:latin typeface="JetBrains Mono"/>
-              </a:rPr>
-              <a:t>use </a:t>
-            </a:r>
-            <a:r>
-              <a:rPr lang="en-US" dirty="0" err="1">
-                <a:solidFill>
-                  <a:srgbClr val="000000"/>
-                </a:solidFill>
-                <a:latin typeface="JetBrains Mono"/>
-              </a:rPr>
-              <a:t>sub_folder</a:t>
-            </a:r>
-            <a:r>
-              <a:rPr lang="en-US" dirty="0">
-                <a:solidFill>
-                  <a:srgbClr val="080808"/>
-                </a:solidFill>
-                <a:latin typeface="JetBrains Mono"/>
-              </a:rPr>
-              <a:t>::</a:t>
-            </a:r>
-            <a:r>
-              <a:rPr lang="en-US" dirty="0" err="1">
-                <a:solidFill>
-                  <a:srgbClr val="000000"/>
-                </a:solidFill>
-                <a:latin typeface="JetBrains Mono"/>
-              </a:rPr>
-              <a:t>sub_feature</a:t>
-            </a:r>
-            <a:r>
-              <a:rPr lang="en-US" dirty="0">
-                <a:solidFill>
-                  <a:srgbClr val="080808"/>
-                </a:solidFill>
-                <a:latin typeface="JetBrains Mono"/>
-              </a:rPr>
-              <a:t>::*;</a:t>
+              <a:t>f32 </a:t>
+            </a:r>
+            <a:r>
+              <a:rPr lang="en-US" dirty="0">
+                <a:solidFill>
+                  <a:srgbClr val="080808"/>
+                </a:solidFill>
+                <a:effectLst/>
+                <a:latin typeface="JetBrains Mono"/>
+              </a:rPr>
+              <a:t>{</a:t>
             </a:r>
             <a:br>
               <a:rPr lang="en-US" dirty="0">
                 <a:solidFill>
                   <a:srgbClr val="080808"/>
                 </a:solidFill>
+                <a:effectLst/>
                 <a:latin typeface="JetBrains Mono"/>
               </a:rPr>
             </a:br>
             <a:r>
-              <a:rPr lang="en-US" dirty="0" err="1">
-                <a:solidFill>
-                  <a:srgbClr val="0033B3"/>
-                </a:solidFill>
-                <a:latin typeface="JetBrains Mono"/>
-              </a:rPr>
-              <a:t>fn</a:t>
-            </a:r>
-            <a:r>
-              <a:rPr lang="en-US" dirty="0">
-                <a:solidFill>
-                  <a:srgbClr val="0033B3"/>
-                </a:solidFill>
-                <a:latin typeface="JetBrains Mono"/>
-              </a:rPr>
-              <a:t> </a:t>
-            </a:r>
-            <a:r>
-              <a:rPr lang="en-US" dirty="0">
-                <a:solidFill>
-                  <a:srgbClr val="00627A"/>
-                </a:solidFill>
-                <a:latin typeface="JetBrains Mono"/>
-              </a:rPr>
-              <a:t>main</a:t>
-            </a:r>
-            <a:r>
-              <a:rPr lang="en-US" dirty="0">
-                <a:solidFill>
-                  <a:srgbClr val="080808"/>
-                </a:solidFill>
-                <a:latin typeface="JetBrains Mono"/>
-              </a:rPr>
-              <a:t>() {</a:t>
+              <a:rPr lang="en-US" dirty="0">
+                <a:solidFill>
+                  <a:srgbClr val="080808"/>
+                </a:solidFill>
+                <a:effectLst/>
+                <a:latin typeface="JetBrains Mono"/>
+              </a:rPr>
+              <a:t>    str.</a:t>
+            </a:r>
+            <a:r>
+              <a:rPr lang="en-US" dirty="0">
+                <a:solidFill>
+                  <a:srgbClr val="871094"/>
+                </a:solidFill>
+                <a:effectLst/>
+                <a:latin typeface="JetBrains Mono"/>
+              </a:rPr>
+              <a:t>re</a:t>
             </a:r>
             <a:br>
               <a:rPr lang="en-US" dirty="0">
                 <a:solidFill>
-                  <a:srgbClr val="080808"/>
-                </a:solidFill>
+                  <a:srgbClr val="871094"/>
+                </a:solidFill>
+                <a:effectLst/>
                 <a:latin typeface="JetBrains Mono"/>
               </a:rPr>
             </a:br>
@@ -30686,68 +32769,7 @@
                 <a:solidFill>
                   <a:srgbClr val="080808"/>
                 </a:solidFill>
-                <a:latin typeface="JetBrains Mono"/>
-              </a:rPr>
-              <a:t>    </a:t>
-            </a:r>
-            <a:r>
-              <a:rPr lang="en-US" dirty="0">
-                <a:solidFill>
-                  <a:srgbClr val="0033B3"/>
-                </a:solidFill>
-                <a:latin typeface="JetBrains Mono"/>
-              </a:rPr>
-              <a:t>let </a:t>
-            </a:r>
-            <a:r>
-              <a:rPr lang="en-US" dirty="0">
-                <a:solidFill>
-                  <a:srgbClr val="000000"/>
-                </a:solidFill>
-                <a:latin typeface="JetBrains Mono"/>
-              </a:rPr>
-              <a:t>feature </a:t>
-            </a:r>
-            <a:r>
-              <a:rPr lang="en-US" dirty="0">
-                <a:solidFill>
-                  <a:srgbClr val="080808"/>
-                </a:solidFill>
-                <a:latin typeface="JetBrains Mono"/>
-              </a:rPr>
-              <a:t>= </a:t>
-            </a:r>
-            <a:r>
-              <a:rPr lang="en-US" dirty="0" err="1">
-                <a:solidFill>
-                  <a:srgbClr val="000000"/>
-                </a:solidFill>
-                <a:latin typeface="JetBrains Mono"/>
-              </a:rPr>
-              <a:t>MySubFeature</a:t>
-            </a:r>
-            <a:r>
-              <a:rPr lang="en-US" dirty="0">
-                <a:solidFill>
-                  <a:srgbClr val="080808"/>
-                </a:solidFill>
-                <a:latin typeface="JetBrains Mono"/>
-              </a:rPr>
-              <a:t>;</a:t>
-            </a:r>
-            <a:br>
-              <a:rPr lang="en-US" dirty="0">
-                <a:solidFill>
-                  <a:srgbClr val="080808"/>
-                </a:solidFill>
-                <a:latin typeface="JetBrains Mono"/>
-              </a:rPr>
-            </a:br>
-            <a:r>
-              <a:rPr lang="en-US" dirty="0">
-                <a:solidFill>
-                  <a:srgbClr val="080808"/>
-                </a:solidFill>
+                <a:effectLst/>
                 <a:latin typeface="JetBrains Mono"/>
               </a:rPr>
               <a:t>}</a:t>
@@ -30764,17 +32786,149 @@
     </p:spTree>
     <p:extLst>
       <p:ext uri="{BB962C8B-B14F-4D97-AF65-F5344CB8AC3E}">
-        <p14:creationId xmlns:p14="http://schemas.microsoft.com/office/powerpoint/2010/main" val="2161989004"/>
+        <p14:creationId xmlns:p14="http://schemas.microsoft.com/office/powerpoint/2010/main" val="606345096"/>
       </p:ext>
     </p:extLst>
   </p:cSld>
   <p:clrMapOvr>
     <a:masterClrMapping/>
   </p:clrMapOvr>
+  <p:timing>
+    <p:tnLst>
+      <p:par>
+        <p:cTn id="1" dur="indefinite" restart="never" nodeType="tmRoot">
+          <p:childTnLst>
+            <p:seq concurrent="1" nextAc="seek">
+              <p:cTn id="2" dur="indefinite" nodeType="mainSeq">
+                <p:childTnLst>
+                  <p:par>
+                    <p:cTn id="3" fill="hold">
+                      <p:stCondLst>
+                        <p:cond delay="indefinite"/>
+                      </p:stCondLst>
+                      <p:childTnLst>
+                        <p:par>
+                          <p:cTn id="4" fill="hold">
+                            <p:stCondLst>
+                              <p:cond delay="0"/>
+                            </p:stCondLst>
+                            <p:childTnLst>
+                              <p:par>
+                                <p:cTn id="5" presetID="1" presetClass="entr" presetSubtype="0" fill="hold" grpId="0" nodeType="clickEffect">
+                                  <p:stCondLst>
+                                    <p:cond delay="0"/>
+                                  </p:stCondLst>
+                                  <p:childTnLst>
+                                    <p:set>
+                                      <p:cBhvr>
+                                        <p:cTn id="6" dur="1" fill="hold">
+                                          <p:stCondLst>
+                                            <p:cond delay="0"/>
+                                          </p:stCondLst>
+                                        </p:cTn>
+                                        <p:tgtEl>
+                                          <p:spTgt spid="5">
+                                            <p:txEl>
+                                              <p:pRg st="0" end="0"/>
+                                            </p:txEl>
+                                          </p:spTgt>
+                                        </p:tgtEl>
+                                        <p:attrNameLst>
+                                          <p:attrName>style.visibility</p:attrName>
+                                        </p:attrNameLst>
+                                      </p:cBhvr>
+                                      <p:to>
+                                        <p:strVal val="visible"/>
+                                      </p:to>
+                                    </p:set>
+                                  </p:childTnLst>
+                                </p:cTn>
+                              </p:par>
+                            </p:childTnLst>
+                          </p:cTn>
+                        </p:par>
+                      </p:childTnLst>
+                    </p:cTn>
+                  </p:par>
+                  <p:par>
+                    <p:cTn id="7" fill="hold">
+                      <p:stCondLst>
+                        <p:cond delay="indefinite"/>
+                      </p:stCondLst>
+                      <p:childTnLst>
+                        <p:par>
+                          <p:cTn id="8" fill="hold">
+                            <p:stCondLst>
+                              <p:cond delay="0"/>
+                            </p:stCondLst>
+                            <p:childTnLst>
+                              <p:par>
+                                <p:cTn id="9" presetID="1" presetClass="entr" presetSubtype="0" fill="hold" grpId="0" nodeType="clickEffect">
+                                  <p:stCondLst>
+                                    <p:cond delay="0"/>
+                                  </p:stCondLst>
+                                  <p:childTnLst>
+                                    <p:set>
+                                      <p:cBhvr>
+                                        <p:cTn id="10" dur="1" fill="hold">
+                                          <p:stCondLst>
+                                            <p:cond delay="0"/>
+                                          </p:stCondLst>
+                                        </p:cTn>
+                                        <p:tgtEl>
+                                          <p:spTgt spid="7">
+                                            <p:txEl>
+                                              <p:pRg st="0" end="0"/>
+                                            </p:txEl>
+                                          </p:spTgt>
+                                        </p:tgtEl>
+                                        <p:attrNameLst>
+                                          <p:attrName>style.visibility</p:attrName>
+                                        </p:attrNameLst>
+                                      </p:cBhvr>
+                                      <p:to>
+                                        <p:strVal val="visible"/>
+                                      </p:to>
+                                    </p:set>
+                                  </p:childTnLst>
+                                </p:cTn>
+                              </p:par>
+                            </p:childTnLst>
+                          </p:cTn>
+                        </p:par>
+                      </p:childTnLst>
+                    </p:cTn>
+                  </p:par>
+                </p:childTnLst>
+              </p:cTn>
+              <p:prevCondLst>
+                <p:cond evt="onPrev" delay="0">
+                  <p:tgtEl>
+                    <p:sldTgt/>
+                  </p:tgtEl>
+                </p:cond>
+              </p:prevCondLst>
+              <p:nextCondLst>
+                <p:cond evt="onNext" delay="0">
+                  <p:tgtEl>
+                    <p:sldTgt/>
+                  </p:tgtEl>
+                </p:cond>
+              </p:nextCondLst>
+            </p:seq>
+          </p:childTnLst>
+        </p:cTn>
+      </p:par>
+    </p:tnLst>
+    <p:bldLst>
+      <p:bldP spid="5" grpId="0" build="p"/>
+      <p:bldP spid="7" grpId="0" build="p"/>
+    </p:bldLst>
+  </p:timing>
 </p:sld>
 </file>
 
-<file path=ppt/slides/slide31.xml><?xml version="1.0" encoding="utf-8"?>
+<file path=ppt/slides/slide37.xml><?xml version="1.0" encoding="utf-8"?>
 <p:sld xmlns:a="http://schemas.openxmlformats.org/drawingml/2006/main" xmlns:r="http://schemas.openxmlformats.org/officeDocument/2006/relationships" xmlns:p="http://schemas.openxmlformats.org/presentationml/2006/main">
   <p:cSld>
     <p:spTree>
@@ -31298,7 +33452,7 @@
 </p:sld>
 </file>
 
-<file path=ppt/slides/slide32.xml><?xml version="1.0" encoding="utf-8"?>
+<file path=ppt/slides/slide38.xml><?xml version="1.0" encoding="utf-8"?>
 <p:sld xmlns:a="http://schemas.openxmlformats.org/drawingml/2006/main" xmlns:r="http://schemas.openxmlformats.org/officeDocument/2006/relationships" xmlns:p="http://schemas.openxmlformats.org/presentationml/2006/main">
   <p:cSld>
     <p:spTree>
@@ -31725,7 +33879,7 @@
 </p:sld>
 </file>
 
-<file path=ppt/slides/slide33.xml><?xml version="1.0" encoding="utf-8"?>
+<file path=ppt/slides/slide39.xml><?xml version="1.0" encoding="utf-8"?>
 <p:sld xmlns:a="http://schemas.openxmlformats.org/drawingml/2006/main" xmlns:r="http://schemas.openxmlformats.org/officeDocument/2006/relationships" xmlns:p="http://schemas.openxmlformats.org/presentationml/2006/main">
   <p:cSld>
     <p:spTree>
@@ -32428,896 +34582,7 @@
 </p:sld>
 </file>
 
-<file path=ppt/slides/slide34.xml><?xml version="1.0" encoding="utf-8"?>
-<p:sld xmlns:a="http://schemas.openxmlformats.org/drawingml/2006/main" xmlns:r="http://schemas.openxmlformats.org/officeDocument/2006/relationships" xmlns:p="http://schemas.openxmlformats.org/presentationml/2006/main">
-  <p:cSld>
-    <p:spTree>
-      <p:nvGrpSpPr>
-        <p:cNvPr id="1" name=""/>
-        <p:cNvGrpSpPr/>
-        <p:nvPr/>
-      </p:nvGrpSpPr>
-      <p:grpSpPr>
-        <a:xfrm>
-          <a:off x="0" y="0"/>
-          <a:ext cx="0" cy="0"/>
-          <a:chOff x="0" y="0"/>
-          <a:chExt cx="0" cy="0"/>
-        </a:xfrm>
-      </p:grpSpPr>
-      <p:sp>
-        <p:nvSpPr>
-          <p:cNvPr id="2" name="Title 1">
-            <a:extLst>
-              <a:ext uri="{FF2B5EF4-FFF2-40B4-BE49-F238E27FC236}">
-                <a16:creationId xmlns:a16="http://schemas.microsoft.com/office/drawing/2014/main" id="{2AB7E0CC-7CA8-0FEC-2404-ED2D14F59BE4}"/>
-              </a:ext>
-            </a:extLst>
-          </p:cNvPr>
-          <p:cNvSpPr>
-            <a:spLocks noGrp="1"/>
-          </p:cNvSpPr>
-          <p:nvPr>
-            <p:ph type="title"/>
-          </p:nvPr>
-        </p:nvSpPr>
-        <p:spPr/>
-        <p:txBody>
-          <a:bodyPr/>
-          <a:lstStyle/>
-          <a:p>
-            <a:r>
-              <a:rPr lang="en-US" dirty="0"/>
-              <a:t>Homework</a:t>
-            </a:r>
-            <a:endParaRPr lang="ru-RU" dirty="0"/>
-          </a:p>
-        </p:txBody>
-      </p:sp>
-      <p:sp>
-        <p:nvSpPr>
-          <p:cNvPr id="3" name="Content Placeholder 2">
-            <a:extLst>
-              <a:ext uri="{FF2B5EF4-FFF2-40B4-BE49-F238E27FC236}">
-                <a16:creationId xmlns:a16="http://schemas.microsoft.com/office/drawing/2014/main" id="{86BB4FDD-447B-5E76-2374-FF3BEA13EA38}"/>
-              </a:ext>
-            </a:extLst>
-          </p:cNvPr>
-          <p:cNvSpPr>
-            <a:spLocks noGrp="1"/>
-          </p:cNvSpPr>
-          <p:nvPr>
-            <p:ph idx="1"/>
-          </p:nvPr>
-        </p:nvSpPr>
-        <p:spPr/>
-        <p:txBody>
-          <a:bodyPr/>
-          <a:lstStyle/>
-          <a:p>
-            <a:pPr marL="0" indent="0">
-              <a:buNone/>
-            </a:pPr>
-            <a:r>
-              <a:rPr lang="en-US" dirty="0">
-                <a:solidFill>
-                  <a:srgbClr val="0033B3"/>
-                </a:solidFill>
-                <a:effectLst/>
-                <a:latin typeface="JetBrains Mono"/>
-              </a:rPr>
-              <a:t>let mut </a:t>
-            </a:r>
-            <a:r>
-              <a:rPr lang="en-US" dirty="0" err="1">
-                <a:solidFill>
-                  <a:srgbClr val="000000"/>
-                </a:solidFill>
-                <a:effectLst/>
-                <a:latin typeface="JetBrains Mono"/>
-              </a:rPr>
-              <a:t>interpretation_visitor</a:t>
-            </a:r>
-            <a:r>
-              <a:rPr lang="en-US" dirty="0">
-                <a:solidFill>
-                  <a:srgbClr val="000000"/>
-                </a:solidFill>
-                <a:effectLst/>
-                <a:latin typeface="JetBrains Mono"/>
-              </a:rPr>
-              <a:t> </a:t>
-            </a:r>
-            <a:r>
-              <a:rPr lang="en-US" dirty="0">
-                <a:solidFill>
-                  <a:srgbClr val="080808"/>
-                </a:solidFill>
-                <a:effectLst/>
-                <a:latin typeface="JetBrains Mono"/>
-              </a:rPr>
-              <a:t>= </a:t>
-            </a:r>
-            <a:r>
-              <a:rPr lang="en-US" dirty="0" err="1">
-                <a:solidFill>
-                  <a:srgbClr val="080808"/>
-                </a:solidFill>
-                <a:effectLst/>
-                <a:latin typeface="JetBrains Mono"/>
-              </a:rPr>
-              <a:t>InterpretationVisitor</a:t>
-            </a:r>
-            <a:r>
-              <a:rPr lang="en-US" dirty="0">
-                <a:solidFill>
-                  <a:srgbClr val="080808"/>
-                </a:solidFill>
-                <a:effectLst/>
-                <a:latin typeface="JetBrains Mono"/>
-              </a:rPr>
-              <a:t>::new();</a:t>
-            </a:r>
-            <a:br>
-              <a:rPr lang="en-US" dirty="0">
-                <a:solidFill>
-                  <a:srgbClr val="080808"/>
-                </a:solidFill>
-                <a:effectLst/>
-                <a:latin typeface="JetBrains Mono"/>
-              </a:rPr>
-            </a:br>
-            <a:r>
-              <a:rPr lang="en-US" dirty="0">
-                <a:solidFill>
-                  <a:srgbClr val="0033B3"/>
-                </a:solidFill>
-                <a:effectLst/>
-                <a:latin typeface="JetBrains Mono"/>
-              </a:rPr>
-              <a:t>for </a:t>
-            </a:r>
-            <a:r>
-              <a:rPr lang="en-US" dirty="0">
-                <a:solidFill>
-                  <a:srgbClr val="000000"/>
-                </a:solidFill>
-                <a:effectLst/>
-                <a:latin typeface="JetBrains Mono"/>
-              </a:rPr>
-              <a:t>token </a:t>
-            </a:r>
-            <a:r>
-              <a:rPr lang="en-US" dirty="0">
-                <a:solidFill>
-                  <a:srgbClr val="0033B3"/>
-                </a:solidFill>
-                <a:effectLst/>
-                <a:latin typeface="JetBrains Mono"/>
-              </a:rPr>
-              <a:t>in </a:t>
-            </a:r>
-            <a:r>
-              <a:rPr lang="en-US" dirty="0">
-                <a:solidFill>
-                  <a:srgbClr val="080808"/>
-                </a:solidFill>
-                <a:effectLst/>
-                <a:latin typeface="JetBrains Mono"/>
-              </a:rPr>
-              <a:t>&amp;</a:t>
-            </a:r>
-            <a:r>
-              <a:rPr lang="en-US" dirty="0">
-                <a:solidFill>
-                  <a:srgbClr val="000000"/>
-                </a:solidFill>
-                <a:effectLst/>
-                <a:latin typeface="JetBrains Mono"/>
-              </a:rPr>
-              <a:t>tokens </a:t>
-            </a:r>
-            <a:r>
-              <a:rPr lang="en-US" dirty="0">
-                <a:solidFill>
-                  <a:srgbClr val="080808"/>
-                </a:solidFill>
-                <a:effectLst/>
-                <a:latin typeface="JetBrains Mono"/>
-              </a:rPr>
-              <a:t>{</a:t>
-            </a:r>
-            <a:br>
-              <a:rPr lang="en-US" dirty="0">
-                <a:solidFill>
-                  <a:srgbClr val="080808"/>
-                </a:solidFill>
-                <a:effectLst/>
-                <a:latin typeface="JetBrains Mono"/>
-              </a:rPr>
-            </a:br>
-            <a:r>
-              <a:rPr lang="en-US" dirty="0">
-                <a:solidFill>
-                  <a:srgbClr val="080808"/>
-                </a:solidFill>
-                <a:effectLst/>
-                <a:latin typeface="JetBrains Mono"/>
-              </a:rPr>
-              <a:t>    </a:t>
-            </a:r>
-            <a:r>
-              <a:rPr lang="en-US" i="1" dirty="0">
-                <a:solidFill>
-                  <a:srgbClr val="8C8C8C"/>
-                </a:solidFill>
-                <a:effectLst/>
-                <a:latin typeface="JetBrains Mono"/>
-              </a:rPr>
-              <a:t>// token is Statement</a:t>
-            </a:r>
-            <a:br>
-              <a:rPr lang="en-US" i="1" dirty="0">
-                <a:solidFill>
-                  <a:srgbClr val="8C8C8C"/>
-                </a:solidFill>
-                <a:effectLst/>
-                <a:latin typeface="JetBrains Mono"/>
-              </a:rPr>
-            </a:br>
-            <a:r>
-              <a:rPr lang="en-US" i="1" dirty="0">
-                <a:solidFill>
-                  <a:srgbClr val="8C8C8C"/>
-                </a:solidFill>
-                <a:effectLst/>
-                <a:latin typeface="JetBrains Mono"/>
-              </a:rPr>
-              <a:t>    </a:t>
-            </a:r>
-            <a:r>
-              <a:rPr lang="en-US" dirty="0" err="1">
-                <a:solidFill>
-                  <a:srgbClr val="000000"/>
-                </a:solidFill>
-                <a:effectLst/>
-                <a:latin typeface="JetBrains Mono"/>
-              </a:rPr>
-              <a:t>token</a:t>
-            </a:r>
-            <a:r>
-              <a:rPr lang="en-US" dirty="0" err="1">
-                <a:solidFill>
-                  <a:srgbClr val="080808"/>
-                </a:solidFill>
-                <a:effectLst/>
-                <a:latin typeface="JetBrains Mono"/>
-              </a:rPr>
-              <a:t>.accept</a:t>
-            </a:r>
-            <a:r>
-              <a:rPr lang="en-US" dirty="0">
-                <a:solidFill>
-                  <a:srgbClr val="080808"/>
-                </a:solidFill>
-                <a:effectLst/>
-                <a:latin typeface="JetBrains Mono"/>
-              </a:rPr>
-              <a:t>(&amp;</a:t>
-            </a:r>
-            <a:r>
-              <a:rPr lang="en-US" dirty="0">
-                <a:solidFill>
-                  <a:srgbClr val="0033B3"/>
-                </a:solidFill>
-                <a:effectLst/>
-                <a:latin typeface="JetBrains Mono"/>
-              </a:rPr>
-              <a:t>mut </a:t>
-            </a:r>
-            <a:r>
-              <a:rPr lang="en-US" dirty="0" err="1">
-                <a:solidFill>
-                  <a:srgbClr val="000000"/>
-                </a:solidFill>
-                <a:effectLst/>
-                <a:latin typeface="JetBrains Mono"/>
-              </a:rPr>
-              <a:t>interpretation_visitor</a:t>
-            </a:r>
-            <a:r>
-              <a:rPr lang="en-US" dirty="0">
-                <a:solidFill>
-                  <a:srgbClr val="080808"/>
-                </a:solidFill>
-                <a:effectLst/>
-                <a:latin typeface="JetBrains Mono"/>
-              </a:rPr>
-              <a:t>)</a:t>
-            </a:r>
-            <a:br>
-              <a:rPr lang="en-US" dirty="0">
-                <a:solidFill>
-                  <a:srgbClr val="080808"/>
-                </a:solidFill>
-                <a:effectLst/>
-                <a:latin typeface="JetBrains Mono"/>
-              </a:rPr>
-            </a:br>
-            <a:r>
-              <a:rPr lang="en-US" dirty="0">
-                <a:solidFill>
-                  <a:srgbClr val="080808"/>
-                </a:solidFill>
-                <a:effectLst/>
-                <a:latin typeface="JetBrains Mono"/>
-              </a:rPr>
-              <a:t>}</a:t>
-            </a:r>
-            <a:br>
-              <a:rPr lang="en-US" dirty="0">
-                <a:solidFill>
-                  <a:srgbClr val="080808"/>
-                </a:solidFill>
-                <a:effectLst/>
-                <a:latin typeface="JetBrains Mono"/>
-              </a:rPr>
-            </a:br>
-            <a:r>
-              <a:rPr lang="en-US" dirty="0">
-                <a:solidFill>
-                  <a:srgbClr val="0033B3"/>
-                </a:solidFill>
-                <a:effectLst/>
-                <a:latin typeface="JetBrains Mono"/>
-              </a:rPr>
-              <a:t>let </a:t>
-            </a:r>
-            <a:r>
-              <a:rPr lang="en-US" dirty="0" err="1">
-                <a:solidFill>
-                  <a:srgbClr val="000000"/>
-                </a:solidFill>
-                <a:effectLst/>
-                <a:latin typeface="JetBrains Mono"/>
-              </a:rPr>
-              <a:t>std_out</a:t>
-            </a:r>
-            <a:r>
-              <a:rPr lang="en-US" dirty="0">
-                <a:solidFill>
-                  <a:srgbClr val="080808"/>
-                </a:solidFill>
-                <a:effectLst/>
-                <a:latin typeface="JetBrains Mono"/>
-              </a:rPr>
-              <a:t>: </a:t>
-            </a:r>
-            <a:r>
-              <a:rPr lang="en-US" dirty="0">
-                <a:solidFill>
-                  <a:srgbClr val="000000"/>
-                </a:solidFill>
-                <a:effectLst/>
-                <a:latin typeface="JetBrains Mono"/>
-              </a:rPr>
-              <a:t>String </a:t>
-            </a:r>
-            <a:r>
-              <a:rPr lang="en-US" dirty="0">
-                <a:solidFill>
-                  <a:srgbClr val="080808"/>
-                </a:solidFill>
-                <a:effectLst/>
-                <a:latin typeface="JetBrains Mono"/>
-              </a:rPr>
-              <a:t>= </a:t>
-            </a:r>
-            <a:r>
-              <a:rPr lang="en-US" dirty="0" err="1">
-                <a:solidFill>
-                  <a:srgbClr val="000000"/>
-                </a:solidFill>
-                <a:effectLst/>
-                <a:latin typeface="JetBrains Mono"/>
-              </a:rPr>
-              <a:t>interpretation_visitor</a:t>
-            </a:r>
-            <a:r>
-              <a:rPr lang="en-US" dirty="0" err="1">
-                <a:solidFill>
-                  <a:srgbClr val="080808"/>
-                </a:solidFill>
-                <a:effectLst/>
-                <a:latin typeface="JetBrains Mono"/>
-              </a:rPr>
-              <a:t>.extract_stdout</a:t>
-            </a:r>
-            <a:r>
-              <a:rPr lang="en-US" dirty="0">
-                <a:solidFill>
-                  <a:srgbClr val="080808"/>
-                </a:solidFill>
-                <a:effectLst/>
-                <a:latin typeface="JetBrains Mono"/>
-              </a:rPr>
-              <a:t>();</a:t>
-            </a:r>
-            <a:br>
-              <a:rPr lang="en-US" dirty="0">
-                <a:solidFill>
-                  <a:srgbClr val="080808"/>
-                </a:solidFill>
-                <a:effectLst/>
-                <a:latin typeface="JetBrains Mono"/>
-              </a:rPr>
-            </a:br>
-            <a:r>
-              <a:rPr lang="en-US" dirty="0" err="1">
-                <a:solidFill>
-                  <a:srgbClr val="DD6718"/>
-                </a:solidFill>
-                <a:effectLst/>
-                <a:latin typeface="JetBrains Mono"/>
-              </a:rPr>
-              <a:t>assert_eq</a:t>
-            </a:r>
-            <a:r>
-              <a:rPr lang="en-US" dirty="0">
-                <a:solidFill>
-                  <a:srgbClr val="DD6718"/>
-                </a:solidFill>
-                <a:effectLst/>
-                <a:latin typeface="JetBrains Mono"/>
-              </a:rPr>
-              <a:t>!</a:t>
-            </a:r>
-            <a:r>
-              <a:rPr lang="en-US" dirty="0">
-                <a:solidFill>
-                  <a:srgbClr val="080808"/>
-                </a:solidFill>
-                <a:effectLst/>
-                <a:latin typeface="JetBrains Mono"/>
-              </a:rPr>
-              <a:t>(</a:t>
-            </a:r>
-            <a:r>
-              <a:rPr lang="en-US" dirty="0" err="1">
-                <a:solidFill>
-                  <a:srgbClr val="000000"/>
-                </a:solidFill>
-                <a:effectLst/>
-                <a:latin typeface="JetBrains Mono"/>
-              </a:rPr>
-              <a:t>std_out</a:t>
-            </a:r>
-            <a:r>
-              <a:rPr lang="en-US" dirty="0">
-                <a:solidFill>
-                  <a:srgbClr val="080808"/>
-                </a:solidFill>
-                <a:effectLst/>
-                <a:latin typeface="JetBrains Mono"/>
-              </a:rPr>
-              <a:t>, </a:t>
-            </a:r>
-            <a:r>
-              <a:rPr lang="en-US" dirty="0">
-                <a:solidFill>
-                  <a:srgbClr val="000000"/>
-                </a:solidFill>
-                <a:effectLst/>
-                <a:latin typeface="JetBrains Mono"/>
-              </a:rPr>
-              <a:t>String</a:t>
-            </a:r>
-            <a:r>
-              <a:rPr lang="en-US" dirty="0">
-                <a:solidFill>
-                  <a:srgbClr val="080808"/>
-                </a:solidFill>
-                <a:effectLst/>
-                <a:latin typeface="JetBrains Mono"/>
-              </a:rPr>
-              <a:t>::</a:t>
-            </a:r>
-            <a:r>
-              <a:rPr lang="en-US" i="1" dirty="0">
-                <a:solidFill>
-                  <a:srgbClr val="00627A"/>
-                </a:solidFill>
-                <a:effectLst/>
-                <a:latin typeface="JetBrains Mono"/>
-              </a:rPr>
-              <a:t>from</a:t>
-            </a:r>
-            <a:r>
-              <a:rPr lang="en-US" dirty="0">
-                <a:solidFill>
-                  <a:srgbClr val="080808"/>
-                </a:solidFill>
-                <a:effectLst/>
-                <a:latin typeface="JetBrains Mono"/>
-              </a:rPr>
-              <a:t>(</a:t>
-            </a:r>
-            <a:r>
-              <a:rPr lang="en-US" dirty="0">
-                <a:solidFill>
-                  <a:srgbClr val="067D17"/>
-                </a:solidFill>
-                <a:effectLst/>
-                <a:latin typeface="JetBrains Mono"/>
-              </a:rPr>
-              <a:t>"42"</a:t>
-            </a:r>
-            <a:r>
-              <a:rPr lang="en-US" dirty="0">
-                <a:solidFill>
-                  <a:srgbClr val="080808"/>
-                </a:solidFill>
-                <a:effectLst/>
-                <a:latin typeface="JetBrains Mono"/>
-              </a:rPr>
-              <a:t>));</a:t>
-            </a:r>
-          </a:p>
-          <a:p>
-            <a:pPr marL="0" indent="0">
-              <a:buNone/>
-            </a:pPr>
-            <a:endParaRPr lang="ru-RU" dirty="0"/>
-          </a:p>
-        </p:txBody>
-      </p:sp>
-    </p:spTree>
-    <p:extLst>
-      <p:ext uri="{BB962C8B-B14F-4D97-AF65-F5344CB8AC3E}">
-        <p14:creationId xmlns:p14="http://schemas.microsoft.com/office/powerpoint/2010/main" val="4249043936"/>
-      </p:ext>
-    </p:extLst>
-  </p:cSld>
-  <p:clrMapOvr>
-    <a:masterClrMapping/>
-  </p:clrMapOvr>
-</p:sld>
-</file>
-
-<file path=ppt/slides/slide35.xml><?xml version="1.0" encoding="utf-8"?>
-<p:sld xmlns:a="http://schemas.openxmlformats.org/drawingml/2006/main" xmlns:r="http://schemas.openxmlformats.org/officeDocument/2006/relationships" xmlns:p="http://schemas.openxmlformats.org/presentationml/2006/main">
-  <p:cSld>
-    <p:spTree>
-      <p:nvGrpSpPr>
-        <p:cNvPr id="1" name=""/>
-        <p:cNvGrpSpPr/>
-        <p:nvPr/>
-      </p:nvGrpSpPr>
-      <p:grpSpPr>
-        <a:xfrm>
-          <a:off x="0" y="0"/>
-          <a:ext cx="0" cy="0"/>
-          <a:chOff x="0" y="0"/>
-          <a:chExt cx="0" cy="0"/>
-        </a:xfrm>
-      </p:grpSpPr>
-      <p:sp>
-        <p:nvSpPr>
-          <p:cNvPr id="2" name="Title 1">
-            <a:extLst>
-              <a:ext uri="{FF2B5EF4-FFF2-40B4-BE49-F238E27FC236}">
-                <a16:creationId xmlns:a16="http://schemas.microsoft.com/office/drawing/2014/main" id="{533746C2-E0D4-908C-D6A6-61670358A630}"/>
-              </a:ext>
-            </a:extLst>
-          </p:cNvPr>
-          <p:cNvSpPr>
-            <a:spLocks noGrp="1"/>
-          </p:cNvSpPr>
-          <p:nvPr>
-            <p:ph type="title"/>
-          </p:nvPr>
-        </p:nvSpPr>
-        <p:spPr/>
-        <p:txBody>
-          <a:bodyPr/>
-          <a:lstStyle/>
-          <a:p>
-            <a:r>
-              <a:rPr lang="en-US" dirty="0"/>
-              <a:t>Homework</a:t>
-            </a:r>
-            <a:endParaRPr lang="ru-RU" dirty="0"/>
-          </a:p>
-        </p:txBody>
-      </p:sp>
-      <p:sp>
-        <p:nvSpPr>
-          <p:cNvPr id="3" name="Content Placeholder 2">
-            <a:extLst>
-              <a:ext uri="{FF2B5EF4-FFF2-40B4-BE49-F238E27FC236}">
-                <a16:creationId xmlns:a16="http://schemas.microsoft.com/office/drawing/2014/main" id="{17293F80-3C13-E5DE-8A21-86DD7E5C6E6C}"/>
-              </a:ext>
-            </a:extLst>
-          </p:cNvPr>
-          <p:cNvSpPr>
-            <a:spLocks noGrp="1"/>
-          </p:cNvSpPr>
-          <p:nvPr>
-            <p:ph idx="1"/>
-          </p:nvPr>
-        </p:nvSpPr>
-        <p:spPr/>
-        <p:txBody>
-          <a:bodyPr/>
-          <a:lstStyle/>
-          <a:p>
-            <a:r>
-              <a:rPr lang="en-US" dirty="0"/>
-              <a:t>Sub-Modules</a:t>
-            </a:r>
-          </a:p>
-          <a:p>
-            <a:r>
-              <a:rPr lang="en-US" dirty="0"/>
-              <a:t>Visibility</a:t>
-            </a:r>
-            <a:endParaRPr lang="ru-RU" dirty="0"/>
-          </a:p>
-        </p:txBody>
-      </p:sp>
-    </p:spTree>
-    <p:extLst>
-      <p:ext uri="{BB962C8B-B14F-4D97-AF65-F5344CB8AC3E}">
-        <p14:creationId xmlns:p14="http://schemas.microsoft.com/office/powerpoint/2010/main" val="2915263792"/>
-      </p:ext>
-    </p:extLst>
-  </p:cSld>
-  <p:clrMapOvr>
-    <a:masterClrMapping/>
-  </p:clrMapOvr>
-</p:sld>
-</file>
-
-<file path=ppt/slides/slide36.xml><?xml version="1.0" encoding="utf-8"?>
-<p:sld xmlns:a="http://schemas.openxmlformats.org/drawingml/2006/main" xmlns:r="http://schemas.openxmlformats.org/officeDocument/2006/relationships" xmlns:p="http://schemas.openxmlformats.org/presentationml/2006/main">
-  <p:cSld>
-    <p:spTree>
-      <p:nvGrpSpPr>
-        <p:cNvPr id="1" name=""/>
-        <p:cNvGrpSpPr/>
-        <p:nvPr/>
-      </p:nvGrpSpPr>
-      <p:grpSpPr>
-        <a:xfrm>
-          <a:off x="0" y="0"/>
-          <a:ext cx="0" cy="0"/>
-          <a:chOff x="0" y="0"/>
-          <a:chExt cx="0" cy="0"/>
-        </a:xfrm>
-      </p:grpSpPr>
-      <p:sp>
-        <p:nvSpPr>
-          <p:cNvPr id="2" name="Title 1">
-            <a:extLst>
-              <a:ext uri="{FF2B5EF4-FFF2-40B4-BE49-F238E27FC236}">
-                <a16:creationId xmlns:a16="http://schemas.microsoft.com/office/drawing/2014/main" id="{6EAC2F57-76F8-946A-9A2F-91D6B0DFCD10}"/>
-              </a:ext>
-            </a:extLst>
-          </p:cNvPr>
-          <p:cNvSpPr>
-            <a:spLocks noGrp="1"/>
-          </p:cNvSpPr>
-          <p:nvPr>
-            <p:ph type="title"/>
-          </p:nvPr>
-        </p:nvSpPr>
-        <p:spPr/>
-        <p:txBody>
-          <a:bodyPr/>
-          <a:lstStyle/>
-          <a:p>
-            <a:r>
-              <a:rPr lang="en-US" dirty="0"/>
-              <a:t>Homework</a:t>
-            </a:r>
-            <a:endParaRPr lang="ru-RU" dirty="0"/>
-          </a:p>
-        </p:txBody>
-      </p:sp>
-      <p:sp>
-        <p:nvSpPr>
-          <p:cNvPr id="3" name="Content Placeholder 2">
-            <a:extLst>
-              <a:ext uri="{FF2B5EF4-FFF2-40B4-BE49-F238E27FC236}">
-                <a16:creationId xmlns:a16="http://schemas.microsoft.com/office/drawing/2014/main" id="{357DED15-6CD3-6C54-F2B8-38B251C4BF7A}"/>
-              </a:ext>
-            </a:extLst>
-          </p:cNvPr>
-          <p:cNvSpPr>
-            <a:spLocks noGrp="1"/>
-          </p:cNvSpPr>
-          <p:nvPr>
-            <p:ph idx="1"/>
-          </p:nvPr>
-        </p:nvSpPr>
-        <p:spPr/>
-        <p:txBody>
-          <a:bodyPr/>
-          <a:lstStyle/>
-          <a:p>
-            <a:r>
-              <a:rPr lang="en-US" dirty="0">
-                <a:hlinkClick r:id="rId2"/>
-              </a:rPr>
-              <a:t>https://classroom.github.com/a/t24fGgA0</a:t>
-            </a:r>
-            <a:endParaRPr lang="en-US" dirty="0"/>
-          </a:p>
-          <a:p>
-            <a:r>
-              <a:rPr lang="en-US" dirty="0"/>
-              <a:t>Rustlings:</a:t>
-            </a:r>
-          </a:p>
-          <a:p>
-            <a:pPr lvl="1"/>
-            <a:r>
-              <a:rPr lang="en-US" dirty="0"/>
-              <a:t>modules</a:t>
-            </a:r>
-            <a:endParaRPr lang="ru-RU" dirty="0"/>
-          </a:p>
-        </p:txBody>
-      </p:sp>
-    </p:spTree>
-    <p:extLst>
-      <p:ext uri="{BB962C8B-B14F-4D97-AF65-F5344CB8AC3E}">
-        <p14:creationId xmlns:p14="http://schemas.microsoft.com/office/powerpoint/2010/main" val="3389780107"/>
-      </p:ext>
-    </p:extLst>
-  </p:cSld>
-  <p:clrMapOvr>
-    <a:masterClrMapping/>
-  </p:clrMapOvr>
-</p:sld>
-</file>
-
 <file path=ppt/slides/slide4.xml><?xml version="1.0" encoding="utf-8"?>
-<p:sld xmlns:a="http://schemas.openxmlformats.org/drawingml/2006/main" xmlns:r="http://schemas.openxmlformats.org/officeDocument/2006/relationships" xmlns:p="http://schemas.openxmlformats.org/presentationml/2006/main">
-  <p:cSld>
-    <p:spTree>
-      <p:nvGrpSpPr>
-        <p:cNvPr id="1" name=""/>
-        <p:cNvGrpSpPr/>
-        <p:nvPr/>
-      </p:nvGrpSpPr>
-      <p:grpSpPr>
-        <a:xfrm>
-          <a:off x="0" y="0"/>
-          <a:ext cx="0" cy="0"/>
-          <a:chOff x="0" y="0"/>
-          <a:chExt cx="0" cy="0"/>
-        </a:xfrm>
-      </p:grpSpPr>
-      <p:sp>
-        <p:nvSpPr>
-          <p:cNvPr id="2" name="Title 1">
-            <a:extLst>
-              <a:ext uri="{FF2B5EF4-FFF2-40B4-BE49-F238E27FC236}">
-                <a16:creationId xmlns:a16="http://schemas.microsoft.com/office/drawing/2014/main" id="{0796CDF6-4409-8D0B-D1EA-31B217AD22D5}"/>
-              </a:ext>
-            </a:extLst>
-          </p:cNvPr>
-          <p:cNvSpPr>
-            <a:spLocks noGrp="1"/>
-          </p:cNvSpPr>
-          <p:nvPr>
-            <p:ph type="title"/>
-          </p:nvPr>
-        </p:nvSpPr>
-        <p:spPr/>
-        <p:txBody>
-          <a:bodyPr/>
-          <a:lstStyle/>
-          <a:p>
-            <a:r>
-              <a:rPr lang="en-US" dirty="0" err="1"/>
-              <a:t>vtable</a:t>
-            </a:r>
-            <a:r>
-              <a:rPr lang="en-US" dirty="0"/>
-              <a:t> and dynamic loading</a:t>
-            </a:r>
-            <a:endParaRPr lang="ru-RU" dirty="0"/>
-          </a:p>
-        </p:txBody>
-      </p:sp>
-      <p:sp>
-        <p:nvSpPr>
-          <p:cNvPr id="3" name="Content Placeholder 2">
-            <a:extLst>
-              <a:ext uri="{FF2B5EF4-FFF2-40B4-BE49-F238E27FC236}">
-                <a16:creationId xmlns:a16="http://schemas.microsoft.com/office/drawing/2014/main" id="{276753A0-2EA9-E0C3-F13B-306D24A6F1E7}"/>
-              </a:ext>
-            </a:extLst>
-          </p:cNvPr>
-          <p:cNvSpPr>
-            <a:spLocks noGrp="1"/>
-          </p:cNvSpPr>
-          <p:nvPr>
-            <p:ph idx="1"/>
-          </p:nvPr>
-        </p:nvSpPr>
-        <p:spPr/>
-        <p:txBody>
-          <a:bodyPr/>
-          <a:lstStyle/>
-          <a:p>
-            <a:r>
-              <a:rPr lang="en-US" dirty="0"/>
-              <a:t>Unstable way: </a:t>
-            </a:r>
-            <a:r>
-              <a:rPr lang="en-US" dirty="0">
-                <a:hlinkClick r:id="rId2"/>
-              </a:rPr>
-              <a:t>https://adventures.michaelfbryan.com/posts/plugins-in-rust/</a:t>
-            </a:r>
-            <a:endParaRPr lang="en-US" dirty="0"/>
-          </a:p>
-          <a:p>
-            <a:pPr lvl="1"/>
-            <a:r>
-              <a:rPr lang="en-US" dirty="0">
-                <a:hlinkClick r:id="rId3"/>
-              </a:rPr>
-              <a:t>https://github.com/rust-lang/rust/blob/master/compiler/rustc_ty_utils/src/assoc.rs</a:t>
-            </a:r>
-            <a:endParaRPr lang="en-US" dirty="0"/>
-          </a:p>
-          <a:p>
-            <a:pPr lvl="1"/>
-            <a:endParaRPr lang="en-US" dirty="0"/>
-          </a:p>
-          <a:p>
-            <a:r>
-              <a:rPr lang="en-US" dirty="0"/>
-              <a:t>Stable way:</a:t>
-            </a:r>
-          </a:p>
-          <a:p>
-            <a:pPr lvl="1"/>
-            <a:r>
-              <a:rPr lang="en-US" dirty="0"/>
-              <a:t>FFI – C-like ABI</a:t>
-            </a:r>
-          </a:p>
-          <a:p>
-            <a:pPr lvl="1"/>
-            <a:r>
-              <a:rPr lang="en-US" dirty="0">
-                <a:hlinkClick r:id="rId4"/>
-              </a:rPr>
-              <a:t>https://docs.rs/vtable/latest/vtable/</a:t>
-            </a:r>
-            <a:endParaRPr lang="en-US" dirty="0"/>
-          </a:p>
-        </p:txBody>
-      </p:sp>
-    </p:spTree>
-    <p:extLst>
-      <p:ext uri="{BB962C8B-B14F-4D97-AF65-F5344CB8AC3E}">
-        <p14:creationId xmlns:p14="http://schemas.microsoft.com/office/powerpoint/2010/main" val="2750961164"/>
-      </p:ext>
-    </p:extLst>
-  </p:cSld>
-  <p:clrMapOvr>
-    <a:masterClrMapping/>
-  </p:clrMapOvr>
-</p:sld>
-</file>
-
-<file path=ppt/slides/slide5.xml><?xml version="1.0" encoding="utf-8"?>
 <p:sld xmlns:a="http://schemas.openxmlformats.org/drawingml/2006/main" xmlns:r="http://schemas.openxmlformats.org/officeDocument/2006/relationships" xmlns:p="http://schemas.openxmlformats.org/presentationml/2006/main">
   <p:cSld>
     <p:spTree>
@@ -33402,7 +34667,761 @@
 </p:sld>
 </file>
 
-<file path=ppt/slides/slide6.xml><?xml version="1.0" encoding="utf-8"?>
+<file path=ppt/slides/slide40.xml><?xml version="1.0" encoding="utf-8"?>
+<p:sld xmlns:a="http://schemas.openxmlformats.org/drawingml/2006/main" xmlns:r="http://schemas.openxmlformats.org/officeDocument/2006/relationships" xmlns:p="http://schemas.openxmlformats.org/presentationml/2006/main">
+  <p:cSld>
+    <p:spTree>
+      <p:nvGrpSpPr>
+        <p:cNvPr id="1" name=""/>
+        <p:cNvGrpSpPr/>
+        <p:nvPr/>
+      </p:nvGrpSpPr>
+      <p:grpSpPr>
+        <a:xfrm>
+          <a:off x="0" y="0"/>
+          <a:ext cx="0" cy="0"/>
+          <a:chOff x="0" y="0"/>
+          <a:chExt cx="0" cy="0"/>
+        </a:xfrm>
+      </p:grpSpPr>
+      <p:sp>
+        <p:nvSpPr>
+          <p:cNvPr id="2" name="Title 1">
+            <a:extLst>
+              <a:ext uri="{FF2B5EF4-FFF2-40B4-BE49-F238E27FC236}">
+                <a16:creationId xmlns:a16="http://schemas.microsoft.com/office/drawing/2014/main" id="{2AB7E0CC-7CA8-0FEC-2404-ED2D14F59BE4}"/>
+              </a:ext>
+            </a:extLst>
+          </p:cNvPr>
+          <p:cNvSpPr>
+            <a:spLocks noGrp="1"/>
+          </p:cNvSpPr>
+          <p:nvPr>
+            <p:ph type="title"/>
+          </p:nvPr>
+        </p:nvSpPr>
+        <p:spPr/>
+        <p:txBody>
+          <a:bodyPr/>
+          <a:lstStyle/>
+          <a:p>
+            <a:r>
+              <a:rPr lang="en-US" dirty="0"/>
+              <a:t>Homework</a:t>
+            </a:r>
+            <a:endParaRPr lang="ru-RU" dirty="0"/>
+          </a:p>
+        </p:txBody>
+      </p:sp>
+      <p:sp>
+        <p:nvSpPr>
+          <p:cNvPr id="3" name="Content Placeholder 2">
+            <a:extLst>
+              <a:ext uri="{FF2B5EF4-FFF2-40B4-BE49-F238E27FC236}">
+                <a16:creationId xmlns:a16="http://schemas.microsoft.com/office/drawing/2014/main" id="{86BB4FDD-447B-5E76-2374-FF3BEA13EA38}"/>
+              </a:ext>
+            </a:extLst>
+          </p:cNvPr>
+          <p:cNvSpPr>
+            <a:spLocks noGrp="1"/>
+          </p:cNvSpPr>
+          <p:nvPr>
+            <p:ph idx="1"/>
+          </p:nvPr>
+        </p:nvSpPr>
+        <p:spPr/>
+        <p:txBody>
+          <a:bodyPr/>
+          <a:lstStyle/>
+          <a:p>
+            <a:pPr marL="0" indent="0">
+              <a:buNone/>
+            </a:pPr>
+            <a:r>
+              <a:rPr lang="en-US" dirty="0">
+                <a:solidFill>
+                  <a:srgbClr val="0033B3"/>
+                </a:solidFill>
+                <a:effectLst/>
+                <a:latin typeface="JetBrains Mono"/>
+              </a:rPr>
+              <a:t>let mut </a:t>
+            </a:r>
+            <a:r>
+              <a:rPr lang="en-US" dirty="0" err="1">
+                <a:solidFill>
+                  <a:srgbClr val="000000"/>
+                </a:solidFill>
+                <a:effectLst/>
+                <a:latin typeface="JetBrains Mono"/>
+              </a:rPr>
+              <a:t>interpretation_visitor</a:t>
+            </a:r>
+            <a:r>
+              <a:rPr lang="en-US" dirty="0">
+                <a:solidFill>
+                  <a:srgbClr val="000000"/>
+                </a:solidFill>
+                <a:effectLst/>
+                <a:latin typeface="JetBrains Mono"/>
+              </a:rPr>
+              <a:t> </a:t>
+            </a:r>
+            <a:r>
+              <a:rPr lang="en-US" dirty="0">
+                <a:solidFill>
+                  <a:srgbClr val="080808"/>
+                </a:solidFill>
+                <a:effectLst/>
+                <a:latin typeface="JetBrains Mono"/>
+              </a:rPr>
+              <a:t>= </a:t>
+            </a:r>
+            <a:r>
+              <a:rPr lang="en-US" dirty="0" err="1">
+                <a:solidFill>
+                  <a:srgbClr val="080808"/>
+                </a:solidFill>
+                <a:effectLst/>
+                <a:latin typeface="JetBrains Mono"/>
+              </a:rPr>
+              <a:t>InterpretationVisitor</a:t>
+            </a:r>
+            <a:r>
+              <a:rPr lang="en-US" dirty="0">
+                <a:solidFill>
+                  <a:srgbClr val="080808"/>
+                </a:solidFill>
+                <a:effectLst/>
+                <a:latin typeface="JetBrains Mono"/>
+              </a:rPr>
+              <a:t>::new();</a:t>
+            </a:r>
+            <a:br>
+              <a:rPr lang="en-US" dirty="0">
+                <a:solidFill>
+                  <a:srgbClr val="080808"/>
+                </a:solidFill>
+                <a:effectLst/>
+                <a:latin typeface="JetBrains Mono"/>
+              </a:rPr>
+            </a:br>
+            <a:r>
+              <a:rPr lang="en-US" dirty="0">
+                <a:solidFill>
+                  <a:srgbClr val="0033B3"/>
+                </a:solidFill>
+                <a:effectLst/>
+                <a:latin typeface="JetBrains Mono"/>
+              </a:rPr>
+              <a:t>for </a:t>
+            </a:r>
+            <a:r>
+              <a:rPr lang="en-US" dirty="0">
+                <a:solidFill>
+                  <a:srgbClr val="000000"/>
+                </a:solidFill>
+                <a:effectLst/>
+                <a:latin typeface="JetBrains Mono"/>
+              </a:rPr>
+              <a:t>token </a:t>
+            </a:r>
+            <a:r>
+              <a:rPr lang="en-US" dirty="0">
+                <a:solidFill>
+                  <a:srgbClr val="0033B3"/>
+                </a:solidFill>
+                <a:effectLst/>
+                <a:latin typeface="JetBrains Mono"/>
+              </a:rPr>
+              <a:t>in </a:t>
+            </a:r>
+            <a:r>
+              <a:rPr lang="en-US" dirty="0">
+                <a:solidFill>
+                  <a:srgbClr val="080808"/>
+                </a:solidFill>
+                <a:effectLst/>
+                <a:latin typeface="JetBrains Mono"/>
+              </a:rPr>
+              <a:t>&amp;</a:t>
+            </a:r>
+            <a:r>
+              <a:rPr lang="en-US" dirty="0">
+                <a:solidFill>
+                  <a:srgbClr val="000000"/>
+                </a:solidFill>
+                <a:effectLst/>
+                <a:latin typeface="JetBrains Mono"/>
+              </a:rPr>
+              <a:t>tokens </a:t>
+            </a:r>
+            <a:r>
+              <a:rPr lang="en-US" dirty="0">
+                <a:solidFill>
+                  <a:srgbClr val="080808"/>
+                </a:solidFill>
+                <a:effectLst/>
+                <a:latin typeface="JetBrains Mono"/>
+              </a:rPr>
+              <a:t>{</a:t>
+            </a:r>
+            <a:br>
+              <a:rPr lang="en-US" dirty="0">
+                <a:solidFill>
+                  <a:srgbClr val="080808"/>
+                </a:solidFill>
+                <a:effectLst/>
+                <a:latin typeface="JetBrains Mono"/>
+              </a:rPr>
+            </a:br>
+            <a:r>
+              <a:rPr lang="en-US" dirty="0">
+                <a:solidFill>
+                  <a:srgbClr val="080808"/>
+                </a:solidFill>
+                <a:effectLst/>
+                <a:latin typeface="JetBrains Mono"/>
+              </a:rPr>
+              <a:t>    </a:t>
+            </a:r>
+            <a:r>
+              <a:rPr lang="en-US" i="1" dirty="0">
+                <a:solidFill>
+                  <a:srgbClr val="8C8C8C"/>
+                </a:solidFill>
+                <a:effectLst/>
+                <a:latin typeface="JetBrains Mono"/>
+              </a:rPr>
+              <a:t>// token is Statement</a:t>
+            </a:r>
+            <a:br>
+              <a:rPr lang="en-US" i="1" dirty="0">
+                <a:solidFill>
+                  <a:srgbClr val="8C8C8C"/>
+                </a:solidFill>
+                <a:effectLst/>
+                <a:latin typeface="JetBrains Mono"/>
+              </a:rPr>
+            </a:br>
+            <a:r>
+              <a:rPr lang="en-US" i="1" dirty="0">
+                <a:solidFill>
+                  <a:srgbClr val="8C8C8C"/>
+                </a:solidFill>
+                <a:effectLst/>
+                <a:latin typeface="JetBrains Mono"/>
+              </a:rPr>
+              <a:t>    </a:t>
+            </a:r>
+            <a:r>
+              <a:rPr lang="en-US" dirty="0" err="1">
+                <a:solidFill>
+                  <a:srgbClr val="000000"/>
+                </a:solidFill>
+                <a:effectLst/>
+                <a:latin typeface="JetBrains Mono"/>
+              </a:rPr>
+              <a:t>token</a:t>
+            </a:r>
+            <a:r>
+              <a:rPr lang="en-US" dirty="0" err="1">
+                <a:solidFill>
+                  <a:srgbClr val="080808"/>
+                </a:solidFill>
+                <a:effectLst/>
+                <a:latin typeface="JetBrains Mono"/>
+              </a:rPr>
+              <a:t>.accept</a:t>
+            </a:r>
+            <a:r>
+              <a:rPr lang="en-US" dirty="0">
+                <a:solidFill>
+                  <a:srgbClr val="080808"/>
+                </a:solidFill>
+                <a:effectLst/>
+                <a:latin typeface="JetBrains Mono"/>
+              </a:rPr>
+              <a:t>(&amp;</a:t>
+            </a:r>
+            <a:r>
+              <a:rPr lang="en-US" dirty="0">
+                <a:solidFill>
+                  <a:srgbClr val="0033B3"/>
+                </a:solidFill>
+                <a:effectLst/>
+                <a:latin typeface="JetBrains Mono"/>
+              </a:rPr>
+              <a:t>mut </a:t>
+            </a:r>
+            <a:r>
+              <a:rPr lang="en-US" dirty="0" err="1">
+                <a:solidFill>
+                  <a:srgbClr val="000000"/>
+                </a:solidFill>
+                <a:effectLst/>
+                <a:latin typeface="JetBrains Mono"/>
+              </a:rPr>
+              <a:t>interpretation_visitor</a:t>
+            </a:r>
+            <a:r>
+              <a:rPr lang="en-US" dirty="0">
+                <a:solidFill>
+                  <a:srgbClr val="080808"/>
+                </a:solidFill>
+                <a:effectLst/>
+                <a:latin typeface="JetBrains Mono"/>
+              </a:rPr>
+              <a:t>)</a:t>
+            </a:r>
+            <a:br>
+              <a:rPr lang="en-US" dirty="0">
+                <a:solidFill>
+                  <a:srgbClr val="080808"/>
+                </a:solidFill>
+                <a:effectLst/>
+                <a:latin typeface="JetBrains Mono"/>
+              </a:rPr>
+            </a:br>
+            <a:r>
+              <a:rPr lang="en-US" dirty="0">
+                <a:solidFill>
+                  <a:srgbClr val="080808"/>
+                </a:solidFill>
+                <a:effectLst/>
+                <a:latin typeface="JetBrains Mono"/>
+              </a:rPr>
+              <a:t>}</a:t>
+            </a:r>
+            <a:br>
+              <a:rPr lang="en-US" dirty="0">
+                <a:solidFill>
+                  <a:srgbClr val="080808"/>
+                </a:solidFill>
+                <a:effectLst/>
+                <a:latin typeface="JetBrains Mono"/>
+              </a:rPr>
+            </a:br>
+            <a:r>
+              <a:rPr lang="en-US" dirty="0">
+                <a:solidFill>
+                  <a:srgbClr val="0033B3"/>
+                </a:solidFill>
+                <a:effectLst/>
+                <a:latin typeface="JetBrains Mono"/>
+              </a:rPr>
+              <a:t>let </a:t>
+            </a:r>
+            <a:r>
+              <a:rPr lang="en-US" dirty="0" err="1">
+                <a:solidFill>
+                  <a:srgbClr val="000000"/>
+                </a:solidFill>
+                <a:effectLst/>
+                <a:latin typeface="JetBrains Mono"/>
+              </a:rPr>
+              <a:t>std_out</a:t>
+            </a:r>
+            <a:r>
+              <a:rPr lang="en-US" dirty="0">
+                <a:solidFill>
+                  <a:srgbClr val="080808"/>
+                </a:solidFill>
+                <a:effectLst/>
+                <a:latin typeface="JetBrains Mono"/>
+              </a:rPr>
+              <a:t>: </a:t>
+            </a:r>
+            <a:r>
+              <a:rPr lang="en-US" dirty="0">
+                <a:solidFill>
+                  <a:srgbClr val="000000"/>
+                </a:solidFill>
+                <a:effectLst/>
+                <a:latin typeface="JetBrains Mono"/>
+              </a:rPr>
+              <a:t>String </a:t>
+            </a:r>
+            <a:r>
+              <a:rPr lang="en-US" dirty="0">
+                <a:solidFill>
+                  <a:srgbClr val="080808"/>
+                </a:solidFill>
+                <a:effectLst/>
+                <a:latin typeface="JetBrains Mono"/>
+              </a:rPr>
+              <a:t>= </a:t>
+            </a:r>
+            <a:r>
+              <a:rPr lang="en-US" dirty="0" err="1">
+                <a:solidFill>
+                  <a:srgbClr val="000000"/>
+                </a:solidFill>
+                <a:effectLst/>
+                <a:latin typeface="JetBrains Mono"/>
+              </a:rPr>
+              <a:t>interpretation_visitor</a:t>
+            </a:r>
+            <a:r>
+              <a:rPr lang="en-US" dirty="0" err="1">
+                <a:solidFill>
+                  <a:srgbClr val="080808"/>
+                </a:solidFill>
+                <a:effectLst/>
+                <a:latin typeface="JetBrains Mono"/>
+              </a:rPr>
+              <a:t>.extract_stdout</a:t>
+            </a:r>
+            <a:r>
+              <a:rPr lang="en-US" dirty="0">
+                <a:solidFill>
+                  <a:srgbClr val="080808"/>
+                </a:solidFill>
+                <a:effectLst/>
+                <a:latin typeface="JetBrains Mono"/>
+              </a:rPr>
+              <a:t>();</a:t>
+            </a:r>
+            <a:br>
+              <a:rPr lang="en-US" dirty="0">
+                <a:solidFill>
+                  <a:srgbClr val="080808"/>
+                </a:solidFill>
+                <a:effectLst/>
+                <a:latin typeface="JetBrains Mono"/>
+              </a:rPr>
+            </a:br>
+            <a:r>
+              <a:rPr lang="en-US" dirty="0" err="1">
+                <a:solidFill>
+                  <a:srgbClr val="DD6718"/>
+                </a:solidFill>
+                <a:effectLst/>
+                <a:latin typeface="JetBrains Mono"/>
+              </a:rPr>
+              <a:t>assert_eq</a:t>
+            </a:r>
+            <a:r>
+              <a:rPr lang="en-US" dirty="0">
+                <a:solidFill>
+                  <a:srgbClr val="DD6718"/>
+                </a:solidFill>
+                <a:effectLst/>
+                <a:latin typeface="JetBrains Mono"/>
+              </a:rPr>
+              <a:t>!</a:t>
+            </a:r>
+            <a:r>
+              <a:rPr lang="en-US" dirty="0">
+                <a:solidFill>
+                  <a:srgbClr val="080808"/>
+                </a:solidFill>
+                <a:effectLst/>
+                <a:latin typeface="JetBrains Mono"/>
+              </a:rPr>
+              <a:t>(</a:t>
+            </a:r>
+            <a:r>
+              <a:rPr lang="en-US" dirty="0" err="1">
+                <a:solidFill>
+                  <a:srgbClr val="000000"/>
+                </a:solidFill>
+                <a:effectLst/>
+                <a:latin typeface="JetBrains Mono"/>
+              </a:rPr>
+              <a:t>std_out</a:t>
+            </a:r>
+            <a:r>
+              <a:rPr lang="en-US" dirty="0">
+                <a:solidFill>
+                  <a:srgbClr val="080808"/>
+                </a:solidFill>
+                <a:effectLst/>
+                <a:latin typeface="JetBrains Mono"/>
+              </a:rPr>
+              <a:t>, </a:t>
+            </a:r>
+            <a:r>
+              <a:rPr lang="en-US" dirty="0">
+                <a:solidFill>
+                  <a:srgbClr val="000000"/>
+                </a:solidFill>
+                <a:effectLst/>
+                <a:latin typeface="JetBrains Mono"/>
+              </a:rPr>
+              <a:t>String</a:t>
+            </a:r>
+            <a:r>
+              <a:rPr lang="en-US" dirty="0">
+                <a:solidFill>
+                  <a:srgbClr val="080808"/>
+                </a:solidFill>
+                <a:effectLst/>
+                <a:latin typeface="JetBrains Mono"/>
+              </a:rPr>
+              <a:t>::</a:t>
+            </a:r>
+            <a:r>
+              <a:rPr lang="en-US" i="1" dirty="0">
+                <a:solidFill>
+                  <a:srgbClr val="00627A"/>
+                </a:solidFill>
+                <a:effectLst/>
+                <a:latin typeface="JetBrains Mono"/>
+              </a:rPr>
+              <a:t>from</a:t>
+            </a:r>
+            <a:r>
+              <a:rPr lang="en-US" dirty="0">
+                <a:solidFill>
+                  <a:srgbClr val="080808"/>
+                </a:solidFill>
+                <a:effectLst/>
+                <a:latin typeface="JetBrains Mono"/>
+              </a:rPr>
+              <a:t>(</a:t>
+            </a:r>
+            <a:r>
+              <a:rPr lang="en-US" dirty="0">
+                <a:solidFill>
+                  <a:srgbClr val="067D17"/>
+                </a:solidFill>
+                <a:effectLst/>
+                <a:latin typeface="JetBrains Mono"/>
+              </a:rPr>
+              <a:t>"42"</a:t>
+            </a:r>
+            <a:r>
+              <a:rPr lang="en-US" dirty="0">
+                <a:solidFill>
+                  <a:srgbClr val="080808"/>
+                </a:solidFill>
+                <a:effectLst/>
+                <a:latin typeface="JetBrains Mono"/>
+              </a:rPr>
+              <a:t>));</a:t>
+            </a:r>
+          </a:p>
+          <a:p>
+            <a:pPr marL="0" indent="0">
+              <a:buNone/>
+            </a:pPr>
+            <a:endParaRPr lang="ru-RU" dirty="0"/>
+          </a:p>
+        </p:txBody>
+      </p:sp>
+    </p:spTree>
+    <p:extLst>
+      <p:ext uri="{BB962C8B-B14F-4D97-AF65-F5344CB8AC3E}">
+        <p14:creationId xmlns:p14="http://schemas.microsoft.com/office/powerpoint/2010/main" val="4249043936"/>
+      </p:ext>
+    </p:extLst>
+  </p:cSld>
+  <p:clrMapOvr>
+    <a:masterClrMapping/>
+  </p:clrMapOvr>
+</p:sld>
+</file>
+
+<file path=ppt/slides/slide41.xml><?xml version="1.0" encoding="utf-8"?>
+<p:sld xmlns:a="http://schemas.openxmlformats.org/drawingml/2006/main" xmlns:r="http://schemas.openxmlformats.org/officeDocument/2006/relationships" xmlns:p="http://schemas.openxmlformats.org/presentationml/2006/main">
+  <p:cSld>
+    <p:spTree>
+      <p:nvGrpSpPr>
+        <p:cNvPr id="1" name=""/>
+        <p:cNvGrpSpPr/>
+        <p:nvPr/>
+      </p:nvGrpSpPr>
+      <p:grpSpPr>
+        <a:xfrm>
+          <a:off x="0" y="0"/>
+          <a:ext cx="0" cy="0"/>
+          <a:chOff x="0" y="0"/>
+          <a:chExt cx="0" cy="0"/>
+        </a:xfrm>
+      </p:grpSpPr>
+      <p:sp>
+        <p:nvSpPr>
+          <p:cNvPr id="2" name="Title 1">
+            <a:extLst>
+              <a:ext uri="{FF2B5EF4-FFF2-40B4-BE49-F238E27FC236}">
+                <a16:creationId xmlns:a16="http://schemas.microsoft.com/office/drawing/2014/main" id="{533746C2-E0D4-908C-D6A6-61670358A630}"/>
+              </a:ext>
+            </a:extLst>
+          </p:cNvPr>
+          <p:cNvSpPr>
+            <a:spLocks noGrp="1"/>
+          </p:cNvSpPr>
+          <p:nvPr>
+            <p:ph type="title"/>
+          </p:nvPr>
+        </p:nvSpPr>
+        <p:spPr/>
+        <p:txBody>
+          <a:bodyPr/>
+          <a:lstStyle/>
+          <a:p>
+            <a:r>
+              <a:rPr lang="en-US" dirty="0"/>
+              <a:t>Homework</a:t>
+            </a:r>
+            <a:endParaRPr lang="ru-RU" dirty="0"/>
+          </a:p>
+        </p:txBody>
+      </p:sp>
+      <p:sp>
+        <p:nvSpPr>
+          <p:cNvPr id="3" name="Content Placeholder 2">
+            <a:extLst>
+              <a:ext uri="{FF2B5EF4-FFF2-40B4-BE49-F238E27FC236}">
+                <a16:creationId xmlns:a16="http://schemas.microsoft.com/office/drawing/2014/main" id="{17293F80-3C13-E5DE-8A21-86DD7E5C6E6C}"/>
+              </a:ext>
+            </a:extLst>
+          </p:cNvPr>
+          <p:cNvSpPr>
+            <a:spLocks noGrp="1"/>
+          </p:cNvSpPr>
+          <p:nvPr>
+            <p:ph idx="1"/>
+          </p:nvPr>
+        </p:nvSpPr>
+        <p:spPr/>
+        <p:txBody>
+          <a:bodyPr/>
+          <a:lstStyle/>
+          <a:p>
+            <a:r>
+              <a:rPr lang="en-US" dirty="0"/>
+              <a:t>Sub-Modules</a:t>
+            </a:r>
+          </a:p>
+          <a:p>
+            <a:r>
+              <a:rPr lang="en-US" dirty="0"/>
+              <a:t>Visibility</a:t>
+            </a:r>
+            <a:endParaRPr lang="ru-RU" dirty="0"/>
+          </a:p>
+        </p:txBody>
+      </p:sp>
+    </p:spTree>
+    <p:extLst>
+      <p:ext uri="{BB962C8B-B14F-4D97-AF65-F5344CB8AC3E}">
+        <p14:creationId xmlns:p14="http://schemas.microsoft.com/office/powerpoint/2010/main" val="2915263792"/>
+      </p:ext>
+    </p:extLst>
+  </p:cSld>
+  <p:clrMapOvr>
+    <a:masterClrMapping/>
+  </p:clrMapOvr>
+</p:sld>
+</file>
+
+<file path=ppt/slides/slide42.xml><?xml version="1.0" encoding="utf-8"?>
+<p:sld xmlns:a="http://schemas.openxmlformats.org/drawingml/2006/main" xmlns:r="http://schemas.openxmlformats.org/officeDocument/2006/relationships" xmlns:p="http://schemas.openxmlformats.org/presentationml/2006/main">
+  <p:cSld>
+    <p:spTree>
+      <p:nvGrpSpPr>
+        <p:cNvPr id="1" name=""/>
+        <p:cNvGrpSpPr/>
+        <p:nvPr/>
+      </p:nvGrpSpPr>
+      <p:grpSpPr>
+        <a:xfrm>
+          <a:off x="0" y="0"/>
+          <a:ext cx="0" cy="0"/>
+          <a:chOff x="0" y="0"/>
+          <a:chExt cx="0" cy="0"/>
+        </a:xfrm>
+      </p:grpSpPr>
+      <p:sp>
+        <p:nvSpPr>
+          <p:cNvPr id="2" name="Title 1">
+            <a:extLst>
+              <a:ext uri="{FF2B5EF4-FFF2-40B4-BE49-F238E27FC236}">
+                <a16:creationId xmlns:a16="http://schemas.microsoft.com/office/drawing/2014/main" id="{6EAC2F57-76F8-946A-9A2F-91D6B0DFCD10}"/>
+              </a:ext>
+            </a:extLst>
+          </p:cNvPr>
+          <p:cNvSpPr>
+            <a:spLocks noGrp="1"/>
+          </p:cNvSpPr>
+          <p:nvPr>
+            <p:ph type="title"/>
+          </p:nvPr>
+        </p:nvSpPr>
+        <p:spPr/>
+        <p:txBody>
+          <a:bodyPr/>
+          <a:lstStyle/>
+          <a:p>
+            <a:r>
+              <a:rPr lang="en-US" dirty="0"/>
+              <a:t>Homework</a:t>
+            </a:r>
+            <a:endParaRPr lang="ru-RU" dirty="0"/>
+          </a:p>
+        </p:txBody>
+      </p:sp>
+      <p:sp>
+        <p:nvSpPr>
+          <p:cNvPr id="3" name="Content Placeholder 2">
+            <a:extLst>
+              <a:ext uri="{FF2B5EF4-FFF2-40B4-BE49-F238E27FC236}">
+                <a16:creationId xmlns:a16="http://schemas.microsoft.com/office/drawing/2014/main" id="{357DED15-6CD3-6C54-F2B8-38B251C4BF7A}"/>
+              </a:ext>
+            </a:extLst>
+          </p:cNvPr>
+          <p:cNvSpPr>
+            <a:spLocks noGrp="1"/>
+          </p:cNvSpPr>
+          <p:nvPr>
+            <p:ph idx="1"/>
+          </p:nvPr>
+        </p:nvSpPr>
+        <p:spPr/>
+        <p:txBody>
+          <a:bodyPr/>
+          <a:lstStyle/>
+          <a:p>
+            <a:r>
+              <a:rPr lang="en-US" dirty="0">
+                <a:hlinkClick r:id="rId2"/>
+              </a:rPr>
+              <a:t>https://classroom.github.com/a/t24fGgA0</a:t>
+            </a:r>
+            <a:endParaRPr lang="en-US" dirty="0"/>
+          </a:p>
+          <a:p>
+            <a:r>
+              <a:rPr lang="en-US" dirty="0"/>
+              <a:t>Rustlings:</a:t>
+            </a:r>
+          </a:p>
+          <a:p>
+            <a:pPr lvl="1"/>
+            <a:r>
+              <a:rPr lang="en-US" dirty="0"/>
+              <a:t>modules</a:t>
+            </a:r>
+            <a:endParaRPr lang="ru-RU" dirty="0"/>
+          </a:p>
+        </p:txBody>
+      </p:sp>
+    </p:spTree>
+    <p:extLst>
+      <p:ext uri="{BB962C8B-B14F-4D97-AF65-F5344CB8AC3E}">
+        <p14:creationId xmlns:p14="http://schemas.microsoft.com/office/powerpoint/2010/main" val="3389780107"/>
+      </p:ext>
+    </p:extLst>
+  </p:cSld>
+  <p:clrMapOvr>
+    <a:masterClrMapping/>
+  </p:clrMapOvr>
+</p:sld>
+</file>
+
+<file path=ppt/slides/slide5.xml><?xml version="1.0" encoding="utf-8"?>
 <p:sld xmlns:a="http://schemas.openxmlformats.org/drawingml/2006/main" xmlns:r="http://schemas.openxmlformats.org/officeDocument/2006/relationships" xmlns:p="http://schemas.openxmlformats.org/presentationml/2006/main">
   <p:cSld>
     <p:spTree>
@@ -34411,7 +36430,7 @@
 </p:sld>
 </file>
 
-<file path=ppt/slides/slide7.xml><?xml version="1.0" encoding="utf-8"?>
+<file path=ppt/slides/slide6.xml><?xml version="1.0" encoding="utf-8"?>
 <p:sld xmlns:a="http://schemas.openxmlformats.org/drawingml/2006/main" xmlns:r="http://schemas.openxmlformats.org/officeDocument/2006/relationships" xmlns:p="http://schemas.openxmlformats.org/presentationml/2006/main">
   <p:cSld>
     <p:spTree>
@@ -34827,7 +36846,7 @@
 </p:sld>
 </file>
 
-<file path=ppt/slides/slide8.xml><?xml version="1.0" encoding="utf-8"?>
+<file path=ppt/slides/slide7.xml><?xml version="1.0" encoding="utf-8"?>
 <p:sld xmlns:a="http://schemas.openxmlformats.org/drawingml/2006/main" xmlns:r="http://schemas.openxmlformats.org/officeDocument/2006/relationships" xmlns:p="http://schemas.openxmlformats.org/presentationml/2006/main">
   <p:cSld>
     <p:spTree>
@@ -34907,7 +36926,22 @@
             <a:pPr lvl="1"/>
             <a:r>
               <a:rPr lang="en-US" dirty="0"/>
-              <a:t>.o files (LVVM bytecode)</a:t>
+              <a:t>.o files - </a:t>
+            </a:r>
+            <a:r>
+              <a:rPr lang="en-US" dirty="0" err="1"/>
+              <a:t>CodeGen</a:t>
+            </a:r>
+            <a:r>
+              <a:rPr lang="en-US" dirty="0"/>
+              <a:t> Unit</a:t>
+            </a:r>
+          </a:p>
+          <a:p>
+            <a:pPr lvl="2"/>
+            <a:r>
+              <a:rPr lang="en-US" dirty="0"/>
+              <a:t>LVVM bytecode</a:t>
             </a:r>
           </a:p>
           <a:p>
@@ -34947,7 +36981,7 @@
 </p:sld>
 </file>
 
-<file path=ppt/slides/slide9.xml><?xml version="1.0" encoding="utf-8"?>
+<file path=ppt/slides/slide8.xml><?xml version="1.0" encoding="utf-8"?>
 <p:sld xmlns:a="http://schemas.openxmlformats.org/drawingml/2006/main" xmlns:r="http://schemas.openxmlformats.org/officeDocument/2006/relationships" xmlns:p="http://schemas.openxmlformats.org/presentationml/2006/main">
   <p:cSld>
     <p:spTree>
@@ -35637,6 +37671,681 @@
 </p:sld>
 </file>
 
+<file path=ppt/slides/slide9.xml><?xml version="1.0" encoding="utf-8"?>
+<p:sld xmlns:a="http://schemas.openxmlformats.org/drawingml/2006/main" xmlns:r="http://schemas.openxmlformats.org/officeDocument/2006/relationships" xmlns:p="http://schemas.openxmlformats.org/presentationml/2006/main">
+  <p:cSld>
+    <p:spTree>
+      <p:nvGrpSpPr>
+        <p:cNvPr id="1" name=""/>
+        <p:cNvGrpSpPr/>
+        <p:nvPr/>
+      </p:nvGrpSpPr>
+      <p:grpSpPr>
+        <a:xfrm>
+          <a:off x="0" y="0"/>
+          <a:ext cx="0" cy="0"/>
+          <a:chOff x="0" y="0"/>
+          <a:chExt cx="0" cy="0"/>
+        </a:xfrm>
+      </p:grpSpPr>
+      <p:sp>
+        <p:nvSpPr>
+          <p:cNvPr id="4" name="Title 3">
+            <a:extLst>
+              <a:ext uri="{FF2B5EF4-FFF2-40B4-BE49-F238E27FC236}">
+                <a16:creationId xmlns:a16="http://schemas.microsoft.com/office/drawing/2014/main" id="{06603DD2-3761-F3B2-417F-5EF1E9D4D968}"/>
+              </a:ext>
+            </a:extLst>
+          </p:cNvPr>
+          <p:cNvSpPr>
+            <a:spLocks noGrp="1"/>
+          </p:cNvSpPr>
+          <p:nvPr>
+            <p:ph type="title"/>
+          </p:nvPr>
+        </p:nvSpPr>
+        <p:spPr/>
+        <p:txBody>
+          <a:bodyPr/>
+          <a:lstStyle/>
+          <a:p>
+            <a:r>
+              <a:rPr lang="en-US" dirty="0"/>
+              <a:t>Crate as </a:t>
+            </a:r>
+            <a:r>
+              <a:rPr lang="en-US" b="1" dirty="0" err="1"/>
+              <a:t>rustc</a:t>
+            </a:r>
+            <a:r>
+              <a:rPr lang="en-US" dirty="0"/>
+              <a:t> entity</a:t>
+            </a:r>
+            <a:endParaRPr lang="ru-RU" dirty="0"/>
+          </a:p>
+        </p:txBody>
+      </p:sp>
+      <p:sp>
+        <p:nvSpPr>
+          <p:cNvPr id="5" name="Content Placeholder 4">
+            <a:extLst>
+              <a:ext uri="{FF2B5EF4-FFF2-40B4-BE49-F238E27FC236}">
+                <a16:creationId xmlns:a16="http://schemas.microsoft.com/office/drawing/2014/main" id="{5B0B6B5E-53FF-A165-AE85-F588D537FE7A}"/>
+              </a:ext>
+            </a:extLst>
+          </p:cNvPr>
+          <p:cNvSpPr>
+            <a:spLocks noGrp="1"/>
+          </p:cNvSpPr>
+          <p:nvPr>
+            <p:ph sz="half" idx="1"/>
+          </p:nvPr>
+        </p:nvSpPr>
+        <p:spPr>
+          <a:xfrm>
+            <a:off x="838200" y="1825625"/>
+            <a:ext cx="4068817" cy="4351338"/>
+          </a:xfrm>
+        </p:spPr>
+        <p:txBody>
+          <a:bodyPr/>
+          <a:lstStyle/>
+          <a:p>
+            <a:r>
+              <a:rPr lang="en-US" dirty="0"/>
+              <a:t>foo.rs</a:t>
+            </a:r>
+          </a:p>
+          <a:p>
+            <a:pPr lvl="1"/>
+            <a:r>
+              <a:rPr lang="en-US" dirty="0">
+                <a:solidFill>
+                  <a:srgbClr val="0033B3"/>
+                </a:solidFill>
+                <a:effectLst/>
+                <a:latin typeface="JetBrains Mono"/>
+              </a:rPr>
+              <a:t>pub </a:t>
+            </a:r>
+            <a:r>
+              <a:rPr lang="en-US" dirty="0" err="1">
+                <a:solidFill>
+                  <a:srgbClr val="0033B3"/>
+                </a:solidFill>
+                <a:effectLst/>
+                <a:latin typeface="JetBrains Mono"/>
+              </a:rPr>
+              <a:t>fn</a:t>
+            </a:r>
+            <a:r>
+              <a:rPr lang="en-US" dirty="0">
+                <a:solidFill>
+                  <a:srgbClr val="0033B3"/>
+                </a:solidFill>
+                <a:effectLst/>
+                <a:latin typeface="JetBrains Mono"/>
+              </a:rPr>
+              <a:t> </a:t>
+            </a:r>
+            <a:r>
+              <a:rPr lang="en-US" dirty="0">
+                <a:solidFill>
+                  <a:srgbClr val="00627A"/>
+                </a:solidFill>
+                <a:effectLst/>
+                <a:latin typeface="JetBrains Mono"/>
+              </a:rPr>
+              <a:t>hello</a:t>
+            </a:r>
+            <a:r>
+              <a:rPr lang="en-US" dirty="0">
+                <a:solidFill>
+                  <a:srgbClr val="080808"/>
+                </a:solidFill>
+                <a:effectLst/>
+                <a:latin typeface="JetBrains Mono"/>
+              </a:rPr>
+              <a:t>(){</a:t>
+            </a:r>
+            <a:br>
+              <a:rPr lang="en-US" dirty="0">
+                <a:solidFill>
+                  <a:srgbClr val="080808"/>
+                </a:solidFill>
+                <a:effectLst/>
+                <a:latin typeface="JetBrains Mono"/>
+              </a:rPr>
+            </a:br>
+            <a:r>
+              <a:rPr lang="en-US" dirty="0">
+                <a:solidFill>
+                  <a:srgbClr val="080808"/>
+                </a:solidFill>
+                <a:effectLst/>
+                <a:latin typeface="JetBrains Mono"/>
+              </a:rPr>
+              <a:t>    </a:t>
+            </a:r>
+            <a:r>
+              <a:rPr lang="en-US" dirty="0" err="1">
+                <a:solidFill>
+                  <a:srgbClr val="DD6718"/>
+                </a:solidFill>
+                <a:effectLst/>
+                <a:latin typeface="JetBrains Mono"/>
+              </a:rPr>
+              <a:t>println</a:t>
+            </a:r>
+            <a:r>
+              <a:rPr lang="en-US" dirty="0">
+                <a:solidFill>
+                  <a:srgbClr val="DD6718"/>
+                </a:solidFill>
+                <a:effectLst/>
+                <a:latin typeface="JetBrains Mono"/>
+              </a:rPr>
+              <a:t>!</a:t>
+            </a:r>
+            <a:r>
+              <a:rPr lang="en-US" dirty="0">
+                <a:solidFill>
+                  <a:srgbClr val="080808"/>
+                </a:solidFill>
+                <a:effectLst/>
+                <a:latin typeface="JetBrains Mono"/>
+              </a:rPr>
+              <a:t>(</a:t>
+            </a:r>
+            <a:r>
+              <a:rPr lang="en-US" dirty="0">
+                <a:solidFill>
+                  <a:srgbClr val="067D17"/>
+                </a:solidFill>
+                <a:effectLst/>
+                <a:latin typeface="JetBrains Mono"/>
+              </a:rPr>
+              <a:t>"Hello World"</a:t>
+            </a:r>
+            <a:r>
+              <a:rPr lang="en-US" dirty="0">
+                <a:solidFill>
+                  <a:srgbClr val="080808"/>
+                </a:solidFill>
+                <a:effectLst/>
+                <a:latin typeface="JetBrains Mono"/>
+              </a:rPr>
+              <a:t>)</a:t>
+            </a:r>
+            <a:br>
+              <a:rPr lang="en-US" dirty="0">
+                <a:solidFill>
+                  <a:srgbClr val="080808"/>
+                </a:solidFill>
+                <a:effectLst/>
+                <a:latin typeface="JetBrains Mono"/>
+              </a:rPr>
+            </a:br>
+            <a:r>
+              <a:rPr lang="en-US" dirty="0">
+                <a:solidFill>
+                  <a:srgbClr val="080808"/>
+                </a:solidFill>
+                <a:effectLst/>
+                <a:latin typeface="JetBrains Mono"/>
+              </a:rPr>
+              <a:t>}</a:t>
+            </a:r>
+          </a:p>
+          <a:p>
+            <a:r>
+              <a:rPr lang="en-US" dirty="0"/>
+              <a:t>bar.rs</a:t>
+            </a:r>
+          </a:p>
+          <a:p>
+            <a:pPr lvl="1"/>
+            <a:r>
+              <a:rPr lang="en-US" dirty="0" err="1">
+                <a:solidFill>
+                  <a:srgbClr val="0033B3"/>
+                </a:solidFill>
+                <a:effectLst/>
+                <a:latin typeface="JetBrains Mono"/>
+              </a:rPr>
+              <a:t>fn</a:t>
+            </a:r>
+            <a:r>
+              <a:rPr lang="en-US" dirty="0">
+                <a:solidFill>
+                  <a:srgbClr val="0033B3"/>
+                </a:solidFill>
+                <a:effectLst/>
+                <a:latin typeface="JetBrains Mono"/>
+              </a:rPr>
+              <a:t> </a:t>
+            </a:r>
+            <a:r>
+              <a:rPr lang="en-US" dirty="0">
+                <a:solidFill>
+                  <a:srgbClr val="00627A"/>
+                </a:solidFill>
+                <a:effectLst/>
+                <a:latin typeface="JetBrains Mono"/>
+              </a:rPr>
+              <a:t>main</a:t>
+            </a:r>
+            <a:r>
+              <a:rPr lang="en-US" dirty="0">
+                <a:solidFill>
+                  <a:srgbClr val="080808"/>
+                </a:solidFill>
+                <a:effectLst/>
+                <a:latin typeface="JetBrains Mono"/>
+              </a:rPr>
+              <a:t>(){</a:t>
+            </a:r>
+            <a:br>
+              <a:rPr lang="en-US" dirty="0">
+                <a:solidFill>
+                  <a:srgbClr val="080808"/>
+                </a:solidFill>
+                <a:effectLst/>
+                <a:latin typeface="JetBrains Mono"/>
+              </a:rPr>
+            </a:br>
+            <a:r>
+              <a:rPr lang="en-US" dirty="0">
+                <a:solidFill>
+                  <a:srgbClr val="080808"/>
+                </a:solidFill>
+                <a:effectLst/>
+                <a:latin typeface="JetBrains Mono"/>
+              </a:rPr>
+              <a:t>    </a:t>
+            </a:r>
+            <a:r>
+              <a:rPr lang="en-US" dirty="0" err="1">
+                <a:solidFill>
+                  <a:srgbClr val="080808"/>
+                </a:solidFill>
+                <a:effectLst/>
+                <a:latin typeface="JetBrains Mono"/>
+              </a:rPr>
+              <a:t>my_foo</a:t>
+            </a:r>
+            <a:r>
+              <a:rPr lang="en-US" dirty="0">
+                <a:solidFill>
+                  <a:srgbClr val="080808"/>
+                </a:solidFill>
+                <a:effectLst/>
+                <a:latin typeface="JetBrains Mono"/>
+              </a:rPr>
+              <a:t>::hello();</a:t>
+            </a:r>
+            <a:br>
+              <a:rPr lang="en-US" dirty="0">
+                <a:solidFill>
+                  <a:srgbClr val="080808"/>
+                </a:solidFill>
+                <a:effectLst/>
+                <a:latin typeface="JetBrains Mono"/>
+              </a:rPr>
+            </a:br>
+            <a:r>
+              <a:rPr lang="en-US" dirty="0">
+                <a:solidFill>
+                  <a:srgbClr val="080808"/>
+                </a:solidFill>
+                <a:effectLst/>
+                <a:latin typeface="JetBrains Mono"/>
+              </a:rPr>
+              <a:t>}</a:t>
+            </a:r>
+          </a:p>
+          <a:p>
+            <a:endParaRPr lang="ru-RU" dirty="0"/>
+          </a:p>
+        </p:txBody>
+      </p:sp>
+      <p:sp>
+        <p:nvSpPr>
+          <p:cNvPr id="6" name="Content Placeholder 5">
+            <a:extLst>
+              <a:ext uri="{FF2B5EF4-FFF2-40B4-BE49-F238E27FC236}">
+                <a16:creationId xmlns:a16="http://schemas.microsoft.com/office/drawing/2014/main" id="{71CAABDA-8A44-3065-0E3C-D2FE37CFE1AC}"/>
+              </a:ext>
+            </a:extLst>
+          </p:cNvPr>
+          <p:cNvSpPr>
+            <a:spLocks noGrp="1"/>
+          </p:cNvSpPr>
+          <p:nvPr>
+            <p:ph sz="half" idx="2"/>
+          </p:nvPr>
+        </p:nvSpPr>
+        <p:spPr>
+          <a:xfrm>
+            <a:off x="4907017" y="1825625"/>
+            <a:ext cx="6446783" cy="4351338"/>
+          </a:xfrm>
+        </p:spPr>
+        <p:txBody>
+          <a:bodyPr/>
+          <a:lstStyle/>
+          <a:p>
+            <a:pPr marL="0" indent="0">
+              <a:buNone/>
+            </a:pPr>
+            <a:r>
+              <a:rPr lang="en-US" dirty="0" err="1"/>
+              <a:t>rustc</a:t>
+            </a:r>
+            <a:r>
+              <a:rPr lang="en-US" dirty="0"/>
+              <a:t> foo.rs --crate-type </a:t>
+            </a:r>
+            <a:r>
+              <a:rPr lang="en-US" dirty="0" err="1"/>
+              <a:t>rlib</a:t>
+            </a:r>
+            <a:endParaRPr lang="en-US" dirty="0"/>
+          </a:p>
+          <a:p>
+            <a:pPr marL="0" indent="0">
+              <a:buNone/>
+            </a:pPr>
+            <a:r>
+              <a:rPr lang="en-US" dirty="0"/>
+              <a:t>&gt; </a:t>
+            </a:r>
+            <a:r>
+              <a:rPr lang="en-US" dirty="0" err="1"/>
+              <a:t>libfoo.rlib</a:t>
+            </a:r>
+            <a:endParaRPr lang="en-US" dirty="0"/>
+          </a:p>
+          <a:p>
+            <a:pPr marL="0" indent="0">
+              <a:buNone/>
+            </a:pPr>
+            <a:r>
+              <a:rPr lang="en-US" dirty="0" err="1"/>
+              <a:t>rustc</a:t>
+            </a:r>
+            <a:r>
+              <a:rPr lang="en-US" dirty="0"/>
+              <a:t> bar.rs --extern </a:t>
+            </a:r>
+            <a:r>
+              <a:rPr lang="en-US" dirty="0" err="1"/>
+              <a:t>my_foo</a:t>
+            </a:r>
+            <a:r>
+              <a:rPr lang="en-US" dirty="0"/>
+              <a:t>=./</a:t>
+            </a:r>
+            <a:r>
+              <a:rPr lang="en-US" dirty="0" err="1"/>
+              <a:t>libfoo.rlib</a:t>
+            </a:r>
+            <a:endParaRPr lang="en-US" dirty="0"/>
+          </a:p>
+          <a:p>
+            <a:pPr marL="0" indent="0">
+              <a:buNone/>
+            </a:pPr>
+            <a:r>
+              <a:rPr lang="en-US" dirty="0"/>
+              <a:t>&gt; bar.exe</a:t>
+            </a:r>
+            <a:endParaRPr lang="ru-RU" dirty="0"/>
+          </a:p>
+        </p:txBody>
+      </p:sp>
+    </p:spTree>
+    <p:extLst>
+      <p:ext uri="{BB962C8B-B14F-4D97-AF65-F5344CB8AC3E}">
+        <p14:creationId xmlns:p14="http://schemas.microsoft.com/office/powerpoint/2010/main" val="3288515054"/>
+      </p:ext>
+    </p:extLst>
+  </p:cSld>
+  <p:clrMapOvr>
+    <a:masterClrMapping/>
+  </p:clrMapOvr>
+  <p:timing>
+    <p:tnLst>
+      <p:par>
+        <p:cTn id="1" dur="indefinite" restart="never" nodeType="tmRoot">
+          <p:childTnLst>
+            <p:seq concurrent="1" nextAc="seek">
+              <p:cTn id="2" dur="indefinite" nodeType="mainSeq">
+                <p:childTnLst>
+                  <p:par>
+                    <p:cTn id="3" fill="hold">
+                      <p:stCondLst>
+                        <p:cond delay="indefinite"/>
+                      </p:stCondLst>
+                      <p:childTnLst>
+                        <p:par>
+                          <p:cTn id="4" fill="hold">
+                            <p:stCondLst>
+                              <p:cond delay="0"/>
+                            </p:stCondLst>
+                            <p:childTnLst>
+                              <p:par>
+                                <p:cTn id="5" presetID="1" presetClass="entr" presetSubtype="0" fill="hold" grpId="0" nodeType="clickEffect">
+                                  <p:stCondLst>
+                                    <p:cond delay="0"/>
+                                  </p:stCondLst>
+                                  <p:childTnLst>
+                                    <p:set>
+                                      <p:cBhvr>
+                                        <p:cTn id="6" dur="1" fill="hold">
+                                          <p:stCondLst>
+                                            <p:cond delay="0"/>
+                                          </p:stCondLst>
+                                        </p:cTn>
+                                        <p:tgtEl>
+                                          <p:spTgt spid="6">
+                                            <p:txEl>
+                                              <p:pRg st="0" end="0"/>
+                                            </p:txEl>
+                                          </p:spTgt>
+                                        </p:tgtEl>
+                                        <p:attrNameLst>
+                                          <p:attrName>style.visibility</p:attrName>
+                                        </p:attrNameLst>
+                                      </p:cBhvr>
+                                      <p:to>
+                                        <p:strVal val="visible"/>
+                                      </p:to>
+                                    </p:set>
+                                  </p:childTnLst>
+                                </p:cTn>
+                              </p:par>
+                            </p:childTnLst>
+                          </p:cTn>
+                        </p:par>
+                      </p:childTnLst>
+                    </p:cTn>
+                  </p:par>
+                  <p:par>
+                    <p:cTn id="7" fill="hold">
+                      <p:stCondLst>
+                        <p:cond delay="indefinite"/>
+                      </p:stCondLst>
+                      <p:childTnLst>
+                        <p:par>
+                          <p:cTn id="8" fill="hold">
+                            <p:stCondLst>
+                              <p:cond delay="0"/>
+                            </p:stCondLst>
+                            <p:childTnLst>
+                              <p:par>
+                                <p:cTn id="9" presetID="1" presetClass="entr" presetSubtype="0" fill="hold" grpId="0" nodeType="clickEffect">
+                                  <p:stCondLst>
+                                    <p:cond delay="0"/>
+                                  </p:stCondLst>
+                                  <p:childTnLst>
+                                    <p:set>
+                                      <p:cBhvr>
+                                        <p:cTn id="10" dur="1" fill="hold">
+                                          <p:stCondLst>
+                                            <p:cond delay="0"/>
+                                          </p:stCondLst>
+                                        </p:cTn>
+                                        <p:tgtEl>
+                                          <p:spTgt spid="6">
+                                            <p:txEl>
+                                              <p:pRg st="1" end="1"/>
+                                            </p:txEl>
+                                          </p:spTgt>
+                                        </p:tgtEl>
+                                        <p:attrNameLst>
+                                          <p:attrName>style.visibility</p:attrName>
+                                        </p:attrNameLst>
+                                      </p:cBhvr>
+                                      <p:to>
+                                        <p:strVal val="visible"/>
+                                      </p:to>
+                                    </p:set>
+                                  </p:childTnLst>
+                                </p:cTn>
+                              </p:par>
+                            </p:childTnLst>
+                          </p:cTn>
+                        </p:par>
+                      </p:childTnLst>
+                    </p:cTn>
+                  </p:par>
+                  <p:par>
+                    <p:cTn id="11" fill="hold">
+                      <p:stCondLst>
+                        <p:cond delay="indefinite"/>
+                      </p:stCondLst>
+                      <p:childTnLst>
+                        <p:par>
+                          <p:cTn id="12" fill="hold">
+                            <p:stCondLst>
+                              <p:cond delay="0"/>
+                            </p:stCondLst>
+                            <p:childTnLst>
+                              <p:par>
+                                <p:cTn id="13" presetID="1" presetClass="entr" presetSubtype="0" fill="hold" grpId="0" nodeType="clickEffect">
+                                  <p:stCondLst>
+                                    <p:cond delay="0"/>
+                                  </p:stCondLst>
+                                  <p:childTnLst>
+                                    <p:set>
+                                      <p:cBhvr>
+                                        <p:cTn id="14" dur="1" fill="hold">
+                                          <p:stCondLst>
+                                            <p:cond delay="0"/>
+                                          </p:stCondLst>
+                                        </p:cTn>
+                                        <p:tgtEl>
+                                          <p:spTgt spid="6">
+                                            <p:txEl>
+                                              <p:pRg st="2" end="2"/>
+                                            </p:txEl>
+                                          </p:spTgt>
+                                        </p:tgtEl>
+                                        <p:attrNameLst>
+                                          <p:attrName>style.visibility</p:attrName>
+                                        </p:attrNameLst>
+                                      </p:cBhvr>
+                                      <p:to>
+                                        <p:strVal val="visible"/>
+                                      </p:to>
+                                    </p:set>
+                                  </p:childTnLst>
+                                </p:cTn>
+                              </p:par>
+                            </p:childTnLst>
+                          </p:cTn>
+                        </p:par>
+                      </p:childTnLst>
+                    </p:cTn>
+                  </p:par>
+                  <p:par>
+                    <p:cTn id="15" fill="hold">
+                      <p:stCondLst>
+                        <p:cond delay="indefinite"/>
+                      </p:stCondLst>
+                      <p:childTnLst>
+                        <p:par>
+                          <p:cTn id="16" fill="hold">
+                            <p:stCondLst>
+                              <p:cond delay="0"/>
+                            </p:stCondLst>
+                            <p:childTnLst>
+                              <p:par>
+                                <p:cTn id="17" presetID="1" presetClass="entr" presetSubtype="0" fill="hold" grpId="0" nodeType="clickEffect">
+                                  <p:stCondLst>
+                                    <p:cond delay="0"/>
+                                  </p:stCondLst>
+                                  <p:childTnLst>
+                                    <p:set>
+                                      <p:cBhvr>
+                                        <p:cTn id="18" dur="1" fill="hold">
+                                          <p:stCondLst>
+                                            <p:cond delay="0"/>
+                                          </p:stCondLst>
+                                        </p:cTn>
+                                        <p:tgtEl>
+                                          <p:spTgt spid="6">
+                                            <p:txEl>
+                                              <p:pRg st="3" end="3"/>
+                                            </p:txEl>
+                                          </p:spTgt>
+                                        </p:tgtEl>
+                                        <p:attrNameLst>
+                                          <p:attrName>style.visibility</p:attrName>
+                                        </p:attrNameLst>
+                                      </p:cBhvr>
+                                      <p:to>
+                                        <p:strVal val="visible"/>
+                                      </p:to>
+                                    </p:set>
+                                  </p:childTnLst>
+                                </p:cTn>
+                              </p:par>
+                            </p:childTnLst>
+                          </p:cTn>
+                        </p:par>
+                      </p:childTnLst>
+                    </p:cTn>
+                  </p:par>
+                </p:childTnLst>
+              </p:cTn>
+              <p:prevCondLst>
+                <p:cond evt="onPrev" delay="0">
+                  <p:tgtEl>
+                    <p:sldTgt/>
+                  </p:tgtEl>
+                </p:cond>
+              </p:prevCondLst>
+              <p:nextCondLst>
+                <p:cond evt="onNext" delay="0">
+                  <p:tgtEl>
+                    <p:sldTgt/>
+                  </p:tgtEl>
+                </p:cond>
+              </p:nextCondLst>
+            </p:seq>
+          </p:childTnLst>
+        </p:cTn>
+      </p:par>
+    </p:tnLst>
+    <p:bldLst>
+      <p:bldP spid="6" grpId="0" build="p"/>
+    </p:bldLst>
+  </p:timing>
+</p:sld>
+</file>
+
 <file path=ppt/theme/theme1.xml><?xml version="1.0" encoding="utf-8"?>
 <a:theme xmlns:a="http://schemas.openxmlformats.org/drawingml/2006/main" name="Office Theme">
   <a:themeElements>

--- a/src/07-Modules/07-Modules.pptx
+++ b/src/07-Modules/07-Modules.pptx
@@ -7480,7 +7480,7 @@
           <a:p>
             <a:fld id="{EFAAC8F1-21AA-47EF-82D9-7929EA07D29D}" type="datetimeFigureOut">
               <a:rPr lang="ru-RU" smtClean="0"/>
-              <a:t>20.03.2023</a:t>
+              <a:t>21.03.2023</a:t>
             </a:fld>
             <a:endParaRPr lang="ru-RU"/>
           </a:p>
@@ -7680,7 +7680,7 @@
           <a:p>
             <a:fld id="{EFAAC8F1-21AA-47EF-82D9-7929EA07D29D}" type="datetimeFigureOut">
               <a:rPr lang="ru-RU" smtClean="0"/>
-              <a:t>20.03.2023</a:t>
+              <a:t>21.03.2023</a:t>
             </a:fld>
             <a:endParaRPr lang="ru-RU"/>
           </a:p>
@@ -7890,7 +7890,7 @@
           <a:p>
             <a:fld id="{EFAAC8F1-21AA-47EF-82D9-7929EA07D29D}" type="datetimeFigureOut">
               <a:rPr lang="ru-RU" smtClean="0"/>
-              <a:t>20.03.2023</a:t>
+              <a:t>21.03.2023</a:t>
             </a:fld>
             <a:endParaRPr lang="ru-RU"/>
           </a:p>
@@ -8090,7 +8090,7 @@
           <a:p>
             <a:fld id="{EFAAC8F1-21AA-47EF-82D9-7929EA07D29D}" type="datetimeFigureOut">
               <a:rPr lang="ru-RU" smtClean="0"/>
-              <a:t>20.03.2023</a:t>
+              <a:t>21.03.2023</a:t>
             </a:fld>
             <a:endParaRPr lang="ru-RU"/>
           </a:p>
@@ -8366,7 +8366,7 @@
           <a:p>
             <a:fld id="{EFAAC8F1-21AA-47EF-82D9-7929EA07D29D}" type="datetimeFigureOut">
               <a:rPr lang="ru-RU" smtClean="0"/>
-              <a:t>20.03.2023</a:t>
+              <a:t>21.03.2023</a:t>
             </a:fld>
             <a:endParaRPr lang="ru-RU"/>
           </a:p>
@@ -8634,7 +8634,7 @@
           <a:p>
             <a:fld id="{EFAAC8F1-21AA-47EF-82D9-7929EA07D29D}" type="datetimeFigureOut">
               <a:rPr lang="ru-RU" smtClean="0"/>
-              <a:t>20.03.2023</a:t>
+              <a:t>21.03.2023</a:t>
             </a:fld>
             <a:endParaRPr lang="ru-RU"/>
           </a:p>
@@ -9049,7 +9049,7 @@
           <a:p>
             <a:fld id="{EFAAC8F1-21AA-47EF-82D9-7929EA07D29D}" type="datetimeFigureOut">
               <a:rPr lang="ru-RU" smtClean="0"/>
-              <a:t>20.03.2023</a:t>
+              <a:t>21.03.2023</a:t>
             </a:fld>
             <a:endParaRPr lang="ru-RU"/>
           </a:p>
@@ -9191,7 +9191,7 @@
           <a:p>
             <a:fld id="{EFAAC8F1-21AA-47EF-82D9-7929EA07D29D}" type="datetimeFigureOut">
               <a:rPr lang="ru-RU" smtClean="0"/>
-              <a:t>20.03.2023</a:t>
+              <a:t>21.03.2023</a:t>
             </a:fld>
             <a:endParaRPr lang="ru-RU"/>
           </a:p>
@@ -9304,7 +9304,7 @@
           <a:p>
             <a:fld id="{EFAAC8F1-21AA-47EF-82D9-7929EA07D29D}" type="datetimeFigureOut">
               <a:rPr lang="ru-RU" smtClean="0"/>
-              <a:t>20.03.2023</a:t>
+              <a:t>21.03.2023</a:t>
             </a:fld>
             <a:endParaRPr lang="ru-RU"/>
           </a:p>
@@ -9617,7 +9617,7 @@
           <a:p>
             <a:fld id="{EFAAC8F1-21AA-47EF-82D9-7929EA07D29D}" type="datetimeFigureOut">
               <a:rPr lang="ru-RU" smtClean="0"/>
-              <a:t>20.03.2023</a:t>
+              <a:t>21.03.2023</a:t>
             </a:fld>
             <a:endParaRPr lang="ru-RU"/>
           </a:p>
@@ -9906,7 +9906,7 @@
           <a:p>
             <a:fld id="{EFAAC8F1-21AA-47EF-82D9-7929EA07D29D}" type="datetimeFigureOut">
               <a:rPr lang="ru-RU" smtClean="0"/>
-              <a:t>20.03.2023</a:t>
+              <a:t>21.03.2023</a:t>
             </a:fld>
             <a:endParaRPr lang="ru-RU"/>
           </a:p>
@@ -10149,7 +10149,7 @@
           <a:p>
             <a:fld id="{EFAAC8F1-21AA-47EF-82D9-7929EA07D29D}" type="datetimeFigureOut">
               <a:rPr lang="ru-RU" smtClean="0"/>
-              <a:t>20.03.2023</a:t>
+              <a:t>21.03.2023</a:t>
             </a:fld>
             <a:endParaRPr lang="ru-RU"/>
           </a:p>
@@ -28347,7 +28347,15 @@
             <a:pPr lvl="2"/>
             <a:r>
               <a:rPr lang="en-US" dirty="0"/>
-              <a:t>sub_features.rs</a:t>
+              <a:t>sub</a:t>
+            </a:r>
+            <a:r>
+              <a:rPr lang="en-US"/>
+              <a:t>_feature.</a:t>
+            </a:r>
+            <a:r>
+              <a:rPr lang="en-US" dirty="0"/>
+              <a:t>rs</a:t>
             </a:r>
           </a:p>
           <a:p>
@@ -36657,13 +36665,8 @@
             <a:pPr lvl="2"/>
             <a:r>
               <a:rPr lang="en-US" dirty="0"/>
-              <a:t>target/debug/</a:t>
-            </a:r>
-            <a:r>
-              <a:rPr lang="en-US" dirty="0" err="1"/>
-              <a:t>libcrate_name.rlib</a:t>
-            </a:r>
-            <a:endParaRPr lang="en-US" dirty="0"/>
+              <a:t>target/debug/crate_name.exe</a:t>
+            </a:r>
           </a:p>
           <a:p>
             <a:r>
@@ -36827,8 +36830,16 @@
             <a:pPr lvl="2"/>
             <a:r>
               <a:rPr lang="en-US" dirty="0"/>
-              <a:t>target/debug/crate_name.exe</a:t>
-            </a:r>
+              <a:t>target/debug/</a:t>
+            </a:r>
+            <a:r>
+              <a:rPr lang="en-US" dirty="0" err="1"/>
+              <a:t>libcrate_name.rlib</a:t>
+            </a:r>
+            <a:endParaRPr lang="en-US" dirty="0"/>
+          </a:p>
+          <a:p>
+            <a:pPr lvl="2"/>
             <a:endParaRPr lang="ru-RU" dirty="0"/>
           </a:p>
         </p:txBody>
